--- a/Job Scheduling/assignment/graph.pptx
+++ b/Job Scheduling/assignment/graph.pptx
@@ -256,7 +256,7 @@
           <a:p>
             <a:fld id="{63A1C593-65D0-4073-BCC9-577B9352EA97}" type="datetimeFigureOut">
               <a:rPr lang="en-US" smtClean="0"/>
-              <a:t>12/26/2018</a:t>
+              <a:t>12/26/18</a:t>
             </a:fld>
             <a:endParaRPr lang="en-US"/>
           </a:p>
@@ -426,7 +426,7 @@
           <a:p>
             <a:fld id="{63A1C593-65D0-4073-BCC9-577B9352EA97}" type="datetimeFigureOut">
               <a:rPr lang="en-US" smtClean="0"/>
-              <a:t>12/26/2018</a:t>
+              <a:t>12/26/18</a:t>
             </a:fld>
             <a:endParaRPr lang="en-US"/>
           </a:p>
@@ -606,7 +606,7 @@
           <a:p>
             <a:fld id="{63A1C593-65D0-4073-BCC9-577B9352EA97}" type="datetimeFigureOut">
               <a:rPr lang="en-US" smtClean="0"/>
-              <a:t>12/26/2018</a:t>
+              <a:t>12/26/18</a:t>
             </a:fld>
             <a:endParaRPr lang="en-US"/>
           </a:p>
@@ -776,7 +776,7 @@
           <a:p>
             <a:fld id="{63A1C593-65D0-4073-BCC9-577B9352EA97}" type="datetimeFigureOut">
               <a:rPr lang="en-US" smtClean="0"/>
-              <a:t>12/26/2018</a:t>
+              <a:t>12/26/18</a:t>
             </a:fld>
             <a:endParaRPr lang="en-US"/>
           </a:p>
@@ -1022,7 +1022,7 @@
           <a:p>
             <a:fld id="{63A1C593-65D0-4073-BCC9-577B9352EA97}" type="datetimeFigureOut">
               <a:rPr lang="en-US" smtClean="0"/>
-              <a:t>12/26/2018</a:t>
+              <a:t>12/26/18</a:t>
             </a:fld>
             <a:endParaRPr lang="en-US"/>
           </a:p>
@@ -1254,7 +1254,7 @@
           <a:p>
             <a:fld id="{63A1C593-65D0-4073-BCC9-577B9352EA97}" type="datetimeFigureOut">
               <a:rPr lang="en-US" smtClean="0"/>
-              <a:t>12/26/2018</a:t>
+              <a:t>12/26/18</a:t>
             </a:fld>
             <a:endParaRPr lang="en-US"/>
           </a:p>
@@ -1621,7 +1621,7 @@
           <a:p>
             <a:fld id="{63A1C593-65D0-4073-BCC9-577B9352EA97}" type="datetimeFigureOut">
               <a:rPr lang="en-US" smtClean="0"/>
-              <a:t>12/26/2018</a:t>
+              <a:t>12/26/18</a:t>
             </a:fld>
             <a:endParaRPr lang="en-US"/>
           </a:p>
@@ -1739,7 +1739,7 @@
           <a:p>
             <a:fld id="{63A1C593-65D0-4073-BCC9-577B9352EA97}" type="datetimeFigureOut">
               <a:rPr lang="en-US" smtClean="0"/>
-              <a:t>12/26/2018</a:t>
+              <a:t>12/26/18</a:t>
             </a:fld>
             <a:endParaRPr lang="en-US"/>
           </a:p>
@@ -1834,7 +1834,7 @@
           <a:p>
             <a:fld id="{63A1C593-65D0-4073-BCC9-577B9352EA97}" type="datetimeFigureOut">
               <a:rPr lang="en-US" smtClean="0"/>
-              <a:t>12/26/2018</a:t>
+              <a:t>12/26/18</a:t>
             </a:fld>
             <a:endParaRPr lang="en-US"/>
           </a:p>
@@ -2111,7 +2111,7 @@
           <a:p>
             <a:fld id="{63A1C593-65D0-4073-BCC9-577B9352EA97}" type="datetimeFigureOut">
               <a:rPr lang="en-US" smtClean="0"/>
-              <a:t>12/26/2018</a:t>
+              <a:t>12/26/18</a:t>
             </a:fld>
             <a:endParaRPr lang="en-US"/>
           </a:p>
@@ -2364,7 +2364,7 @@
           <a:p>
             <a:fld id="{63A1C593-65D0-4073-BCC9-577B9352EA97}" type="datetimeFigureOut">
               <a:rPr lang="en-US" smtClean="0"/>
-              <a:t>12/26/2018</a:t>
+              <a:t>12/26/18</a:t>
             </a:fld>
             <a:endParaRPr lang="en-US"/>
           </a:p>
@@ -2577,7 +2577,7 @@
           <a:p>
             <a:fld id="{63A1C593-65D0-4073-BCC9-577B9352EA97}" type="datetimeFigureOut">
               <a:rPr lang="en-US" smtClean="0"/>
-              <a:t>12/26/2018</a:t>
+              <a:t>12/26/18</a:t>
             </a:fld>
             <a:endParaRPr lang="en-US"/>
           </a:p>
@@ -3010,21 +3010,21 @@
                 <a:gridCol w="873044">
                   <a:extLst>
                     <a:ext uri="{9D8B030D-6E8A-4147-A177-3AD203B41FA5}">
-                      <a16:colId xmlns:a16="http://schemas.microsoft.com/office/drawing/2014/main" val="1842320837"/>
+                      <a16:colId xmlns:a16="http://schemas.microsoft.com/office/drawing/2014/main" xmlns="" val="1842320837"/>
                     </a:ext>
                   </a:extLst>
                 </a:gridCol>
                 <a:gridCol w="717388">
                   <a:extLst>
                     <a:ext uri="{9D8B030D-6E8A-4147-A177-3AD203B41FA5}">
-                      <a16:colId xmlns:a16="http://schemas.microsoft.com/office/drawing/2014/main" val="2038016994"/>
+                      <a16:colId xmlns:a16="http://schemas.microsoft.com/office/drawing/2014/main" xmlns="" val="2038016994"/>
                     </a:ext>
                   </a:extLst>
                 </a:gridCol>
                 <a:gridCol w="1028699">
                   <a:extLst>
                     <a:ext uri="{9D8B030D-6E8A-4147-A177-3AD203B41FA5}">
-                      <a16:colId xmlns:a16="http://schemas.microsoft.com/office/drawing/2014/main" val="3728435139"/>
+                      <a16:colId xmlns:a16="http://schemas.microsoft.com/office/drawing/2014/main" xmlns="" val="3728435139"/>
                     </a:ext>
                   </a:extLst>
                 </a:gridCol>
@@ -3077,7 +3077,7 @@
                 </a:tc>
                 <a:extLst>
                   <a:ext uri="{0D108BD9-81ED-4DB2-BD59-A6C34878D82A}">
-                    <a16:rowId xmlns:a16="http://schemas.microsoft.com/office/drawing/2014/main" val="1025974938"/>
+                    <a16:rowId xmlns:a16="http://schemas.microsoft.com/office/drawing/2014/main" xmlns="" val="1025974938"/>
                   </a:ext>
                 </a:extLst>
               </a:tr>
@@ -3129,7 +3129,7 @@
                 </a:tc>
                 <a:extLst>
                   <a:ext uri="{0D108BD9-81ED-4DB2-BD59-A6C34878D82A}">
-                    <a16:rowId xmlns:a16="http://schemas.microsoft.com/office/drawing/2014/main" val="4077566409"/>
+                    <a16:rowId xmlns:a16="http://schemas.microsoft.com/office/drawing/2014/main" xmlns="" val="4077566409"/>
                   </a:ext>
                 </a:extLst>
               </a:tr>
@@ -3181,7 +3181,7 @@
                 </a:tc>
                 <a:extLst>
                   <a:ext uri="{0D108BD9-81ED-4DB2-BD59-A6C34878D82A}">
-                    <a16:rowId xmlns:a16="http://schemas.microsoft.com/office/drawing/2014/main" val="4214053569"/>
+                    <a16:rowId xmlns:a16="http://schemas.microsoft.com/office/drawing/2014/main" xmlns="" val="4214053569"/>
                   </a:ext>
                 </a:extLst>
               </a:tr>
@@ -3233,7 +3233,7 @@
                 </a:tc>
                 <a:extLst>
                   <a:ext uri="{0D108BD9-81ED-4DB2-BD59-A6C34878D82A}">
-                    <a16:rowId xmlns:a16="http://schemas.microsoft.com/office/drawing/2014/main" val="3475086053"/>
+                    <a16:rowId xmlns:a16="http://schemas.microsoft.com/office/drawing/2014/main" xmlns="" val="3475086053"/>
                   </a:ext>
                 </a:extLst>
               </a:tr>
@@ -3285,7 +3285,7 @@
                 </a:tc>
                 <a:extLst>
                   <a:ext uri="{0D108BD9-81ED-4DB2-BD59-A6C34878D82A}">
-                    <a16:rowId xmlns:a16="http://schemas.microsoft.com/office/drawing/2014/main" val="3245955256"/>
+                    <a16:rowId xmlns:a16="http://schemas.microsoft.com/office/drawing/2014/main" xmlns="" val="3245955256"/>
                   </a:ext>
                 </a:extLst>
               </a:tr>
@@ -3337,7 +3337,7 @@
                 </a:tc>
                 <a:extLst>
                   <a:ext uri="{0D108BD9-81ED-4DB2-BD59-A6C34878D82A}">
-                    <a16:rowId xmlns:a16="http://schemas.microsoft.com/office/drawing/2014/main" val="1233959304"/>
+                    <a16:rowId xmlns:a16="http://schemas.microsoft.com/office/drawing/2014/main" xmlns="" val="1233959304"/>
                   </a:ext>
                 </a:extLst>
               </a:tr>
@@ -4105,6 +4105,108 @@
               <a:ln w="0"/>
               <a:solidFill>
                 <a:schemeClr val="tx1"/>
+              </a:solidFill>
+              <a:effectLst>
+                <a:outerShdw blurRad="38100" dist="19050" dir="2700000" algn="tl" rotWithShape="0">
+                  <a:schemeClr val="dk1">
+                    <a:alpha val="40000"/>
+                  </a:schemeClr>
+                </a:outerShdw>
+              </a:effectLst>
+            </a:endParaRPr>
+          </a:p>
+        </p:txBody>
+      </p:sp>
+      <p:sp>
+        <p:nvSpPr>
+          <p:cNvPr id="10" name="矩形 18"/>
+          <p:cNvSpPr/>
+          <p:nvPr/>
+        </p:nvSpPr>
+        <p:spPr>
+          <a:xfrm>
+            <a:off x="8935947" y="259923"/>
+            <a:ext cx="498855" cy="584775"/>
+          </a:xfrm>
+          <a:prstGeom prst="rect">
+            <a:avLst/>
+          </a:prstGeom>
+          <a:noFill/>
+        </p:spPr>
+        <p:txBody>
+          <a:bodyPr wrap="none" lIns="91440" tIns="45720" rIns="91440" bIns="45720">
+            <a:spAutoFit/>
+          </a:bodyPr>
+          <a:lstStyle/>
+          <a:p>
+            <a:pPr algn="ctr"/>
+            <a:r>
+              <a:rPr lang="en-US" altLang="zh-TW" sz="1600" dirty="0" smtClean="0">
+                <a:ln w="0"/>
+                <a:solidFill>
+                  <a:schemeClr val="bg1"/>
+                </a:solidFill>
+                <a:effectLst>
+                  <a:outerShdw blurRad="38100" dist="19050" dir="2700000" algn="tl" rotWithShape="0">
+                    <a:schemeClr val="dk1">
+                      <a:alpha val="40000"/>
+                    </a:schemeClr>
+                  </a:outerShdw>
+                </a:effectLst>
+              </a:rPr>
+              <a:t>P=0</a:t>
+            </a:r>
+            <a:r>
+              <a:rPr lang="en-US" altLang="zh-TW" sz="1600" dirty="0">
+                <a:ln w="0"/>
+                <a:solidFill>
+                  <a:schemeClr val="bg1"/>
+                </a:solidFill>
+                <a:effectLst>
+                  <a:outerShdw blurRad="38100" dist="19050" dir="2700000" algn="tl" rotWithShape="0">
+                    <a:schemeClr val="dk1">
+                      <a:alpha val="40000"/>
+                    </a:schemeClr>
+                  </a:outerShdw>
+                </a:effectLst>
+              </a:rPr>
+              <a:t/>
+            </a:r>
+            <a:br>
+              <a:rPr lang="en-US" altLang="zh-TW" sz="1600" dirty="0">
+                <a:ln w="0"/>
+                <a:solidFill>
+                  <a:schemeClr val="bg1"/>
+                </a:solidFill>
+                <a:effectLst>
+                  <a:outerShdw blurRad="38100" dist="19050" dir="2700000" algn="tl" rotWithShape="0">
+                    <a:schemeClr val="dk1">
+                      <a:alpha val="40000"/>
+                    </a:schemeClr>
+                  </a:outerShdw>
+                </a:effectLst>
+              </a:rPr>
+            </a:br>
+            <a:r>
+              <a:rPr lang="en-US" altLang="zh-TW" sz="1600" dirty="0" smtClean="0">
+                <a:ln w="0"/>
+                <a:solidFill>
+                  <a:schemeClr val="bg1"/>
+                </a:solidFill>
+                <a:effectLst>
+                  <a:outerShdw blurRad="38100" dist="19050" dir="2700000" algn="tl" rotWithShape="0">
+                    <a:schemeClr val="dk1">
+                      <a:alpha val="40000"/>
+                    </a:schemeClr>
+                  </a:outerShdw>
+                </a:effectLst>
+              </a:rPr>
+              <a:t>b=0</a:t>
+            </a:r>
+            <a:endParaRPr lang="zh-TW" altLang="en-US" sz="1600" dirty="0">
+              <a:ln w="0"/>
+              <a:solidFill>
+                <a:schemeClr val="bg1"/>
               </a:solidFill>
               <a:effectLst>
                 <a:outerShdw blurRad="38100" dist="19050" dir="2700000" algn="tl" rotWithShape="0">
@@ -4182,24 +4284,59 @@
                                   </p:childTnLst>
                                 </p:cTn>
                               </p:par>
-                            </p:childTnLst>
-                          </p:cTn>
-                        </p:par>
-                        <p:par>
-                          <p:cTn id="8" fill="hold">
-                            <p:stCondLst>
-                              <p:cond delay="500"/>
-                            </p:stCondLst>
-                            <p:childTnLst>
                               <p:par>
-                                <p:cTn id="9" presetID="22" presetClass="entr" presetSubtype="1" fill="hold" nodeType="afterEffect">
+                                <p:cTn id="8" presetID="9" presetClass="entr" presetSubtype="0" fill="hold" grpId="0" nodeType="withEffect">
                                   <p:stCondLst>
                                     <p:cond delay="0"/>
                                   </p:stCondLst>
                                   <p:childTnLst>
                                     <p:set>
                                       <p:cBhvr>
-                                        <p:cTn id="10" dur="1" fill="hold">
+                                        <p:cTn id="9" dur="1" fill="hold">
+                                          <p:stCondLst>
+                                            <p:cond delay="0"/>
+                                          </p:stCondLst>
+                                        </p:cTn>
+                                        <p:tgtEl>
+                                          <p:spTgt spid="10"/>
+                                        </p:tgtEl>
+                                        <p:attrNameLst>
+                                          <p:attrName>style.visibility</p:attrName>
+                                        </p:attrNameLst>
+                                      </p:cBhvr>
+                                      <p:to>
+                                        <p:strVal val="visible"/>
+                                      </p:to>
+                                    </p:set>
+                                    <p:animEffect transition="in" filter="dissolve">
+                                      <p:cBhvr>
+                                        <p:cTn id="10" dur="500"/>
+                                        <p:tgtEl>
+                                          <p:spTgt spid="10"/>
+                                        </p:tgtEl>
+                                      </p:cBhvr>
+                                    </p:animEffect>
+                                  </p:childTnLst>
+                                </p:cTn>
+                              </p:par>
+                            </p:childTnLst>
+                          </p:cTn>
+                        </p:par>
+                        <p:par>
+                          <p:cTn id="11" fill="hold">
+                            <p:stCondLst>
+                              <p:cond delay="500"/>
+                            </p:stCondLst>
+                            <p:childTnLst>
+                              <p:par>
+                                <p:cTn id="12" presetID="22" presetClass="entr" presetSubtype="1" fill="hold" nodeType="afterEffect">
+                                  <p:stCondLst>
+                                    <p:cond delay="0"/>
+                                  </p:stCondLst>
+                                  <p:childTnLst>
+                                    <p:set>
+                                      <p:cBhvr>
+                                        <p:cTn id="13" dur="1" fill="hold">
                                           <p:stCondLst>
                                             <p:cond delay="0"/>
                                           </p:stCondLst>
@@ -4217,7 +4354,7 @@
                                     </p:set>
                                     <p:animEffect transition="in" filter="wipe(up)">
                                       <p:cBhvr>
-                                        <p:cTn id="11" dur="500"/>
+                                        <p:cTn id="14" dur="500"/>
                                         <p:tgtEl>
                                           <p:spTgt spid="23"/>
                                         </p:tgtEl>
@@ -4227,14 +4364,14 @@
                                 </p:cTn>
                               </p:par>
                               <p:par>
-                                <p:cTn id="12" presetID="10" presetClass="entr" presetSubtype="0" fill="hold" grpId="0" nodeType="withEffect">
+                                <p:cTn id="15" presetID="10" presetClass="entr" presetSubtype="0" fill="hold" grpId="0" nodeType="withEffect">
                                   <p:stCondLst>
                                     <p:cond delay="0"/>
                                   </p:stCondLst>
                                   <p:childTnLst>
                                     <p:set>
                                       <p:cBhvr>
-                                        <p:cTn id="13" dur="1" fill="hold">
+                                        <p:cTn id="16" dur="1" fill="hold">
                                           <p:stCondLst>
                                             <p:cond delay="0"/>
                                           </p:stCondLst>
@@ -4252,7 +4389,7 @@
                                     </p:set>
                                     <p:animEffect transition="in" filter="fade">
                                       <p:cBhvr>
-                                        <p:cTn id="14" dur="500"/>
+                                        <p:cTn id="17" dur="500"/>
                                         <p:tgtEl>
                                           <p:spTgt spid="25"/>
                                         </p:tgtEl>
@@ -4265,20 +4402,20 @@
                           </p:cTn>
                         </p:par>
                         <p:par>
-                          <p:cTn id="15" fill="hold">
+                          <p:cTn id="18" fill="hold">
                             <p:stCondLst>
                               <p:cond delay="1000"/>
                             </p:stCondLst>
                             <p:childTnLst>
                               <p:par>
-                                <p:cTn id="16" presetID="10" presetClass="entr" presetSubtype="0" fill="hold" grpId="0" nodeType="afterEffect">
+                                <p:cTn id="19" presetID="10" presetClass="entr" presetSubtype="0" fill="hold" grpId="0" nodeType="afterEffect">
                                   <p:stCondLst>
                                     <p:cond delay="0"/>
                                   </p:stCondLst>
                                   <p:childTnLst>
                                     <p:set>
                                       <p:cBhvr>
-                                        <p:cTn id="17" dur="1" fill="hold">
+                                        <p:cTn id="20" dur="1" fill="hold">
                                           <p:stCondLst>
                                             <p:cond delay="0"/>
                                           </p:stCondLst>
@@ -4296,7 +4433,7 @@
                                     </p:set>
                                     <p:animEffect transition="in" filter="fade">
                                       <p:cBhvr>
-                                        <p:cTn id="18" dur="500"/>
+                                        <p:cTn id="21" dur="500"/>
                                         <p:tgtEl>
                                           <p:spTgt spid="6"/>
                                         </p:tgtEl>
@@ -4309,20 +4446,20 @@
                           </p:cTn>
                         </p:par>
                         <p:par>
-                          <p:cTn id="19" fill="hold">
+                          <p:cTn id="22" fill="hold">
                             <p:stCondLst>
                               <p:cond delay="1500"/>
                             </p:stCondLst>
                             <p:childTnLst>
                               <p:par>
-                                <p:cTn id="20" presetID="10" presetClass="entr" presetSubtype="0" fill="hold" grpId="0" nodeType="afterEffect">
+                                <p:cTn id="23" presetID="10" presetClass="entr" presetSubtype="0" fill="hold" grpId="0" nodeType="afterEffect">
                                   <p:stCondLst>
                                     <p:cond delay="0"/>
                                   </p:stCondLst>
                                   <p:childTnLst>
                                     <p:set>
                                       <p:cBhvr>
-                                        <p:cTn id="21" dur="1" fill="hold">
+                                        <p:cTn id="24" dur="1" fill="hold">
                                           <p:stCondLst>
                                             <p:cond delay="0"/>
                                           </p:stCondLst>
@@ -4340,7 +4477,7 @@
                                     </p:set>
                                     <p:animEffect transition="in" filter="fade">
                                       <p:cBhvr>
-                                        <p:cTn id="22" dur="500"/>
+                                        <p:cTn id="25" dur="500"/>
                                         <p:tgtEl>
                                           <p:spTgt spid="19"/>
                                         </p:tgtEl>
@@ -4350,14 +4487,14 @@
                                 </p:cTn>
                               </p:par>
                               <p:par>
-                                <p:cTn id="23" presetID="10" presetClass="entr" presetSubtype="0" fill="hold" grpId="0" nodeType="withEffect">
+                                <p:cTn id="26" presetID="10" presetClass="entr" presetSubtype="0" fill="hold" grpId="0" nodeType="withEffect">
                                   <p:stCondLst>
                                     <p:cond delay="0"/>
                                   </p:stCondLst>
                                   <p:childTnLst>
                                     <p:set>
                                       <p:cBhvr>
-                                        <p:cTn id="24" dur="1" fill="hold">
+                                        <p:cTn id="27" dur="1" fill="hold">
                                           <p:stCondLst>
                                             <p:cond delay="0"/>
                                           </p:stCondLst>
@@ -4375,7 +4512,7 @@
                                     </p:set>
                                     <p:animEffect transition="in" filter="fade">
                                       <p:cBhvr>
-                                        <p:cTn id="25" dur="500"/>
+                                        <p:cTn id="28" dur="500"/>
                                         <p:tgtEl>
                                           <p:spTgt spid="20"/>
                                         </p:tgtEl>
@@ -4391,26 +4528,26 @@
                     </p:cTn>
                   </p:par>
                   <p:par>
-                    <p:cTn id="26" fill="hold">
+                    <p:cTn id="29" fill="hold">
                       <p:stCondLst>
                         <p:cond delay="indefinite"/>
                       </p:stCondLst>
                       <p:childTnLst>
                         <p:par>
-                          <p:cTn id="27" fill="hold">
+                          <p:cTn id="30" fill="hold">
                             <p:stCondLst>
                               <p:cond delay="0"/>
                             </p:stCondLst>
                             <p:childTnLst>
                               <p:par>
-                                <p:cTn id="28" presetID="1" presetClass="exit" presetSubtype="0" fill="hold" grpId="1" nodeType="clickEffect">
+                                <p:cTn id="31" presetID="1" presetClass="exit" presetSubtype="0" fill="hold" grpId="1" nodeType="clickEffect">
                                   <p:stCondLst>
                                     <p:cond delay="0"/>
                                   </p:stCondLst>
                                   <p:childTnLst>
                                     <p:set>
                                       <p:cBhvr>
-                                        <p:cTn id="29" dur="1" fill="hold">
+                                        <p:cTn id="32" dur="1" fill="hold">
                                           <p:stCondLst>
                                             <p:cond delay="0"/>
                                           </p:stCondLst>
@@ -4430,14 +4567,14 @@
                                 </p:cTn>
                               </p:par>
                               <p:par>
-                                <p:cTn id="30" presetID="10" presetClass="entr" presetSubtype="0" fill="hold" grpId="0" nodeType="withEffect">
+                                <p:cTn id="33" presetID="10" presetClass="entr" presetSubtype="0" fill="hold" grpId="0" nodeType="withEffect">
                                   <p:stCondLst>
                                     <p:cond delay="0"/>
                                   </p:stCondLst>
                                   <p:childTnLst>
                                     <p:set>
                                       <p:cBhvr>
-                                        <p:cTn id="31" dur="1" fill="hold">
+                                        <p:cTn id="34" dur="1" fill="hold">
                                           <p:stCondLst>
                                             <p:cond delay="0"/>
                                           </p:stCondLst>
@@ -4455,7 +4592,7 @@
                                     </p:set>
                                     <p:animEffect transition="in" filter="fade">
                                       <p:cBhvr>
-                                        <p:cTn id="32" dur="500"/>
+                                        <p:cTn id="35" dur="500"/>
                                         <p:tgtEl>
                                           <p:spTgt spid="26"/>
                                         </p:tgtEl>
@@ -4499,6 +4636,7 @@
       <p:bldP spid="20" grpId="1"/>
       <p:bldP spid="25" grpId="0"/>
       <p:bldP spid="26" grpId="0"/>
+      <p:bldP spid="10" grpId="0"/>
     </p:bldLst>
   </p:timing>
 </p:sld>
@@ -4543,21 +4681,21 @@
                 <a:gridCol w="873044">
                   <a:extLst>
                     <a:ext uri="{9D8B030D-6E8A-4147-A177-3AD203B41FA5}">
-                      <a16:colId xmlns:a16="http://schemas.microsoft.com/office/drawing/2014/main" val="1842320837"/>
+                      <a16:colId xmlns:a16="http://schemas.microsoft.com/office/drawing/2014/main" xmlns="" val="1842320837"/>
                     </a:ext>
                   </a:extLst>
                 </a:gridCol>
                 <a:gridCol w="717388">
                   <a:extLst>
                     <a:ext uri="{9D8B030D-6E8A-4147-A177-3AD203B41FA5}">
-                      <a16:colId xmlns:a16="http://schemas.microsoft.com/office/drawing/2014/main" val="2038016994"/>
+                      <a16:colId xmlns:a16="http://schemas.microsoft.com/office/drawing/2014/main" xmlns="" val="2038016994"/>
                     </a:ext>
                   </a:extLst>
                 </a:gridCol>
                 <a:gridCol w="1028699">
                   <a:extLst>
                     <a:ext uri="{9D8B030D-6E8A-4147-A177-3AD203B41FA5}">
-                      <a16:colId xmlns:a16="http://schemas.microsoft.com/office/drawing/2014/main" val="3728435139"/>
+                      <a16:colId xmlns:a16="http://schemas.microsoft.com/office/drawing/2014/main" xmlns="" val="3728435139"/>
                     </a:ext>
                   </a:extLst>
                 </a:gridCol>
@@ -4610,7 +4748,7 @@
                 </a:tc>
                 <a:extLst>
                   <a:ext uri="{0D108BD9-81ED-4DB2-BD59-A6C34878D82A}">
-                    <a16:rowId xmlns:a16="http://schemas.microsoft.com/office/drawing/2014/main" val="1025974938"/>
+                    <a16:rowId xmlns:a16="http://schemas.microsoft.com/office/drawing/2014/main" xmlns="" val="1025974938"/>
                   </a:ext>
                 </a:extLst>
               </a:tr>
@@ -4662,7 +4800,7 @@
                 </a:tc>
                 <a:extLst>
                   <a:ext uri="{0D108BD9-81ED-4DB2-BD59-A6C34878D82A}">
-                    <a16:rowId xmlns:a16="http://schemas.microsoft.com/office/drawing/2014/main" val="4077566409"/>
+                    <a16:rowId xmlns:a16="http://schemas.microsoft.com/office/drawing/2014/main" xmlns="" val="4077566409"/>
                   </a:ext>
                 </a:extLst>
               </a:tr>
@@ -4714,7 +4852,7 @@
                 </a:tc>
                 <a:extLst>
                   <a:ext uri="{0D108BD9-81ED-4DB2-BD59-A6C34878D82A}">
-                    <a16:rowId xmlns:a16="http://schemas.microsoft.com/office/drawing/2014/main" val="4214053569"/>
+                    <a16:rowId xmlns:a16="http://schemas.microsoft.com/office/drawing/2014/main" xmlns="" val="4214053569"/>
                   </a:ext>
                 </a:extLst>
               </a:tr>
@@ -4766,7 +4904,7 @@
                 </a:tc>
                 <a:extLst>
                   <a:ext uri="{0D108BD9-81ED-4DB2-BD59-A6C34878D82A}">
-                    <a16:rowId xmlns:a16="http://schemas.microsoft.com/office/drawing/2014/main" val="3475086053"/>
+                    <a16:rowId xmlns:a16="http://schemas.microsoft.com/office/drawing/2014/main" xmlns="" val="3475086053"/>
                   </a:ext>
                 </a:extLst>
               </a:tr>
@@ -4818,7 +4956,7 @@
                 </a:tc>
                 <a:extLst>
                   <a:ext uri="{0D108BD9-81ED-4DB2-BD59-A6C34878D82A}">
-                    <a16:rowId xmlns:a16="http://schemas.microsoft.com/office/drawing/2014/main" val="3245955256"/>
+                    <a16:rowId xmlns:a16="http://schemas.microsoft.com/office/drawing/2014/main" xmlns="" val="3245955256"/>
                   </a:ext>
                 </a:extLst>
               </a:tr>
@@ -4870,7 +5008,7 @@
                 </a:tc>
                 <a:extLst>
                   <a:ext uri="{0D108BD9-81ED-4DB2-BD59-A6C34878D82A}">
-                    <a16:rowId xmlns:a16="http://schemas.microsoft.com/office/drawing/2014/main" val="1233959304"/>
+                    <a16:rowId xmlns:a16="http://schemas.microsoft.com/office/drawing/2014/main" xmlns="" val="1233959304"/>
                   </a:ext>
                 </a:extLst>
               </a:tr>
@@ -7424,6 +7562,108 @@
               <a:ln w="0"/>
               <a:solidFill>
                 <a:schemeClr val="tx1"/>
+              </a:solidFill>
+              <a:effectLst>
+                <a:outerShdw blurRad="38100" dist="19050" dir="2700000" algn="tl" rotWithShape="0">
+                  <a:schemeClr val="dk1">
+                    <a:alpha val="40000"/>
+                  </a:schemeClr>
+                </a:outerShdw>
+              </a:effectLst>
+            </a:endParaRPr>
+          </a:p>
+        </p:txBody>
+      </p:sp>
+      <p:sp>
+        <p:nvSpPr>
+          <p:cNvPr id="55" name="矩形 18"/>
+          <p:cNvSpPr/>
+          <p:nvPr/>
+        </p:nvSpPr>
+        <p:spPr>
+          <a:xfrm>
+            <a:off x="8935947" y="259923"/>
+            <a:ext cx="498855" cy="584775"/>
+          </a:xfrm>
+          <a:prstGeom prst="rect">
+            <a:avLst/>
+          </a:prstGeom>
+          <a:noFill/>
+        </p:spPr>
+        <p:txBody>
+          <a:bodyPr wrap="none" lIns="91440" tIns="45720" rIns="91440" bIns="45720">
+            <a:spAutoFit/>
+          </a:bodyPr>
+          <a:lstStyle/>
+          <a:p>
+            <a:pPr algn="ctr"/>
+            <a:r>
+              <a:rPr lang="en-US" altLang="zh-TW" sz="1600" smtClean="0">
+                <a:ln w="0"/>
+                <a:solidFill>
+                  <a:schemeClr val="bg1"/>
+                </a:solidFill>
+                <a:effectLst>
+                  <a:outerShdw blurRad="38100" dist="19050" dir="2700000" algn="tl" rotWithShape="0">
+                    <a:schemeClr val="dk1">
+                      <a:alpha val="40000"/>
+                    </a:schemeClr>
+                  </a:outerShdw>
+                </a:effectLst>
+              </a:rPr>
+              <a:t>P=0</a:t>
+            </a:r>
+            <a:r>
+              <a:rPr lang="en-US" altLang="zh-TW" sz="1600">
+                <a:ln w="0"/>
+                <a:solidFill>
+                  <a:schemeClr val="bg1"/>
+                </a:solidFill>
+                <a:effectLst>
+                  <a:outerShdw blurRad="38100" dist="19050" dir="2700000" algn="tl" rotWithShape="0">
+                    <a:schemeClr val="dk1">
+                      <a:alpha val="40000"/>
+                    </a:schemeClr>
+                  </a:outerShdw>
+                </a:effectLst>
+              </a:rPr>
+              <a:t/>
+            </a:r>
+            <a:br>
+              <a:rPr lang="en-US" altLang="zh-TW" sz="1600">
+                <a:ln w="0"/>
+                <a:solidFill>
+                  <a:schemeClr val="bg1"/>
+                </a:solidFill>
+                <a:effectLst>
+                  <a:outerShdw blurRad="38100" dist="19050" dir="2700000" algn="tl" rotWithShape="0">
+                    <a:schemeClr val="dk1">
+                      <a:alpha val="40000"/>
+                    </a:schemeClr>
+                  </a:outerShdw>
+                </a:effectLst>
+              </a:rPr>
+            </a:br>
+            <a:r>
+              <a:rPr lang="en-US" altLang="zh-TW" sz="1600" smtClean="0">
+                <a:ln w="0"/>
+                <a:solidFill>
+                  <a:schemeClr val="bg1"/>
+                </a:solidFill>
+                <a:effectLst>
+                  <a:outerShdw blurRad="38100" dist="19050" dir="2700000" algn="tl" rotWithShape="0">
+                    <a:schemeClr val="dk1">
+                      <a:alpha val="40000"/>
+                    </a:schemeClr>
+                  </a:outerShdw>
+                </a:effectLst>
+              </a:rPr>
+              <a:t>b=0</a:t>
+            </a:r>
+            <a:endParaRPr lang="zh-TW" altLang="en-US" sz="1600" dirty="0">
+              <a:ln w="0"/>
+              <a:solidFill>
+                <a:schemeClr val="bg1"/>
               </a:solidFill>
               <a:effectLst>
                 <a:outerShdw blurRad="38100" dist="19050" dir="2700000" algn="tl" rotWithShape="0">
@@ -7738,21 +7978,21 @@
                 <a:gridCol w="873044">
                   <a:extLst>
                     <a:ext uri="{9D8B030D-6E8A-4147-A177-3AD203B41FA5}">
-                      <a16:colId xmlns:a16="http://schemas.microsoft.com/office/drawing/2014/main" val="1842320837"/>
+                      <a16:colId xmlns:a16="http://schemas.microsoft.com/office/drawing/2014/main" xmlns="" val="1842320837"/>
                     </a:ext>
                   </a:extLst>
                 </a:gridCol>
                 <a:gridCol w="717388">
                   <a:extLst>
                     <a:ext uri="{9D8B030D-6E8A-4147-A177-3AD203B41FA5}">
-                      <a16:colId xmlns:a16="http://schemas.microsoft.com/office/drawing/2014/main" val="2038016994"/>
+                      <a16:colId xmlns:a16="http://schemas.microsoft.com/office/drawing/2014/main" xmlns="" val="2038016994"/>
                     </a:ext>
                   </a:extLst>
                 </a:gridCol>
                 <a:gridCol w="1028699">
                   <a:extLst>
                     <a:ext uri="{9D8B030D-6E8A-4147-A177-3AD203B41FA5}">
-                      <a16:colId xmlns:a16="http://schemas.microsoft.com/office/drawing/2014/main" val="3728435139"/>
+                      <a16:colId xmlns:a16="http://schemas.microsoft.com/office/drawing/2014/main" xmlns="" val="3728435139"/>
                     </a:ext>
                   </a:extLst>
                 </a:gridCol>
@@ -7805,7 +8045,7 @@
                 </a:tc>
                 <a:extLst>
                   <a:ext uri="{0D108BD9-81ED-4DB2-BD59-A6C34878D82A}">
-                    <a16:rowId xmlns:a16="http://schemas.microsoft.com/office/drawing/2014/main" val="1025974938"/>
+                    <a16:rowId xmlns:a16="http://schemas.microsoft.com/office/drawing/2014/main" xmlns="" val="1025974938"/>
                   </a:ext>
                 </a:extLst>
               </a:tr>
@@ -7857,7 +8097,7 @@
                 </a:tc>
                 <a:extLst>
                   <a:ext uri="{0D108BD9-81ED-4DB2-BD59-A6C34878D82A}">
-                    <a16:rowId xmlns:a16="http://schemas.microsoft.com/office/drawing/2014/main" val="4077566409"/>
+                    <a16:rowId xmlns:a16="http://schemas.microsoft.com/office/drawing/2014/main" xmlns="" val="4077566409"/>
                   </a:ext>
                 </a:extLst>
               </a:tr>
@@ -7909,7 +8149,7 @@
                 </a:tc>
                 <a:extLst>
                   <a:ext uri="{0D108BD9-81ED-4DB2-BD59-A6C34878D82A}">
-                    <a16:rowId xmlns:a16="http://schemas.microsoft.com/office/drawing/2014/main" val="4214053569"/>
+                    <a16:rowId xmlns:a16="http://schemas.microsoft.com/office/drawing/2014/main" xmlns="" val="4214053569"/>
                   </a:ext>
                 </a:extLst>
               </a:tr>
@@ -7961,7 +8201,7 @@
                 </a:tc>
                 <a:extLst>
                   <a:ext uri="{0D108BD9-81ED-4DB2-BD59-A6C34878D82A}">
-                    <a16:rowId xmlns:a16="http://schemas.microsoft.com/office/drawing/2014/main" val="3475086053"/>
+                    <a16:rowId xmlns:a16="http://schemas.microsoft.com/office/drawing/2014/main" xmlns="" val="3475086053"/>
                   </a:ext>
                 </a:extLst>
               </a:tr>
@@ -8013,7 +8253,7 @@
                 </a:tc>
                 <a:extLst>
                   <a:ext uri="{0D108BD9-81ED-4DB2-BD59-A6C34878D82A}">
-                    <a16:rowId xmlns:a16="http://schemas.microsoft.com/office/drawing/2014/main" val="3245955256"/>
+                    <a16:rowId xmlns:a16="http://schemas.microsoft.com/office/drawing/2014/main" xmlns="" val="3245955256"/>
                   </a:ext>
                 </a:extLst>
               </a:tr>
@@ -8065,7 +8305,7 @@
                 </a:tc>
                 <a:extLst>
                   <a:ext uri="{0D108BD9-81ED-4DB2-BD59-A6C34878D82A}">
-                    <a16:rowId xmlns:a16="http://schemas.microsoft.com/office/drawing/2014/main" val="1233959304"/>
+                    <a16:rowId xmlns:a16="http://schemas.microsoft.com/office/drawing/2014/main" xmlns="" val="1233959304"/>
                   </a:ext>
                 </a:extLst>
               </a:tr>
@@ -11121,6 +11361,108 @@
               <a:ln w="0"/>
               <a:solidFill>
                 <a:schemeClr val="tx1"/>
+              </a:solidFill>
+              <a:effectLst>
+                <a:outerShdw blurRad="38100" dist="19050" dir="2700000" algn="tl" rotWithShape="0">
+                  <a:schemeClr val="dk1">
+                    <a:alpha val="40000"/>
+                  </a:schemeClr>
+                </a:outerShdw>
+              </a:effectLst>
+            </a:endParaRPr>
+          </a:p>
+        </p:txBody>
+      </p:sp>
+      <p:sp>
+        <p:nvSpPr>
+          <p:cNvPr id="55" name="矩形 18"/>
+          <p:cNvSpPr/>
+          <p:nvPr/>
+        </p:nvSpPr>
+        <p:spPr>
+          <a:xfrm>
+            <a:off x="8935947" y="259923"/>
+            <a:ext cx="498855" cy="584775"/>
+          </a:xfrm>
+          <a:prstGeom prst="rect">
+            <a:avLst/>
+          </a:prstGeom>
+          <a:noFill/>
+        </p:spPr>
+        <p:txBody>
+          <a:bodyPr wrap="none" lIns="91440" tIns="45720" rIns="91440" bIns="45720">
+            <a:spAutoFit/>
+          </a:bodyPr>
+          <a:lstStyle/>
+          <a:p>
+            <a:pPr algn="ctr"/>
+            <a:r>
+              <a:rPr lang="en-US" altLang="zh-TW" sz="1600" smtClean="0">
+                <a:ln w="0"/>
+                <a:solidFill>
+                  <a:schemeClr val="bg1"/>
+                </a:solidFill>
+                <a:effectLst>
+                  <a:outerShdw blurRad="38100" dist="19050" dir="2700000" algn="tl" rotWithShape="0">
+                    <a:schemeClr val="dk1">
+                      <a:alpha val="40000"/>
+                    </a:schemeClr>
+                  </a:outerShdw>
+                </a:effectLst>
+              </a:rPr>
+              <a:t>P=0</a:t>
+            </a:r>
+            <a:r>
+              <a:rPr lang="en-US" altLang="zh-TW" sz="1600">
+                <a:ln w="0"/>
+                <a:solidFill>
+                  <a:schemeClr val="bg1"/>
+                </a:solidFill>
+                <a:effectLst>
+                  <a:outerShdw blurRad="38100" dist="19050" dir="2700000" algn="tl" rotWithShape="0">
+                    <a:schemeClr val="dk1">
+                      <a:alpha val="40000"/>
+                    </a:schemeClr>
+                  </a:outerShdw>
+                </a:effectLst>
+              </a:rPr>
+              <a:t/>
+            </a:r>
+            <a:br>
+              <a:rPr lang="en-US" altLang="zh-TW" sz="1600">
+                <a:ln w="0"/>
+                <a:solidFill>
+                  <a:schemeClr val="bg1"/>
+                </a:solidFill>
+                <a:effectLst>
+                  <a:outerShdw blurRad="38100" dist="19050" dir="2700000" algn="tl" rotWithShape="0">
+                    <a:schemeClr val="dk1">
+                      <a:alpha val="40000"/>
+                    </a:schemeClr>
+                  </a:outerShdw>
+                </a:effectLst>
+              </a:rPr>
+            </a:br>
+            <a:r>
+              <a:rPr lang="en-US" altLang="zh-TW" sz="1600" smtClean="0">
+                <a:ln w="0"/>
+                <a:solidFill>
+                  <a:schemeClr val="bg1"/>
+                </a:solidFill>
+                <a:effectLst>
+                  <a:outerShdw blurRad="38100" dist="19050" dir="2700000" algn="tl" rotWithShape="0">
+                    <a:schemeClr val="dk1">
+                      <a:alpha val="40000"/>
+                    </a:schemeClr>
+                  </a:outerShdw>
+                </a:effectLst>
+              </a:rPr>
+              <a:t>b=0</a:t>
+            </a:r>
+            <a:endParaRPr lang="zh-TW" altLang="en-US" sz="1600" dirty="0">
+              <a:ln w="0"/>
+              <a:solidFill>
+                <a:schemeClr val="bg1"/>
               </a:solidFill>
               <a:effectLst>
                 <a:outerShdw blurRad="38100" dist="19050" dir="2700000" algn="tl" rotWithShape="0">
@@ -11535,21 +11877,21 @@
                 <a:gridCol w="873044">
                   <a:extLst>
                     <a:ext uri="{9D8B030D-6E8A-4147-A177-3AD203B41FA5}">
-                      <a16:colId xmlns:a16="http://schemas.microsoft.com/office/drawing/2014/main" val="1842320837"/>
+                      <a16:colId xmlns:a16="http://schemas.microsoft.com/office/drawing/2014/main" xmlns="" val="1842320837"/>
                     </a:ext>
                   </a:extLst>
                 </a:gridCol>
                 <a:gridCol w="717388">
                   <a:extLst>
                     <a:ext uri="{9D8B030D-6E8A-4147-A177-3AD203B41FA5}">
-                      <a16:colId xmlns:a16="http://schemas.microsoft.com/office/drawing/2014/main" val="2038016994"/>
+                      <a16:colId xmlns:a16="http://schemas.microsoft.com/office/drawing/2014/main" xmlns="" val="2038016994"/>
                     </a:ext>
                   </a:extLst>
                 </a:gridCol>
                 <a:gridCol w="1028699">
                   <a:extLst>
                     <a:ext uri="{9D8B030D-6E8A-4147-A177-3AD203B41FA5}">
-                      <a16:colId xmlns:a16="http://schemas.microsoft.com/office/drawing/2014/main" val="3728435139"/>
+                      <a16:colId xmlns:a16="http://schemas.microsoft.com/office/drawing/2014/main" xmlns="" val="3728435139"/>
                     </a:ext>
                   </a:extLst>
                 </a:gridCol>
@@ -11602,7 +11944,7 @@
                 </a:tc>
                 <a:extLst>
                   <a:ext uri="{0D108BD9-81ED-4DB2-BD59-A6C34878D82A}">
-                    <a16:rowId xmlns:a16="http://schemas.microsoft.com/office/drawing/2014/main" val="1025974938"/>
+                    <a16:rowId xmlns:a16="http://schemas.microsoft.com/office/drawing/2014/main" xmlns="" val="1025974938"/>
                   </a:ext>
                 </a:extLst>
               </a:tr>
@@ -11654,7 +11996,7 @@
                 </a:tc>
                 <a:extLst>
                   <a:ext uri="{0D108BD9-81ED-4DB2-BD59-A6C34878D82A}">
-                    <a16:rowId xmlns:a16="http://schemas.microsoft.com/office/drawing/2014/main" val="4077566409"/>
+                    <a16:rowId xmlns:a16="http://schemas.microsoft.com/office/drawing/2014/main" xmlns="" val="4077566409"/>
                   </a:ext>
                 </a:extLst>
               </a:tr>
@@ -11706,7 +12048,7 @@
                 </a:tc>
                 <a:extLst>
                   <a:ext uri="{0D108BD9-81ED-4DB2-BD59-A6C34878D82A}">
-                    <a16:rowId xmlns:a16="http://schemas.microsoft.com/office/drawing/2014/main" val="4214053569"/>
+                    <a16:rowId xmlns:a16="http://schemas.microsoft.com/office/drawing/2014/main" xmlns="" val="4214053569"/>
                   </a:ext>
                 </a:extLst>
               </a:tr>
@@ -11758,7 +12100,7 @@
                 </a:tc>
                 <a:extLst>
                   <a:ext uri="{0D108BD9-81ED-4DB2-BD59-A6C34878D82A}">
-                    <a16:rowId xmlns:a16="http://schemas.microsoft.com/office/drawing/2014/main" val="3475086053"/>
+                    <a16:rowId xmlns:a16="http://schemas.microsoft.com/office/drawing/2014/main" xmlns="" val="3475086053"/>
                   </a:ext>
                 </a:extLst>
               </a:tr>
@@ -11810,7 +12152,7 @@
                 </a:tc>
                 <a:extLst>
                   <a:ext uri="{0D108BD9-81ED-4DB2-BD59-A6C34878D82A}">
-                    <a16:rowId xmlns:a16="http://schemas.microsoft.com/office/drawing/2014/main" val="3245955256"/>
+                    <a16:rowId xmlns:a16="http://schemas.microsoft.com/office/drawing/2014/main" xmlns="" val="3245955256"/>
                   </a:ext>
                 </a:extLst>
               </a:tr>
@@ -11862,7 +12204,7 @@
                 </a:tc>
                 <a:extLst>
                   <a:ext uri="{0D108BD9-81ED-4DB2-BD59-A6C34878D82A}">
-                    <a16:rowId xmlns:a16="http://schemas.microsoft.com/office/drawing/2014/main" val="1233959304"/>
+                    <a16:rowId xmlns:a16="http://schemas.microsoft.com/office/drawing/2014/main" xmlns="" val="1233959304"/>
                   </a:ext>
                 </a:extLst>
               </a:tr>
@@ -14712,15 +15054,15 @@
         <p:nvCxnSpPr>
           <p:cNvPr id="55" name="直線接點 54"/>
           <p:cNvCxnSpPr>
-            <a:stCxn id="12" idx="4"/>
+            <a:stCxn id="11" idx="4"/>
             <a:endCxn id="17" idx="0"/>
           </p:cNvCxnSpPr>
           <p:nvPr/>
         </p:nvCxnSpPr>
         <p:spPr>
           <a:xfrm>
-            <a:off x="6096733" y="3589616"/>
-            <a:ext cx="529004" cy="663971"/>
+            <a:off x="4876068" y="3589617"/>
+            <a:ext cx="1749669" cy="663970"/>
           </a:xfrm>
           <a:prstGeom prst="line">
             <a:avLst/>
@@ -14749,7 +15091,7 @@
         </p:nvSpPr>
         <p:spPr>
           <a:xfrm>
-            <a:off x="6372624" y="3729443"/>
+            <a:off x="6185670" y="3751781"/>
             <a:ext cx="263214" cy="276999"/>
           </a:xfrm>
           <a:prstGeom prst="rect">
@@ -14775,7 +15117,7 @@
                   </a:outerShdw>
                 </a:effectLst>
               </a:rPr>
-              <a:t>5</a:t>
+              <a:t>5 </a:t>
             </a:r>
             <a:endParaRPr lang="zh-TW" altLang="en-US" sz="1200" b="0" cap="none" spc="0" dirty="0">
               <a:ln w="0"/>
@@ -14878,6 +15220,108 @@
                 </a:effectLst>
               </a:rPr>
               <a:t>b=86</a:t>
+            </a:r>
+            <a:endParaRPr lang="zh-TW" altLang="en-US" sz="1600" dirty="0">
+              <a:ln w="0"/>
+              <a:solidFill>
+                <a:schemeClr val="bg1"/>
+              </a:solidFill>
+              <a:effectLst>
+                <a:outerShdw blurRad="38100" dist="19050" dir="2700000" algn="tl" rotWithShape="0">
+                  <a:schemeClr val="dk1">
+                    <a:alpha val="40000"/>
+                  </a:schemeClr>
+                </a:outerShdw>
+              </a:effectLst>
+            </a:endParaRPr>
+          </a:p>
+        </p:txBody>
+      </p:sp>
+      <p:sp>
+        <p:nvSpPr>
+          <p:cNvPr id="60" name="矩形 18"/>
+          <p:cNvSpPr/>
+          <p:nvPr/>
+        </p:nvSpPr>
+        <p:spPr>
+          <a:xfrm>
+            <a:off x="8935947" y="259923"/>
+            <a:ext cx="498855" cy="584775"/>
+          </a:xfrm>
+          <a:prstGeom prst="rect">
+            <a:avLst/>
+          </a:prstGeom>
+          <a:noFill/>
+        </p:spPr>
+        <p:txBody>
+          <a:bodyPr wrap="none" lIns="91440" tIns="45720" rIns="91440" bIns="45720">
+            <a:spAutoFit/>
+          </a:bodyPr>
+          <a:lstStyle/>
+          <a:p>
+            <a:pPr algn="ctr"/>
+            <a:r>
+              <a:rPr lang="en-US" altLang="zh-TW" sz="1600" smtClean="0">
+                <a:ln w="0"/>
+                <a:solidFill>
+                  <a:schemeClr val="bg1"/>
+                </a:solidFill>
+                <a:effectLst>
+                  <a:outerShdw blurRad="38100" dist="19050" dir="2700000" algn="tl" rotWithShape="0">
+                    <a:schemeClr val="dk1">
+                      <a:alpha val="40000"/>
+                    </a:schemeClr>
+                  </a:outerShdw>
+                </a:effectLst>
+              </a:rPr>
+              <a:t>P=0</a:t>
+            </a:r>
+            <a:r>
+              <a:rPr lang="en-US" altLang="zh-TW" sz="1600">
+                <a:ln w="0"/>
+                <a:solidFill>
+                  <a:schemeClr val="bg1"/>
+                </a:solidFill>
+                <a:effectLst>
+                  <a:outerShdw blurRad="38100" dist="19050" dir="2700000" algn="tl" rotWithShape="0">
+                    <a:schemeClr val="dk1">
+                      <a:alpha val="40000"/>
+                    </a:schemeClr>
+                  </a:outerShdw>
+                </a:effectLst>
+              </a:rPr>
+              <a:t/>
+            </a:r>
+            <a:br>
+              <a:rPr lang="en-US" altLang="zh-TW" sz="1600">
+                <a:ln w="0"/>
+                <a:solidFill>
+                  <a:schemeClr val="bg1"/>
+                </a:solidFill>
+                <a:effectLst>
+                  <a:outerShdw blurRad="38100" dist="19050" dir="2700000" algn="tl" rotWithShape="0">
+                    <a:schemeClr val="dk1">
+                      <a:alpha val="40000"/>
+                    </a:schemeClr>
+                  </a:outerShdw>
+                </a:effectLst>
+              </a:rPr>
+            </a:br>
+            <a:r>
+              <a:rPr lang="en-US" altLang="zh-TW" sz="1600" smtClean="0">
+                <a:ln w="0"/>
+                <a:solidFill>
+                  <a:schemeClr val="bg1"/>
+                </a:solidFill>
+                <a:effectLst>
+                  <a:outerShdw blurRad="38100" dist="19050" dir="2700000" algn="tl" rotWithShape="0">
+                    <a:schemeClr val="dk1">
+                      <a:alpha val="40000"/>
+                    </a:schemeClr>
+                  </a:outerShdw>
+                </a:effectLst>
+              </a:rPr>
+              <a:t>b=0</a:t>
             </a:r>
             <a:endParaRPr lang="zh-TW" altLang="en-US" sz="1600" dirty="0">
               <a:ln w="0"/>
@@ -15197,21 +15641,21 @@
                 <a:gridCol w="873044">
                   <a:extLst>
                     <a:ext uri="{9D8B030D-6E8A-4147-A177-3AD203B41FA5}">
-                      <a16:colId xmlns:a16="http://schemas.microsoft.com/office/drawing/2014/main" val="1842320837"/>
+                      <a16:colId xmlns:a16="http://schemas.microsoft.com/office/drawing/2014/main" xmlns="" val="1842320837"/>
                     </a:ext>
                   </a:extLst>
                 </a:gridCol>
                 <a:gridCol w="717388">
                   <a:extLst>
                     <a:ext uri="{9D8B030D-6E8A-4147-A177-3AD203B41FA5}">
-                      <a16:colId xmlns:a16="http://schemas.microsoft.com/office/drawing/2014/main" val="2038016994"/>
+                      <a16:colId xmlns:a16="http://schemas.microsoft.com/office/drawing/2014/main" xmlns="" val="2038016994"/>
                     </a:ext>
                   </a:extLst>
                 </a:gridCol>
                 <a:gridCol w="1028699">
                   <a:extLst>
                     <a:ext uri="{9D8B030D-6E8A-4147-A177-3AD203B41FA5}">
-                      <a16:colId xmlns:a16="http://schemas.microsoft.com/office/drawing/2014/main" val="3728435139"/>
+                      <a16:colId xmlns:a16="http://schemas.microsoft.com/office/drawing/2014/main" xmlns="" val="3728435139"/>
                     </a:ext>
                   </a:extLst>
                 </a:gridCol>
@@ -15264,7 +15708,7 @@
                 </a:tc>
                 <a:extLst>
                   <a:ext uri="{0D108BD9-81ED-4DB2-BD59-A6C34878D82A}">
-                    <a16:rowId xmlns:a16="http://schemas.microsoft.com/office/drawing/2014/main" val="1025974938"/>
+                    <a16:rowId xmlns:a16="http://schemas.microsoft.com/office/drawing/2014/main" xmlns="" val="1025974938"/>
                   </a:ext>
                 </a:extLst>
               </a:tr>
@@ -15316,7 +15760,7 @@
                 </a:tc>
                 <a:extLst>
                   <a:ext uri="{0D108BD9-81ED-4DB2-BD59-A6C34878D82A}">
-                    <a16:rowId xmlns:a16="http://schemas.microsoft.com/office/drawing/2014/main" val="4077566409"/>
+                    <a16:rowId xmlns:a16="http://schemas.microsoft.com/office/drawing/2014/main" xmlns="" val="4077566409"/>
                   </a:ext>
                 </a:extLst>
               </a:tr>
@@ -15368,7 +15812,7 @@
                 </a:tc>
                 <a:extLst>
                   <a:ext uri="{0D108BD9-81ED-4DB2-BD59-A6C34878D82A}">
-                    <a16:rowId xmlns:a16="http://schemas.microsoft.com/office/drawing/2014/main" val="4214053569"/>
+                    <a16:rowId xmlns:a16="http://schemas.microsoft.com/office/drawing/2014/main" xmlns="" val="4214053569"/>
                   </a:ext>
                 </a:extLst>
               </a:tr>
@@ -15420,7 +15864,7 @@
                 </a:tc>
                 <a:extLst>
                   <a:ext uri="{0D108BD9-81ED-4DB2-BD59-A6C34878D82A}">
-                    <a16:rowId xmlns:a16="http://schemas.microsoft.com/office/drawing/2014/main" val="3475086053"/>
+                    <a16:rowId xmlns:a16="http://schemas.microsoft.com/office/drawing/2014/main" xmlns="" val="3475086053"/>
                   </a:ext>
                 </a:extLst>
               </a:tr>
@@ -15472,7 +15916,7 @@
                 </a:tc>
                 <a:extLst>
                   <a:ext uri="{0D108BD9-81ED-4DB2-BD59-A6C34878D82A}">
-                    <a16:rowId xmlns:a16="http://schemas.microsoft.com/office/drawing/2014/main" val="3245955256"/>
+                    <a16:rowId xmlns:a16="http://schemas.microsoft.com/office/drawing/2014/main" xmlns="" val="3245955256"/>
                   </a:ext>
                 </a:extLst>
               </a:tr>
@@ -15524,7 +15968,7 @@
                 </a:tc>
                 <a:extLst>
                   <a:ext uri="{0D108BD9-81ED-4DB2-BD59-A6C34878D82A}">
-                    <a16:rowId xmlns:a16="http://schemas.microsoft.com/office/drawing/2014/main" val="1233959304"/>
+                    <a16:rowId xmlns:a16="http://schemas.microsoft.com/office/drawing/2014/main" xmlns="" val="1233959304"/>
                   </a:ext>
                 </a:extLst>
               </a:tr>
@@ -18402,15 +18846,15 @@
         <p:nvCxnSpPr>
           <p:cNvPr id="55" name="直線接點 54"/>
           <p:cNvCxnSpPr>
-            <a:stCxn id="12" idx="4"/>
+            <a:stCxn id="11" idx="4"/>
             <a:endCxn id="17" idx="0"/>
           </p:cNvCxnSpPr>
           <p:nvPr/>
         </p:nvCxnSpPr>
         <p:spPr>
           <a:xfrm>
-            <a:off x="6096733" y="3589616"/>
-            <a:ext cx="529004" cy="663971"/>
+            <a:off x="4876068" y="3589617"/>
+            <a:ext cx="1749669" cy="663970"/>
           </a:xfrm>
           <a:prstGeom prst="line">
             <a:avLst/>
@@ -18439,7 +18883,7 @@
         </p:nvSpPr>
         <p:spPr>
           <a:xfrm>
-            <a:off x="6372624" y="3729443"/>
+            <a:off x="6033116" y="3743407"/>
             <a:ext cx="263214" cy="276999"/>
           </a:xfrm>
           <a:prstGeom prst="rect">
@@ -18587,38 +19031,6 @@
       </p:sp>
       <p:cxnSp>
         <p:nvCxnSpPr>
-          <p:cNvPr id="64" name="直線接點 63"/>
-          <p:cNvCxnSpPr>
-            <a:stCxn id="16" idx="4"/>
-          </p:cNvCxnSpPr>
-          <p:nvPr/>
-        </p:nvCxnSpPr>
-        <p:spPr>
-          <a:xfrm flipV="1">
-            <a:off x="5405072" y="4405988"/>
-            <a:ext cx="152400" cy="681251"/>
-          </a:xfrm>
-          <a:prstGeom prst="line">
-            <a:avLst/>
-          </a:prstGeom>
-        </p:spPr>
-        <p:style>
-          <a:lnRef idx="1">
-            <a:schemeClr val="accent1"/>
-          </a:lnRef>
-          <a:fillRef idx="0">
-            <a:schemeClr val="accent1"/>
-          </a:fillRef>
-          <a:effectRef idx="0">
-            <a:schemeClr val="accent1"/>
-          </a:effectRef>
-          <a:fontRef idx="minor">
-            <a:schemeClr val="tx1"/>
-          </a:fontRef>
-        </p:style>
-      </p:cxnSp>
-      <p:cxnSp>
-        <p:nvCxnSpPr>
           <p:cNvPr id="60" name="直線接點 59"/>
           <p:cNvCxnSpPr>
             <a:stCxn id="16" idx="4"/>
@@ -19042,6 +19454,108 @@
               <a:ln w="0"/>
               <a:solidFill>
                 <a:schemeClr val="tx1"/>
+              </a:solidFill>
+              <a:effectLst>
+                <a:outerShdw blurRad="38100" dist="19050" dir="2700000" algn="tl" rotWithShape="0">
+                  <a:schemeClr val="dk1">
+                    <a:alpha val="40000"/>
+                  </a:schemeClr>
+                </a:outerShdw>
+              </a:effectLst>
+            </a:endParaRPr>
+          </a:p>
+        </p:txBody>
+      </p:sp>
+      <p:sp>
+        <p:nvSpPr>
+          <p:cNvPr id="66" name="矩形 18"/>
+          <p:cNvSpPr/>
+          <p:nvPr/>
+        </p:nvSpPr>
+        <p:spPr>
+          <a:xfrm>
+            <a:off x="8935947" y="259923"/>
+            <a:ext cx="498855" cy="584775"/>
+          </a:xfrm>
+          <a:prstGeom prst="rect">
+            <a:avLst/>
+          </a:prstGeom>
+          <a:noFill/>
+        </p:spPr>
+        <p:txBody>
+          <a:bodyPr wrap="none" lIns="91440" tIns="45720" rIns="91440" bIns="45720">
+            <a:spAutoFit/>
+          </a:bodyPr>
+          <a:lstStyle/>
+          <a:p>
+            <a:pPr algn="ctr"/>
+            <a:r>
+              <a:rPr lang="en-US" altLang="zh-TW" sz="1600" smtClean="0">
+                <a:ln w="0"/>
+                <a:solidFill>
+                  <a:schemeClr val="bg1"/>
+                </a:solidFill>
+                <a:effectLst>
+                  <a:outerShdw blurRad="38100" dist="19050" dir="2700000" algn="tl" rotWithShape="0">
+                    <a:schemeClr val="dk1">
+                      <a:alpha val="40000"/>
+                    </a:schemeClr>
+                  </a:outerShdw>
+                </a:effectLst>
+              </a:rPr>
+              <a:t>P=0</a:t>
+            </a:r>
+            <a:r>
+              <a:rPr lang="en-US" altLang="zh-TW" sz="1600">
+                <a:ln w="0"/>
+                <a:solidFill>
+                  <a:schemeClr val="bg1"/>
+                </a:solidFill>
+                <a:effectLst>
+                  <a:outerShdw blurRad="38100" dist="19050" dir="2700000" algn="tl" rotWithShape="0">
+                    <a:schemeClr val="dk1">
+                      <a:alpha val="40000"/>
+                    </a:schemeClr>
+                  </a:outerShdw>
+                </a:effectLst>
+              </a:rPr>
+              <a:t/>
+            </a:r>
+            <a:br>
+              <a:rPr lang="en-US" altLang="zh-TW" sz="1600">
+                <a:ln w="0"/>
+                <a:solidFill>
+                  <a:schemeClr val="bg1"/>
+                </a:solidFill>
+                <a:effectLst>
+                  <a:outerShdw blurRad="38100" dist="19050" dir="2700000" algn="tl" rotWithShape="0">
+                    <a:schemeClr val="dk1">
+                      <a:alpha val="40000"/>
+                    </a:schemeClr>
+                  </a:outerShdw>
+                </a:effectLst>
+              </a:rPr>
+            </a:br>
+            <a:r>
+              <a:rPr lang="en-US" altLang="zh-TW" sz="1600" smtClean="0">
+                <a:ln w="0"/>
+                <a:solidFill>
+                  <a:schemeClr val="bg1"/>
+                </a:solidFill>
+                <a:effectLst>
+                  <a:outerShdw blurRad="38100" dist="19050" dir="2700000" algn="tl" rotWithShape="0">
+                    <a:schemeClr val="dk1">
+                      <a:alpha val="40000"/>
+                    </a:schemeClr>
+                  </a:outerShdw>
+                </a:effectLst>
+              </a:rPr>
+              <a:t>b=0</a:t>
+            </a:r>
+            <a:endParaRPr lang="zh-TW" altLang="en-US" sz="1600" dirty="0">
+              <a:ln w="0"/>
+              <a:solidFill>
+                <a:schemeClr val="bg1"/>
               </a:solidFill>
               <a:effectLst>
                 <a:outerShdw blurRad="38100" dist="19050" dir="2700000" algn="tl" rotWithShape="0">
@@ -19438,21 +19952,21 @@
                 <a:gridCol w="873044">
                   <a:extLst>
                     <a:ext uri="{9D8B030D-6E8A-4147-A177-3AD203B41FA5}">
-                      <a16:colId xmlns:a16="http://schemas.microsoft.com/office/drawing/2014/main" val="1842320837"/>
+                      <a16:colId xmlns:a16="http://schemas.microsoft.com/office/drawing/2014/main" xmlns="" val="1842320837"/>
                     </a:ext>
                   </a:extLst>
                 </a:gridCol>
                 <a:gridCol w="717388">
                   <a:extLst>
                     <a:ext uri="{9D8B030D-6E8A-4147-A177-3AD203B41FA5}">
-                      <a16:colId xmlns:a16="http://schemas.microsoft.com/office/drawing/2014/main" val="2038016994"/>
+                      <a16:colId xmlns:a16="http://schemas.microsoft.com/office/drawing/2014/main" xmlns="" val="2038016994"/>
                     </a:ext>
                   </a:extLst>
                 </a:gridCol>
                 <a:gridCol w="1028699">
                   <a:extLst>
                     <a:ext uri="{9D8B030D-6E8A-4147-A177-3AD203B41FA5}">
-                      <a16:colId xmlns:a16="http://schemas.microsoft.com/office/drawing/2014/main" val="3728435139"/>
+                      <a16:colId xmlns:a16="http://schemas.microsoft.com/office/drawing/2014/main" xmlns="" val="3728435139"/>
                     </a:ext>
                   </a:extLst>
                 </a:gridCol>
@@ -19505,7 +20019,7 @@
                 </a:tc>
                 <a:extLst>
                   <a:ext uri="{0D108BD9-81ED-4DB2-BD59-A6C34878D82A}">
-                    <a16:rowId xmlns:a16="http://schemas.microsoft.com/office/drawing/2014/main" val="1025974938"/>
+                    <a16:rowId xmlns:a16="http://schemas.microsoft.com/office/drawing/2014/main" xmlns="" val="1025974938"/>
                   </a:ext>
                 </a:extLst>
               </a:tr>
@@ -19557,7 +20071,7 @@
                 </a:tc>
                 <a:extLst>
                   <a:ext uri="{0D108BD9-81ED-4DB2-BD59-A6C34878D82A}">
-                    <a16:rowId xmlns:a16="http://schemas.microsoft.com/office/drawing/2014/main" val="4077566409"/>
+                    <a16:rowId xmlns:a16="http://schemas.microsoft.com/office/drawing/2014/main" xmlns="" val="4077566409"/>
                   </a:ext>
                 </a:extLst>
               </a:tr>
@@ -19609,7 +20123,7 @@
                 </a:tc>
                 <a:extLst>
                   <a:ext uri="{0D108BD9-81ED-4DB2-BD59-A6C34878D82A}">
-                    <a16:rowId xmlns:a16="http://schemas.microsoft.com/office/drawing/2014/main" val="4214053569"/>
+                    <a16:rowId xmlns:a16="http://schemas.microsoft.com/office/drawing/2014/main" xmlns="" val="4214053569"/>
                   </a:ext>
                 </a:extLst>
               </a:tr>
@@ -19661,7 +20175,7 @@
                 </a:tc>
                 <a:extLst>
                   <a:ext uri="{0D108BD9-81ED-4DB2-BD59-A6C34878D82A}">
-                    <a16:rowId xmlns:a16="http://schemas.microsoft.com/office/drawing/2014/main" val="3475086053"/>
+                    <a16:rowId xmlns:a16="http://schemas.microsoft.com/office/drawing/2014/main" xmlns="" val="3475086053"/>
                   </a:ext>
                 </a:extLst>
               </a:tr>
@@ -19713,7 +20227,7 @@
                 </a:tc>
                 <a:extLst>
                   <a:ext uri="{0D108BD9-81ED-4DB2-BD59-A6C34878D82A}">
-                    <a16:rowId xmlns:a16="http://schemas.microsoft.com/office/drawing/2014/main" val="3245955256"/>
+                    <a16:rowId xmlns:a16="http://schemas.microsoft.com/office/drawing/2014/main" xmlns="" val="3245955256"/>
                   </a:ext>
                 </a:extLst>
               </a:tr>
@@ -19765,7 +20279,7 @@
                 </a:tc>
                 <a:extLst>
                   <a:ext uri="{0D108BD9-81ED-4DB2-BD59-A6C34878D82A}">
-                    <a16:rowId xmlns:a16="http://schemas.microsoft.com/office/drawing/2014/main" val="1233959304"/>
+                    <a16:rowId xmlns:a16="http://schemas.microsoft.com/office/drawing/2014/main" xmlns="" val="1233959304"/>
                   </a:ext>
                 </a:extLst>
               </a:tr>
@@ -22550,15 +23064,15 @@
         <p:nvCxnSpPr>
           <p:cNvPr id="55" name="直線接點 54"/>
           <p:cNvCxnSpPr>
-            <a:stCxn id="12" idx="4"/>
+            <a:stCxn id="11" idx="4"/>
             <a:endCxn id="17" idx="0"/>
           </p:cNvCxnSpPr>
           <p:nvPr/>
         </p:nvCxnSpPr>
         <p:spPr>
           <a:xfrm>
-            <a:off x="6096733" y="3589616"/>
-            <a:ext cx="529004" cy="663971"/>
+            <a:off x="4876068" y="3589617"/>
+            <a:ext cx="1749669" cy="663970"/>
           </a:xfrm>
           <a:prstGeom prst="line">
             <a:avLst/>
@@ -22587,7 +23101,7 @@
         </p:nvSpPr>
         <p:spPr>
           <a:xfrm>
-            <a:off x="6372624" y="3729443"/>
+            <a:off x="6071099" y="3743407"/>
             <a:ext cx="263214" cy="276999"/>
           </a:xfrm>
           <a:prstGeom prst="rect">
@@ -22966,6 +23480,108 @@
           <a:p>
             <a:pPr algn="ctr"/>
             <a:endParaRPr lang="zh-TW" altLang="en-US"/>
+          </a:p>
+        </p:txBody>
+      </p:sp>
+      <p:sp>
+        <p:nvSpPr>
+          <p:cNvPr id="64" name="矩形 18"/>
+          <p:cNvSpPr/>
+          <p:nvPr/>
+        </p:nvSpPr>
+        <p:spPr>
+          <a:xfrm>
+            <a:off x="8935947" y="259923"/>
+            <a:ext cx="498855" cy="584775"/>
+          </a:xfrm>
+          <a:prstGeom prst="rect">
+            <a:avLst/>
+          </a:prstGeom>
+          <a:noFill/>
+        </p:spPr>
+        <p:txBody>
+          <a:bodyPr wrap="none" lIns="91440" tIns="45720" rIns="91440" bIns="45720">
+            <a:spAutoFit/>
+          </a:bodyPr>
+          <a:lstStyle/>
+          <a:p>
+            <a:pPr algn="ctr"/>
+            <a:r>
+              <a:rPr lang="en-US" altLang="zh-TW" sz="1600" smtClean="0">
+                <a:ln w="0"/>
+                <a:solidFill>
+                  <a:schemeClr val="bg1"/>
+                </a:solidFill>
+                <a:effectLst>
+                  <a:outerShdw blurRad="38100" dist="19050" dir="2700000" algn="tl" rotWithShape="0">
+                    <a:schemeClr val="dk1">
+                      <a:alpha val="40000"/>
+                    </a:schemeClr>
+                  </a:outerShdw>
+                </a:effectLst>
+              </a:rPr>
+              <a:t>P=0</a:t>
+            </a:r>
+            <a:r>
+              <a:rPr lang="en-US" altLang="zh-TW" sz="1600">
+                <a:ln w="0"/>
+                <a:solidFill>
+                  <a:schemeClr val="bg1"/>
+                </a:solidFill>
+                <a:effectLst>
+                  <a:outerShdw blurRad="38100" dist="19050" dir="2700000" algn="tl" rotWithShape="0">
+                    <a:schemeClr val="dk1">
+                      <a:alpha val="40000"/>
+                    </a:schemeClr>
+                  </a:outerShdw>
+                </a:effectLst>
+              </a:rPr>
+              <a:t/>
+            </a:r>
+            <a:br>
+              <a:rPr lang="en-US" altLang="zh-TW" sz="1600">
+                <a:ln w="0"/>
+                <a:solidFill>
+                  <a:schemeClr val="bg1"/>
+                </a:solidFill>
+                <a:effectLst>
+                  <a:outerShdw blurRad="38100" dist="19050" dir="2700000" algn="tl" rotWithShape="0">
+                    <a:schemeClr val="dk1">
+                      <a:alpha val="40000"/>
+                    </a:schemeClr>
+                  </a:outerShdw>
+                </a:effectLst>
+              </a:rPr>
+            </a:br>
+            <a:r>
+              <a:rPr lang="en-US" altLang="zh-TW" sz="1600" smtClean="0">
+                <a:ln w="0"/>
+                <a:solidFill>
+                  <a:schemeClr val="bg1"/>
+                </a:solidFill>
+                <a:effectLst>
+                  <a:outerShdw blurRad="38100" dist="19050" dir="2700000" algn="tl" rotWithShape="0">
+                    <a:schemeClr val="dk1">
+                      <a:alpha val="40000"/>
+                    </a:schemeClr>
+                  </a:outerShdw>
+                </a:effectLst>
+              </a:rPr>
+              <a:t>b=0</a:t>
+            </a:r>
+            <a:endParaRPr lang="zh-TW" altLang="en-US" sz="1600" dirty="0">
+              <a:ln w="0"/>
+              <a:solidFill>
+                <a:schemeClr val="bg1"/>
+              </a:solidFill>
+              <a:effectLst>
+                <a:outerShdw blurRad="38100" dist="19050" dir="2700000" algn="tl" rotWithShape="0">
+                  <a:schemeClr val="dk1">
+                    <a:alpha val="40000"/>
+                  </a:schemeClr>
+                </a:outerShdw>
+              </a:effectLst>
+            </a:endParaRPr>
           </a:p>
         </p:txBody>
       </p:sp>
@@ -23310,21 +23926,21 @@
                 <a:gridCol w="873044">
                   <a:extLst>
                     <a:ext uri="{9D8B030D-6E8A-4147-A177-3AD203B41FA5}">
-                      <a16:colId xmlns:a16="http://schemas.microsoft.com/office/drawing/2014/main" val="1842320837"/>
+                      <a16:colId xmlns:a16="http://schemas.microsoft.com/office/drawing/2014/main" xmlns="" val="1842320837"/>
                     </a:ext>
                   </a:extLst>
                 </a:gridCol>
                 <a:gridCol w="717388">
                   <a:extLst>
                     <a:ext uri="{9D8B030D-6E8A-4147-A177-3AD203B41FA5}">
-                      <a16:colId xmlns:a16="http://schemas.microsoft.com/office/drawing/2014/main" val="2038016994"/>
+                      <a16:colId xmlns:a16="http://schemas.microsoft.com/office/drawing/2014/main" xmlns="" val="2038016994"/>
                     </a:ext>
                   </a:extLst>
                 </a:gridCol>
                 <a:gridCol w="1028699">
                   <a:extLst>
                     <a:ext uri="{9D8B030D-6E8A-4147-A177-3AD203B41FA5}">
-                      <a16:colId xmlns:a16="http://schemas.microsoft.com/office/drawing/2014/main" val="3728435139"/>
+                      <a16:colId xmlns:a16="http://schemas.microsoft.com/office/drawing/2014/main" xmlns="" val="3728435139"/>
                     </a:ext>
                   </a:extLst>
                 </a:gridCol>
@@ -23377,7 +23993,7 @@
                 </a:tc>
                 <a:extLst>
                   <a:ext uri="{0D108BD9-81ED-4DB2-BD59-A6C34878D82A}">
-                    <a16:rowId xmlns:a16="http://schemas.microsoft.com/office/drawing/2014/main" val="1025974938"/>
+                    <a16:rowId xmlns:a16="http://schemas.microsoft.com/office/drawing/2014/main" xmlns="" val="1025974938"/>
                   </a:ext>
                 </a:extLst>
               </a:tr>
@@ -23429,7 +24045,7 @@
                 </a:tc>
                 <a:extLst>
                   <a:ext uri="{0D108BD9-81ED-4DB2-BD59-A6C34878D82A}">
-                    <a16:rowId xmlns:a16="http://schemas.microsoft.com/office/drawing/2014/main" val="4077566409"/>
+                    <a16:rowId xmlns:a16="http://schemas.microsoft.com/office/drawing/2014/main" xmlns="" val="4077566409"/>
                   </a:ext>
                 </a:extLst>
               </a:tr>
@@ -23481,7 +24097,7 @@
                 </a:tc>
                 <a:extLst>
                   <a:ext uri="{0D108BD9-81ED-4DB2-BD59-A6C34878D82A}">
-                    <a16:rowId xmlns:a16="http://schemas.microsoft.com/office/drawing/2014/main" val="4214053569"/>
+                    <a16:rowId xmlns:a16="http://schemas.microsoft.com/office/drawing/2014/main" xmlns="" val="4214053569"/>
                   </a:ext>
                 </a:extLst>
               </a:tr>
@@ -23533,7 +24149,7 @@
                 </a:tc>
                 <a:extLst>
                   <a:ext uri="{0D108BD9-81ED-4DB2-BD59-A6C34878D82A}">
-                    <a16:rowId xmlns:a16="http://schemas.microsoft.com/office/drawing/2014/main" val="3475086053"/>
+                    <a16:rowId xmlns:a16="http://schemas.microsoft.com/office/drawing/2014/main" xmlns="" val="3475086053"/>
                   </a:ext>
                 </a:extLst>
               </a:tr>
@@ -23585,7 +24201,7 @@
                 </a:tc>
                 <a:extLst>
                   <a:ext uri="{0D108BD9-81ED-4DB2-BD59-A6C34878D82A}">
-                    <a16:rowId xmlns:a16="http://schemas.microsoft.com/office/drawing/2014/main" val="3245955256"/>
+                    <a16:rowId xmlns:a16="http://schemas.microsoft.com/office/drawing/2014/main" xmlns="" val="3245955256"/>
                   </a:ext>
                 </a:extLst>
               </a:tr>
@@ -23637,7 +24253,7 @@
                 </a:tc>
                 <a:extLst>
                   <a:ext uri="{0D108BD9-81ED-4DB2-BD59-A6C34878D82A}">
-                    <a16:rowId xmlns:a16="http://schemas.microsoft.com/office/drawing/2014/main" val="1233959304"/>
+                    <a16:rowId xmlns:a16="http://schemas.microsoft.com/office/drawing/2014/main" xmlns="" val="1233959304"/>
                   </a:ext>
                 </a:extLst>
               </a:tr>
@@ -24375,6 +24991,108 @@
               <a:ln w="0"/>
               <a:solidFill>
                 <a:schemeClr val="tx1"/>
+              </a:solidFill>
+              <a:effectLst>
+                <a:outerShdw blurRad="38100" dist="19050" dir="2700000" algn="tl" rotWithShape="0">
+                  <a:schemeClr val="dk1">
+                    <a:alpha val="40000"/>
+                  </a:schemeClr>
+                </a:outerShdw>
+              </a:effectLst>
+            </a:endParaRPr>
+          </a:p>
+        </p:txBody>
+      </p:sp>
+      <p:sp>
+        <p:nvSpPr>
+          <p:cNvPr id="13" name="矩形 18"/>
+          <p:cNvSpPr/>
+          <p:nvPr/>
+        </p:nvSpPr>
+        <p:spPr>
+          <a:xfrm>
+            <a:off x="8935947" y="259923"/>
+            <a:ext cx="498855" cy="584775"/>
+          </a:xfrm>
+          <a:prstGeom prst="rect">
+            <a:avLst/>
+          </a:prstGeom>
+          <a:noFill/>
+        </p:spPr>
+        <p:txBody>
+          <a:bodyPr wrap="none" lIns="91440" tIns="45720" rIns="91440" bIns="45720">
+            <a:spAutoFit/>
+          </a:bodyPr>
+          <a:lstStyle/>
+          <a:p>
+            <a:pPr algn="ctr"/>
+            <a:r>
+              <a:rPr lang="en-US" altLang="zh-TW" sz="1600" smtClean="0">
+                <a:ln w="0"/>
+                <a:solidFill>
+                  <a:schemeClr val="bg1"/>
+                </a:solidFill>
+                <a:effectLst>
+                  <a:outerShdw blurRad="38100" dist="19050" dir="2700000" algn="tl" rotWithShape="0">
+                    <a:schemeClr val="dk1">
+                      <a:alpha val="40000"/>
+                    </a:schemeClr>
+                  </a:outerShdw>
+                </a:effectLst>
+              </a:rPr>
+              <a:t>P=0</a:t>
+            </a:r>
+            <a:r>
+              <a:rPr lang="en-US" altLang="zh-TW" sz="1600">
+                <a:ln w="0"/>
+                <a:solidFill>
+                  <a:schemeClr val="bg1"/>
+                </a:solidFill>
+                <a:effectLst>
+                  <a:outerShdw blurRad="38100" dist="19050" dir="2700000" algn="tl" rotWithShape="0">
+                    <a:schemeClr val="dk1">
+                      <a:alpha val="40000"/>
+                    </a:schemeClr>
+                  </a:outerShdw>
+                </a:effectLst>
+              </a:rPr>
+              <a:t/>
+            </a:r>
+            <a:br>
+              <a:rPr lang="en-US" altLang="zh-TW" sz="1600">
+                <a:ln w="0"/>
+                <a:solidFill>
+                  <a:schemeClr val="bg1"/>
+                </a:solidFill>
+                <a:effectLst>
+                  <a:outerShdw blurRad="38100" dist="19050" dir="2700000" algn="tl" rotWithShape="0">
+                    <a:schemeClr val="dk1">
+                      <a:alpha val="40000"/>
+                    </a:schemeClr>
+                  </a:outerShdw>
+                </a:effectLst>
+              </a:rPr>
+            </a:br>
+            <a:r>
+              <a:rPr lang="en-US" altLang="zh-TW" sz="1600" smtClean="0">
+                <a:ln w="0"/>
+                <a:solidFill>
+                  <a:schemeClr val="bg1"/>
+                </a:solidFill>
+                <a:effectLst>
+                  <a:outerShdw blurRad="38100" dist="19050" dir="2700000" algn="tl" rotWithShape="0">
+                    <a:schemeClr val="dk1">
+                      <a:alpha val="40000"/>
+                    </a:schemeClr>
+                  </a:outerShdw>
+                </a:effectLst>
+              </a:rPr>
+              <a:t>b=0</a:t>
+            </a:r>
+            <a:endParaRPr lang="zh-TW" altLang="en-US" sz="1600" dirty="0">
+              <a:ln w="0"/>
+              <a:solidFill>
+                <a:schemeClr val="bg1"/>
               </a:solidFill>
               <a:effectLst>
                 <a:outerShdw blurRad="38100" dist="19050" dir="2700000" algn="tl" rotWithShape="0">
@@ -24695,21 +25413,21 @@
                 <a:gridCol w="873044">
                   <a:extLst>
                     <a:ext uri="{9D8B030D-6E8A-4147-A177-3AD203B41FA5}">
-                      <a16:colId xmlns:a16="http://schemas.microsoft.com/office/drawing/2014/main" val="1842320837"/>
+                      <a16:colId xmlns:a16="http://schemas.microsoft.com/office/drawing/2014/main" xmlns="" val="1842320837"/>
                     </a:ext>
                   </a:extLst>
                 </a:gridCol>
                 <a:gridCol w="717388">
                   <a:extLst>
                     <a:ext uri="{9D8B030D-6E8A-4147-A177-3AD203B41FA5}">
-                      <a16:colId xmlns:a16="http://schemas.microsoft.com/office/drawing/2014/main" val="2038016994"/>
+                      <a16:colId xmlns:a16="http://schemas.microsoft.com/office/drawing/2014/main" xmlns="" val="2038016994"/>
                     </a:ext>
                   </a:extLst>
                 </a:gridCol>
                 <a:gridCol w="1028699">
                   <a:extLst>
                     <a:ext uri="{9D8B030D-6E8A-4147-A177-3AD203B41FA5}">
-                      <a16:colId xmlns:a16="http://schemas.microsoft.com/office/drawing/2014/main" val="3728435139"/>
+                      <a16:colId xmlns:a16="http://schemas.microsoft.com/office/drawing/2014/main" xmlns="" val="3728435139"/>
                     </a:ext>
                   </a:extLst>
                 </a:gridCol>
@@ -24762,7 +25480,7 @@
                 </a:tc>
                 <a:extLst>
                   <a:ext uri="{0D108BD9-81ED-4DB2-BD59-A6C34878D82A}">
-                    <a16:rowId xmlns:a16="http://schemas.microsoft.com/office/drawing/2014/main" val="1025974938"/>
+                    <a16:rowId xmlns:a16="http://schemas.microsoft.com/office/drawing/2014/main" xmlns="" val="1025974938"/>
                   </a:ext>
                 </a:extLst>
               </a:tr>
@@ -24814,7 +25532,7 @@
                 </a:tc>
                 <a:extLst>
                   <a:ext uri="{0D108BD9-81ED-4DB2-BD59-A6C34878D82A}">
-                    <a16:rowId xmlns:a16="http://schemas.microsoft.com/office/drawing/2014/main" val="4077566409"/>
+                    <a16:rowId xmlns:a16="http://schemas.microsoft.com/office/drawing/2014/main" xmlns="" val="4077566409"/>
                   </a:ext>
                 </a:extLst>
               </a:tr>
@@ -24866,7 +25584,7 @@
                 </a:tc>
                 <a:extLst>
                   <a:ext uri="{0D108BD9-81ED-4DB2-BD59-A6C34878D82A}">
-                    <a16:rowId xmlns:a16="http://schemas.microsoft.com/office/drawing/2014/main" val="4214053569"/>
+                    <a16:rowId xmlns:a16="http://schemas.microsoft.com/office/drawing/2014/main" xmlns="" val="4214053569"/>
                   </a:ext>
                 </a:extLst>
               </a:tr>
@@ -24918,7 +25636,7 @@
                 </a:tc>
                 <a:extLst>
                   <a:ext uri="{0D108BD9-81ED-4DB2-BD59-A6C34878D82A}">
-                    <a16:rowId xmlns:a16="http://schemas.microsoft.com/office/drawing/2014/main" val="3475086053"/>
+                    <a16:rowId xmlns:a16="http://schemas.microsoft.com/office/drawing/2014/main" xmlns="" val="3475086053"/>
                   </a:ext>
                 </a:extLst>
               </a:tr>
@@ -24970,7 +25688,7 @@
                 </a:tc>
                 <a:extLst>
                   <a:ext uri="{0D108BD9-81ED-4DB2-BD59-A6C34878D82A}">
-                    <a16:rowId xmlns:a16="http://schemas.microsoft.com/office/drawing/2014/main" val="3245955256"/>
+                    <a16:rowId xmlns:a16="http://schemas.microsoft.com/office/drawing/2014/main" xmlns="" val="3245955256"/>
                   </a:ext>
                 </a:extLst>
               </a:tr>
@@ -25022,7 +25740,7 @@
                 </a:tc>
                 <a:extLst>
                   <a:ext uri="{0D108BD9-81ED-4DB2-BD59-A6C34878D82A}">
-                    <a16:rowId xmlns:a16="http://schemas.microsoft.com/office/drawing/2014/main" val="1233959304"/>
+                    <a16:rowId xmlns:a16="http://schemas.microsoft.com/office/drawing/2014/main" xmlns="" val="1233959304"/>
                   </a:ext>
                 </a:extLst>
               </a:tr>
@@ -25987,6 +26705,108 @@
               <a:ln w="0"/>
               <a:solidFill>
                 <a:schemeClr val="tx1"/>
+              </a:solidFill>
+              <a:effectLst>
+                <a:outerShdw blurRad="38100" dist="19050" dir="2700000" algn="tl" rotWithShape="0">
+                  <a:schemeClr val="dk1">
+                    <a:alpha val="40000"/>
+                  </a:schemeClr>
+                </a:outerShdw>
+              </a:effectLst>
+            </a:endParaRPr>
+          </a:p>
+        </p:txBody>
+      </p:sp>
+      <p:sp>
+        <p:nvSpPr>
+          <p:cNvPr id="17" name="矩形 18"/>
+          <p:cNvSpPr/>
+          <p:nvPr/>
+        </p:nvSpPr>
+        <p:spPr>
+          <a:xfrm>
+            <a:off x="8935947" y="259923"/>
+            <a:ext cx="498855" cy="584775"/>
+          </a:xfrm>
+          <a:prstGeom prst="rect">
+            <a:avLst/>
+          </a:prstGeom>
+          <a:noFill/>
+        </p:spPr>
+        <p:txBody>
+          <a:bodyPr wrap="none" lIns="91440" tIns="45720" rIns="91440" bIns="45720">
+            <a:spAutoFit/>
+          </a:bodyPr>
+          <a:lstStyle/>
+          <a:p>
+            <a:pPr algn="ctr"/>
+            <a:r>
+              <a:rPr lang="en-US" altLang="zh-TW" sz="1600" smtClean="0">
+                <a:ln w="0"/>
+                <a:solidFill>
+                  <a:schemeClr val="bg1"/>
+                </a:solidFill>
+                <a:effectLst>
+                  <a:outerShdw blurRad="38100" dist="19050" dir="2700000" algn="tl" rotWithShape="0">
+                    <a:schemeClr val="dk1">
+                      <a:alpha val="40000"/>
+                    </a:schemeClr>
+                  </a:outerShdw>
+                </a:effectLst>
+              </a:rPr>
+              <a:t>P=0</a:t>
+            </a:r>
+            <a:r>
+              <a:rPr lang="en-US" altLang="zh-TW" sz="1600">
+                <a:ln w="0"/>
+                <a:solidFill>
+                  <a:schemeClr val="bg1"/>
+                </a:solidFill>
+                <a:effectLst>
+                  <a:outerShdw blurRad="38100" dist="19050" dir="2700000" algn="tl" rotWithShape="0">
+                    <a:schemeClr val="dk1">
+                      <a:alpha val="40000"/>
+                    </a:schemeClr>
+                  </a:outerShdw>
+                </a:effectLst>
+              </a:rPr>
+              <a:t/>
+            </a:r>
+            <a:br>
+              <a:rPr lang="en-US" altLang="zh-TW" sz="1600">
+                <a:ln w="0"/>
+                <a:solidFill>
+                  <a:schemeClr val="bg1"/>
+                </a:solidFill>
+                <a:effectLst>
+                  <a:outerShdw blurRad="38100" dist="19050" dir="2700000" algn="tl" rotWithShape="0">
+                    <a:schemeClr val="dk1">
+                      <a:alpha val="40000"/>
+                    </a:schemeClr>
+                  </a:outerShdw>
+                </a:effectLst>
+              </a:rPr>
+            </a:br>
+            <a:r>
+              <a:rPr lang="en-US" altLang="zh-TW" sz="1600" smtClean="0">
+                <a:ln w="0"/>
+                <a:solidFill>
+                  <a:schemeClr val="bg1"/>
+                </a:solidFill>
+                <a:effectLst>
+                  <a:outerShdw blurRad="38100" dist="19050" dir="2700000" algn="tl" rotWithShape="0">
+                    <a:schemeClr val="dk1">
+                      <a:alpha val="40000"/>
+                    </a:schemeClr>
+                  </a:outerShdw>
+                </a:effectLst>
+              </a:rPr>
+              <a:t>b=0</a:t>
+            </a:r>
+            <a:endParaRPr lang="zh-TW" altLang="en-US" sz="1600" dirty="0">
+              <a:ln w="0"/>
+              <a:solidFill>
+                <a:schemeClr val="bg1"/>
               </a:solidFill>
               <a:effectLst>
                 <a:outerShdw blurRad="38100" dist="19050" dir="2700000" algn="tl" rotWithShape="0">
@@ -26307,21 +27127,21 @@
                 <a:gridCol w="873044">
                   <a:extLst>
                     <a:ext uri="{9D8B030D-6E8A-4147-A177-3AD203B41FA5}">
-                      <a16:colId xmlns:a16="http://schemas.microsoft.com/office/drawing/2014/main" val="1842320837"/>
+                      <a16:colId xmlns:a16="http://schemas.microsoft.com/office/drawing/2014/main" xmlns="" val="1842320837"/>
                     </a:ext>
                   </a:extLst>
                 </a:gridCol>
                 <a:gridCol w="717388">
                   <a:extLst>
                     <a:ext uri="{9D8B030D-6E8A-4147-A177-3AD203B41FA5}">
-                      <a16:colId xmlns:a16="http://schemas.microsoft.com/office/drawing/2014/main" val="2038016994"/>
+                      <a16:colId xmlns:a16="http://schemas.microsoft.com/office/drawing/2014/main" xmlns="" val="2038016994"/>
                     </a:ext>
                   </a:extLst>
                 </a:gridCol>
                 <a:gridCol w="1028699">
                   <a:extLst>
                     <a:ext uri="{9D8B030D-6E8A-4147-A177-3AD203B41FA5}">
-                      <a16:colId xmlns:a16="http://schemas.microsoft.com/office/drawing/2014/main" val="3728435139"/>
+                      <a16:colId xmlns:a16="http://schemas.microsoft.com/office/drawing/2014/main" xmlns="" val="3728435139"/>
                     </a:ext>
                   </a:extLst>
                 </a:gridCol>
@@ -26374,7 +27194,7 @@
                 </a:tc>
                 <a:extLst>
                   <a:ext uri="{0D108BD9-81ED-4DB2-BD59-A6C34878D82A}">
-                    <a16:rowId xmlns:a16="http://schemas.microsoft.com/office/drawing/2014/main" val="1025974938"/>
+                    <a16:rowId xmlns:a16="http://schemas.microsoft.com/office/drawing/2014/main" xmlns="" val="1025974938"/>
                   </a:ext>
                 </a:extLst>
               </a:tr>
@@ -26426,7 +27246,7 @@
                 </a:tc>
                 <a:extLst>
                   <a:ext uri="{0D108BD9-81ED-4DB2-BD59-A6C34878D82A}">
-                    <a16:rowId xmlns:a16="http://schemas.microsoft.com/office/drawing/2014/main" val="4077566409"/>
+                    <a16:rowId xmlns:a16="http://schemas.microsoft.com/office/drawing/2014/main" xmlns="" val="4077566409"/>
                   </a:ext>
                 </a:extLst>
               </a:tr>
@@ -26478,7 +27298,7 @@
                 </a:tc>
                 <a:extLst>
                   <a:ext uri="{0D108BD9-81ED-4DB2-BD59-A6C34878D82A}">
-                    <a16:rowId xmlns:a16="http://schemas.microsoft.com/office/drawing/2014/main" val="4214053569"/>
+                    <a16:rowId xmlns:a16="http://schemas.microsoft.com/office/drawing/2014/main" xmlns="" val="4214053569"/>
                   </a:ext>
                 </a:extLst>
               </a:tr>
@@ -26530,7 +27350,7 @@
                 </a:tc>
                 <a:extLst>
                   <a:ext uri="{0D108BD9-81ED-4DB2-BD59-A6C34878D82A}">
-                    <a16:rowId xmlns:a16="http://schemas.microsoft.com/office/drawing/2014/main" val="3475086053"/>
+                    <a16:rowId xmlns:a16="http://schemas.microsoft.com/office/drawing/2014/main" xmlns="" val="3475086053"/>
                   </a:ext>
                 </a:extLst>
               </a:tr>
@@ -26582,7 +27402,7 @@
                 </a:tc>
                 <a:extLst>
                   <a:ext uri="{0D108BD9-81ED-4DB2-BD59-A6C34878D82A}">
-                    <a16:rowId xmlns:a16="http://schemas.microsoft.com/office/drawing/2014/main" val="3245955256"/>
+                    <a16:rowId xmlns:a16="http://schemas.microsoft.com/office/drawing/2014/main" xmlns="" val="3245955256"/>
                   </a:ext>
                 </a:extLst>
               </a:tr>
@@ -26634,7 +27454,7 @@
                 </a:tc>
                 <a:extLst>
                   <a:ext uri="{0D108BD9-81ED-4DB2-BD59-A6C34878D82A}">
-                    <a16:rowId xmlns:a16="http://schemas.microsoft.com/office/drawing/2014/main" val="1233959304"/>
+                    <a16:rowId xmlns:a16="http://schemas.microsoft.com/office/drawing/2014/main" xmlns="" val="1233959304"/>
                   </a:ext>
                 </a:extLst>
               </a:tr>
@@ -27826,6 +28646,108 @@
               <a:ln w="0"/>
               <a:solidFill>
                 <a:schemeClr val="tx1"/>
+              </a:solidFill>
+              <a:effectLst>
+                <a:outerShdw blurRad="38100" dist="19050" dir="2700000" algn="tl" rotWithShape="0">
+                  <a:schemeClr val="dk1">
+                    <a:alpha val="40000"/>
+                  </a:schemeClr>
+                </a:outerShdw>
+              </a:effectLst>
+            </a:endParaRPr>
+          </a:p>
+        </p:txBody>
+      </p:sp>
+      <p:sp>
+        <p:nvSpPr>
+          <p:cNvPr id="32" name="矩形 18"/>
+          <p:cNvSpPr/>
+          <p:nvPr/>
+        </p:nvSpPr>
+        <p:spPr>
+          <a:xfrm>
+            <a:off x="8935947" y="259923"/>
+            <a:ext cx="498855" cy="584775"/>
+          </a:xfrm>
+          <a:prstGeom prst="rect">
+            <a:avLst/>
+          </a:prstGeom>
+          <a:noFill/>
+        </p:spPr>
+        <p:txBody>
+          <a:bodyPr wrap="none" lIns="91440" tIns="45720" rIns="91440" bIns="45720">
+            <a:spAutoFit/>
+          </a:bodyPr>
+          <a:lstStyle/>
+          <a:p>
+            <a:pPr algn="ctr"/>
+            <a:r>
+              <a:rPr lang="en-US" altLang="zh-TW" sz="1600" smtClean="0">
+                <a:ln w="0"/>
+                <a:solidFill>
+                  <a:schemeClr val="bg1"/>
+                </a:solidFill>
+                <a:effectLst>
+                  <a:outerShdw blurRad="38100" dist="19050" dir="2700000" algn="tl" rotWithShape="0">
+                    <a:schemeClr val="dk1">
+                      <a:alpha val="40000"/>
+                    </a:schemeClr>
+                  </a:outerShdw>
+                </a:effectLst>
+              </a:rPr>
+              <a:t>P=0</a:t>
+            </a:r>
+            <a:r>
+              <a:rPr lang="en-US" altLang="zh-TW" sz="1600">
+                <a:ln w="0"/>
+                <a:solidFill>
+                  <a:schemeClr val="bg1"/>
+                </a:solidFill>
+                <a:effectLst>
+                  <a:outerShdw blurRad="38100" dist="19050" dir="2700000" algn="tl" rotWithShape="0">
+                    <a:schemeClr val="dk1">
+                      <a:alpha val="40000"/>
+                    </a:schemeClr>
+                  </a:outerShdw>
+                </a:effectLst>
+              </a:rPr>
+              <a:t/>
+            </a:r>
+            <a:br>
+              <a:rPr lang="en-US" altLang="zh-TW" sz="1600">
+                <a:ln w="0"/>
+                <a:solidFill>
+                  <a:schemeClr val="bg1"/>
+                </a:solidFill>
+                <a:effectLst>
+                  <a:outerShdw blurRad="38100" dist="19050" dir="2700000" algn="tl" rotWithShape="0">
+                    <a:schemeClr val="dk1">
+                      <a:alpha val="40000"/>
+                    </a:schemeClr>
+                  </a:outerShdw>
+                </a:effectLst>
+              </a:rPr>
+            </a:br>
+            <a:r>
+              <a:rPr lang="en-US" altLang="zh-TW" sz="1600" smtClean="0">
+                <a:ln w="0"/>
+                <a:solidFill>
+                  <a:schemeClr val="bg1"/>
+                </a:solidFill>
+                <a:effectLst>
+                  <a:outerShdw blurRad="38100" dist="19050" dir="2700000" algn="tl" rotWithShape="0">
+                    <a:schemeClr val="dk1">
+                      <a:alpha val="40000"/>
+                    </a:schemeClr>
+                  </a:outerShdw>
+                </a:effectLst>
+              </a:rPr>
+              <a:t>b=0</a:t>
+            </a:r>
+            <a:endParaRPr lang="zh-TW" altLang="en-US" sz="1600" dirty="0">
+              <a:ln w="0"/>
+              <a:solidFill>
+                <a:schemeClr val="bg1"/>
               </a:solidFill>
               <a:effectLst>
                 <a:outerShdw blurRad="38100" dist="19050" dir="2700000" algn="tl" rotWithShape="0">
@@ -28146,21 +29068,21 @@
                 <a:gridCol w="873044">
                   <a:extLst>
                     <a:ext uri="{9D8B030D-6E8A-4147-A177-3AD203B41FA5}">
-                      <a16:colId xmlns:a16="http://schemas.microsoft.com/office/drawing/2014/main" val="1842320837"/>
+                      <a16:colId xmlns:a16="http://schemas.microsoft.com/office/drawing/2014/main" xmlns="" val="1842320837"/>
                     </a:ext>
                   </a:extLst>
                 </a:gridCol>
                 <a:gridCol w="717388">
                   <a:extLst>
                     <a:ext uri="{9D8B030D-6E8A-4147-A177-3AD203B41FA5}">
-                      <a16:colId xmlns:a16="http://schemas.microsoft.com/office/drawing/2014/main" val="2038016994"/>
+                      <a16:colId xmlns:a16="http://schemas.microsoft.com/office/drawing/2014/main" xmlns="" val="2038016994"/>
                     </a:ext>
                   </a:extLst>
                 </a:gridCol>
                 <a:gridCol w="1028699">
                   <a:extLst>
                     <a:ext uri="{9D8B030D-6E8A-4147-A177-3AD203B41FA5}">
-                      <a16:colId xmlns:a16="http://schemas.microsoft.com/office/drawing/2014/main" val="3728435139"/>
+                      <a16:colId xmlns:a16="http://schemas.microsoft.com/office/drawing/2014/main" xmlns="" val="3728435139"/>
                     </a:ext>
                   </a:extLst>
                 </a:gridCol>
@@ -28213,7 +29135,7 @@
                 </a:tc>
                 <a:extLst>
                   <a:ext uri="{0D108BD9-81ED-4DB2-BD59-A6C34878D82A}">
-                    <a16:rowId xmlns:a16="http://schemas.microsoft.com/office/drawing/2014/main" val="1025974938"/>
+                    <a16:rowId xmlns:a16="http://schemas.microsoft.com/office/drawing/2014/main" xmlns="" val="1025974938"/>
                   </a:ext>
                 </a:extLst>
               </a:tr>
@@ -28265,7 +29187,7 @@
                 </a:tc>
                 <a:extLst>
                   <a:ext uri="{0D108BD9-81ED-4DB2-BD59-A6C34878D82A}">
-                    <a16:rowId xmlns:a16="http://schemas.microsoft.com/office/drawing/2014/main" val="4077566409"/>
+                    <a16:rowId xmlns:a16="http://schemas.microsoft.com/office/drawing/2014/main" xmlns="" val="4077566409"/>
                   </a:ext>
                 </a:extLst>
               </a:tr>
@@ -28317,7 +29239,7 @@
                 </a:tc>
                 <a:extLst>
                   <a:ext uri="{0D108BD9-81ED-4DB2-BD59-A6C34878D82A}">
-                    <a16:rowId xmlns:a16="http://schemas.microsoft.com/office/drawing/2014/main" val="4214053569"/>
+                    <a16:rowId xmlns:a16="http://schemas.microsoft.com/office/drawing/2014/main" xmlns="" val="4214053569"/>
                   </a:ext>
                 </a:extLst>
               </a:tr>
@@ -28369,7 +29291,7 @@
                 </a:tc>
                 <a:extLst>
                   <a:ext uri="{0D108BD9-81ED-4DB2-BD59-A6C34878D82A}">
-                    <a16:rowId xmlns:a16="http://schemas.microsoft.com/office/drawing/2014/main" val="3475086053"/>
+                    <a16:rowId xmlns:a16="http://schemas.microsoft.com/office/drawing/2014/main" xmlns="" val="3475086053"/>
                   </a:ext>
                 </a:extLst>
               </a:tr>
@@ -28421,7 +29343,7 @@
                 </a:tc>
                 <a:extLst>
                   <a:ext uri="{0D108BD9-81ED-4DB2-BD59-A6C34878D82A}">
-                    <a16:rowId xmlns:a16="http://schemas.microsoft.com/office/drawing/2014/main" val="3245955256"/>
+                    <a16:rowId xmlns:a16="http://schemas.microsoft.com/office/drawing/2014/main" xmlns="" val="3245955256"/>
                   </a:ext>
                 </a:extLst>
               </a:tr>
@@ -28473,7 +29395,7 @@
                 </a:tc>
                 <a:extLst>
                   <a:ext uri="{0D108BD9-81ED-4DB2-BD59-A6C34878D82A}">
-                    <a16:rowId xmlns:a16="http://schemas.microsoft.com/office/drawing/2014/main" val="1233959304"/>
+                    <a16:rowId xmlns:a16="http://schemas.microsoft.com/office/drawing/2014/main" xmlns="" val="1233959304"/>
                   </a:ext>
                 </a:extLst>
               </a:tr>
@@ -29892,6 +30814,108 @@
               <a:ln w="0"/>
               <a:solidFill>
                 <a:schemeClr val="tx1"/>
+              </a:solidFill>
+              <a:effectLst>
+                <a:outerShdw blurRad="38100" dist="19050" dir="2700000" algn="tl" rotWithShape="0">
+                  <a:schemeClr val="dk1">
+                    <a:alpha val="40000"/>
+                  </a:schemeClr>
+                </a:outerShdw>
+              </a:effectLst>
+            </a:endParaRPr>
+          </a:p>
+        </p:txBody>
+      </p:sp>
+      <p:sp>
+        <p:nvSpPr>
+          <p:cNvPr id="35" name="矩形 18"/>
+          <p:cNvSpPr/>
+          <p:nvPr/>
+        </p:nvSpPr>
+        <p:spPr>
+          <a:xfrm>
+            <a:off x="8935947" y="259923"/>
+            <a:ext cx="498855" cy="584775"/>
+          </a:xfrm>
+          <a:prstGeom prst="rect">
+            <a:avLst/>
+          </a:prstGeom>
+          <a:noFill/>
+        </p:spPr>
+        <p:txBody>
+          <a:bodyPr wrap="none" lIns="91440" tIns="45720" rIns="91440" bIns="45720">
+            <a:spAutoFit/>
+          </a:bodyPr>
+          <a:lstStyle/>
+          <a:p>
+            <a:pPr algn="ctr"/>
+            <a:r>
+              <a:rPr lang="en-US" altLang="zh-TW" sz="1600" smtClean="0">
+                <a:ln w="0"/>
+                <a:solidFill>
+                  <a:schemeClr val="bg1"/>
+                </a:solidFill>
+                <a:effectLst>
+                  <a:outerShdw blurRad="38100" dist="19050" dir="2700000" algn="tl" rotWithShape="0">
+                    <a:schemeClr val="dk1">
+                      <a:alpha val="40000"/>
+                    </a:schemeClr>
+                  </a:outerShdw>
+                </a:effectLst>
+              </a:rPr>
+              <a:t>P=0</a:t>
+            </a:r>
+            <a:r>
+              <a:rPr lang="en-US" altLang="zh-TW" sz="1600">
+                <a:ln w="0"/>
+                <a:solidFill>
+                  <a:schemeClr val="bg1"/>
+                </a:solidFill>
+                <a:effectLst>
+                  <a:outerShdw blurRad="38100" dist="19050" dir="2700000" algn="tl" rotWithShape="0">
+                    <a:schemeClr val="dk1">
+                      <a:alpha val="40000"/>
+                    </a:schemeClr>
+                  </a:outerShdw>
+                </a:effectLst>
+              </a:rPr>
+              <a:t/>
+            </a:r>
+            <a:br>
+              <a:rPr lang="en-US" altLang="zh-TW" sz="1600">
+                <a:ln w="0"/>
+                <a:solidFill>
+                  <a:schemeClr val="bg1"/>
+                </a:solidFill>
+                <a:effectLst>
+                  <a:outerShdw blurRad="38100" dist="19050" dir="2700000" algn="tl" rotWithShape="0">
+                    <a:schemeClr val="dk1">
+                      <a:alpha val="40000"/>
+                    </a:schemeClr>
+                  </a:outerShdw>
+                </a:effectLst>
+              </a:rPr>
+            </a:br>
+            <a:r>
+              <a:rPr lang="en-US" altLang="zh-TW" sz="1600" smtClean="0">
+                <a:ln w="0"/>
+                <a:solidFill>
+                  <a:schemeClr val="bg1"/>
+                </a:solidFill>
+                <a:effectLst>
+                  <a:outerShdw blurRad="38100" dist="19050" dir="2700000" algn="tl" rotWithShape="0">
+                    <a:schemeClr val="dk1">
+                      <a:alpha val="40000"/>
+                    </a:schemeClr>
+                  </a:outerShdw>
+                </a:effectLst>
+              </a:rPr>
+              <a:t>b=0</a:t>
+            </a:r>
+            <a:endParaRPr lang="zh-TW" altLang="en-US" sz="1600" dirty="0">
+              <a:ln w="0"/>
+              <a:solidFill>
+                <a:schemeClr val="bg1"/>
               </a:solidFill>
               <a:effectLst>
                 <a:outerShdw blurRad="38100" dist="19050" dir="2700000" algn="tl" rotWithShape="0">
@@ -30221,21 +31245,21 @@
                 <a:gridCol w="873044">
                   <a:extLst>
                     <a:ext uri="{9D8B030D-6E8A-4147-A177-3AD203B41FA5}">
-                      <a16:colId xmlns:a16="http://schemas.microsoft.com/office/drawing/2014/main" val="1842320837"/>
+                      <a16:colId xmlns:a16="http://schemas.microsoft.com/office/drawing/2014/main" xmlns="" val="1842320837"/>
                     </a:ext>
                   </a:extLst>
                 </a:gridCol>
                 <a:gridCol w="717388">
                   <a:extLst>
                     <a:ext uri="{9D8B030D-6E8A-4147-A177-3AD203B41FA5}">
-                      <a16:colId xmlns:a16="http://schemas.microsoft.com/office/drawing/2014/main" val="2038016994"/>
+                      <a16:colId xmlns:a16="http://schemas.microsoft.com/office/drawing/2014/main" xmlns="" val="2038016994"/>
                     </a:ext>
                   </a:extLst>
                 </a:gridCol>
                 <a:gridCol w="1028699">
                   <a:extLst>
                     <a:ext uri="{9D8B030D-6E8A-4147-A177-3AD203B41FA5}">
-                      <a16:colId xmlns:a16="http://schemas.microsoft.com/office/drawing/2014/main" val="3728435139"/>
+                      <a16:colId xmlns:a16="http://schemas.microsoft.com/office/drawing/2014/main" xmlns="" val="3728435139"/>
                     </a:ext>
                   </a:extLst>
                 </a:gridCol>
@@ -30288,7 +31312,7 @@
                 </a:tc>
                 <a:extLst>
                   <a:ext uri="{0D108BD9-81ED-4DB2-BD59-A6C34878D82A}">
-                    <a16:rowId xmlns:a16="http://schemas.microsoft.com/office/drawing/2014/main" val="1025974938"/>
+                    <a16:rowId xmlns:a16="http://schemas.microsoft.com/office/drawing/2014/main" xmlns="" val="1025974938"/>
                   </a:ext>
                 </a:extLst>
               </a:tr>
@@ -30340,7 +31364,7 @@
                 </a:tc>
                 <a:extLst>
                   <a:ext uri="{0D108BD9-81ED-4DB2-BD59-A6C34878D82A}">
-                    <a16:rowId xmlns:a16="http://schemas.microsoft.com/office/drawing/2014/main" val="4077566409"/>
+                    <a16:rowId xmlns:a16="http://schemas.microsoft.com/office/drawing/2014/main" xmlns="" val="4077566409"/>
                   </a:ext>
                 </a:extLst>
               </a:tr>
@@ -30392,7 +31416,7 @@
                 </a:tc>
                 <a:extLst>
                   <a:ext uri="{0D108BD9-81ED-4DB2-BD59-A6C34878D82A}">
-                    <a16:rowId xmlns:a16="http://schemas.microsoft.com/office/drawing/2014/main" val="4214053569"/>
+                    <a16:rowId xmlns:a16="http://schemas.microsoft.com/office/drawing/2014/main" xmlns="" val="4214053569"/>
                   </a:ext>
                 </a:extLst>
               </a:tr>
@@ -30444,7 +31468,7 @@
                 </a:tc>
                 <a:extLst>
                   <a:ext uri="{0D108BD9-81ED-4DB2-BD59-A6C34878D82A}">
-                    <a16:rowId xmlns:a16="http://schemas.microsoft.com/office/drawing/2014/main" val="3475086053"/>
+                    <a16:rowId xmlns:a16="http://schemas.microsoft.com/office/drawing/2014/main" xmlns="" val="3475086053"/>
                   </a:ext>
                 </a:extLst>
               </a:tr>
@@ -30496,7 +31520,7 @@
                 </a:tc>
                 <a:extLst>
                   <a:ext uri="{0D108BD9-81ED-4DB2-BD59-A6C34878D82A}">
-                    <a16:rowId xmlns:a16="http://schemas.microsoft.com/office/drawing/2014/main" val="3245955256"/>
+                    <a16:rowId xmlns:a16="http://schemas.microsoft.com/office/drawing/2014/main" xmlns="" val="3245955256"/>
                   </a:ext>
                 </a:extLst>
               </a:tr>
@@ -30548,7 +31572,7 @@
                 </a:tc>
                 <a:extLst>
                   <a:ext uri="{0D108BD9-81ED-4DB2-BD59-A6C34878D82A}">
-                    <a16:rowId xmlns:a16="http://schemas.microsoft.com/office/drawing/2014/main" val="1233959304"/>
+                    <a16:rowId xmlns:a16="http://schemas.microsoft.com/office/drawing/2014/main" xmlns="" val="1233959304"/>
                   </a:ext>
                 </a:extLst>
               </a:tr>
@@ -32469,6 +33493,108 @@
               <a:ln w="0"/>
               <a:solidFill>
                 <a:schemeClr val="tx1"/>
+              </a:solidFill>
+              <a:effectLst>
+                <a:outerShdw blurRad="38100" dist="19050" dir="2700000" algn="tl" rotWithShape="0">
+                  <a:schemeClr val="dk1">
+                    <a:alpha val="40000"/>
+                  </a:schemeClr>
+                </a:outerShdw>
+              </a:effectLst>
+            </a:endParaRPr>
+          </a:p>
+        </p:txBody>
+      </p:sp>
+      <p:sp>
+        <p:nvSpPr>
+          <p:cNvPr id="37" name="矩形 18"/>
+          <p:cNvSpPr/>
+          <p:nvPr/>
+        </p:nvSpPr>
+        <p:spPr>
+          <a:xfrm>
+            <a:off x="8935947" y="259923"/>
+            <a:ext cx="498855" cy="584775"/>
+          </a:xfrm>
+          <a:prstGeom prst="rect">
+            <a:avLst/>
+          </a:prstGeom>
+          <a:noFill/>
+        </p:spPr>
+        <p:txBody>
+          <a:bodyPr wrap="none" lIns="91440" tIns="45720" rIns="91440" bIns="45720">
+            <a:spAutoFit/>
+          </a:bodyPr>
+          <a:lstStyle/>
+          <a:p>
+            <a:pPr algn="ctr"/>
+            <a:r>
+              <a:rPr lang="en-US" altLang="zh-TW" sz="1600" smtClean="0">
+                <a:ln w="0"/>
+                <a:solidFill>
+                  <a:schemeClr val="bg1"/>
+                </a:solidFill>
+                <a:effectLst>
+                  <a:outerShdw blurRad="38100" dist="19050" dir="2700000" algn="tl" rotWithShape="0">
+                    <a:schemeClr val="dk1">
+                      <a:alpha val="40000"/>
+                    </a:schemeClr>
+                  </a:outerShdw>
+                </a:effectLst>
+              </a:rPr>
+              <a:t>P=0</a:t>
+            </a:r>
+            <a:r>
+              <a:rPr lang="en-US" altLang="zh-TW" sz="1600">
+                <a:ln w="0"/>
+                <a:solidFill>
+                  <a:schemeClr val="bg1"/>
+                </a:solidFill>
+                <a:effectLst>
+                  <a:outerShdw blurRad="38100" dist="19050" dir="2700000" algn="tl" rotWithShape="0">
+                    <a:schemeClr val="dk1">
+                      <a:alpha val="40000"/>
+                    </a:schemeClr>
+                  </a:outerShdw>
+                </a:effectLst>
+              </a:rPr>
+              <a:t/>
+            </a:r>
+            <a:br>
+              <a:rPr lang="en-US" altLang="zh-TW" sz="1600">
+                <a:ln w="0"/>
+                <a:solidFill>
+                  <a:schemeClr val="bg1"/>
+                </a:solidFill>
+                <a:effectLst>
+                  <a:outerShdw blurRad="38100" dist="19050" dir="2700000" algn="tl" rotWithShape="0">
+                    <a:schemeClr val="dk1">
+                      <a:alpha val="40000"/>
+                    </a:schemeClr>
+                  </a:outerShdw>
+                </a:effectLst>
+              </a:rPr>
+            </a:br>
+            <a:r>
+              <a:rPr lang="en-US" altLang="zh-TW" sz="1600" smtClean="0">
+                <a:ln w="0"/>
+                <a:solidFill>
+                  <a:schemeClr val="bg1"/>
+                </a:solidFill>
+                <a:effectLst>
+                  <a:outerShdw blurRad="38100" dist="19050" dir="2700000" algn="tl" rotWithShape="0">
+                    <a:schemeClr val="dk1">
+                      <a:alpha val="40000"/>
+                    </a:schemeClr>
+                  </a:outerShdw>
+                </a:effectLst>
+              </a:rPr>
+              <a:t>b=0</a:t>
+            </a:r>
+            <a:endParaRPr lang="zh-TW" altLang="en-US" sz="1600" dirty="0">
+              <a:ln w="0"/>
+              <a:solidFill>
+                <a:schemeClr val="bg1"/>
               </a:solidFill>
               <a:effectLst>
                 <a:outerShdw blurRad="38100" dist="19050" dir="2700000" algn="tl" rotWithShape="0">
@@ -32865,21 +33991,21 @@
                 <a:gridCol w="873044">
                   <a:extLst>
                     <a:ext uri="{9D8B030D-6E8A-4147-A177-3AD203B41FA5}">
-                      <a16:colId xmlns:a16="http://schemas.microsoft.com/office/drawing/2014/main" val="1842320837"/>
+                      <a16:colId xmlns:a16="http://schemas.microsoft.com/office/drawing/2014/main" xmlns="" val="1842320837"/>
                     </a:ext>
                   </a:extLst>
                 </a:gridCol>
                 <a:gridCol w="717388">
                   <a:extLst>
                     <a:ext uri="{9D8B030D-6E8A-4147-A177-3AD203B41FA5}">
-                      <a16:colId xmlns:a16="http://schemas.microsoft.com/office/drawing/2014/main" val="2038016994"/>
+                      <a16:colId xmlns:a16="http://schemas.microsoft.com/office/drawing/2014/main" xmlns="" val="2038016994"/>
                     </a:ext>
                   </a:extLst>
                 </a:gridCol>
                 <a:gridCol w="1028699">
                   <a:extLst>
                     <a:ext uri="{9D8B030D-6E8A-4147-A177-3AD203B41FA5}">
-                      <a16:colId xmlns:a16="http://schemas.microsoft.com/office/drawing/2014/main" val="3728435139"/>
+                      <a16:colId xmlns:a16="http://schemas.microsoft.com/office/drawing/2014/main" xmlns="" val="3728435139"/>
                     </a:ext>
                   </a:extLst>
                 </a:gridCol>
@@ -32932,7 +34058,7 @@
                 </a:tc>
                 <a:extLst>
                   <a:ext uri="{0D108BD9-81ED-4DB2-BD59-A6C34878D82A}">
-                    <a16:rowId xmlns:a16="http://schemas.microsoft.com/office/drawing/2014/main" val="1025974938"/>
+                    <a16:rowId xmlns:a16="http://schemas.microsoft.com/office/drawing/2014/main" xmlns="" val="1025974938"/>
                   </a:ext>
                 </a:extLst>
               </a:tr>
@@ -32984,7 +34110,7 @@
                 </a:tc>
                 <a:extLst>
                   <a:ext uri="{0D108BD9-81ED-4DB2-BD59-A6C34878D82A}">
-                    <a16:rowId xmlns:a16="http://schemas.microsoft.com/office/drawing/2014/main" val="4077566409"/>
+                    <a16:rowId xmlns:a16="http://schemas.microsoft.com/office/drawing/2014/main" xmlns="" val="4077566409"/>
                   </a:ext>
                 </a:extLst>
               </a:tr>
@@ -33036,7 +34162,7 @@
                 </a:tc>
                 <a:extLst>
                   <a:ext uri="{0D108BD9-81ED-4DB2-BD59-A6C34878D82A}">
-                    <a16:rowId xmlns:a16="http://schemas.microsoft.com/office/drawing/2014/main" val="4214053569"/>
+                    <a16:rowId xmlns:a16="http://schemas.microsoft.com/office/drawing/2014/main" xmlns="" val="4214053569"/>
                   </a:ext>
                 </a:extLst>
               </a:tr>
@@ -33088,7 +34214,7 @@
                 </a:tc>
                 <a:extLst>
                   <a:ext uri="{0D108BD9-81ED-4DB2-BD59-A6C34878D82A}">
-                    <a16:rowId xmlns:a16="http://schemas.microsoft.com/office/drawing/2014/main" val="3475086053"/>
+                    <a16:rowId xmlns:a16="http://schemas.microsoft.com/office/drawing/2014/main" xmlns="" val="3475086053"/>
                   </a:ext>
                 </a:extLst>
               </a:tr>
@@ -33140,7 +34266,7 @@
                 </a:tc>
                 <a:extLst>
                   <a:ext uri="{0D108BD9-81ED-4DB2-BD59-A6C34878D82A}">
-                    <a16:rowId xmlns:a16="http://schemas.microsoft.com/office/drawing/2014/main" val="3245955256"/>
+                    <a16:rowId xmlns:a16="http://schemas.microsoft.com/office/drawing/2014/main" xmlns="" val="3245955256"/>
                   </a:ext>
                 </a:extLst>
               </a:tr>
@@ -33192,7 +34318,7 @@
                 </a:tc>
                 <a:extLst>
                   <a:ext uri="{0D108BD9-81ED-4DB2-BD59-A6C34878D82A}">
-                    <a16:rowId xmlns:a16="http://schemas.microsoft.com/office/drawing/2014/main" val="1233959304"/>
+                    <a16:rowId xmlns:a16="http://schemas.microsoft.com/office/drawing/2014/main" xmlns="" val="1233959304"/>
                   </a:ext>
                 </a:extLst>
               </a:tr>
@@ -35078,6 +36204,108 @@
               <a:ln w="0"/>
               <a:solidFill>
                 <a:schemeClr val="tx1"/>
+              </a:solidFill>
+              <a:effectLst>
+                <a:outerShdw blurRad="38100" dist="19050" dir="2700000" algn="tl" rotWithShape="0">
+                  <a:schemeClr val="dk1">
+                    <a:alpha val="40000"/>
+                  </a:schemeClr>
+                </a:outerShdw>
+              </a:effectLst>
+            </a:endParaRPr>
+          </a:p>
+        </p:txBody>
+      </p:sp>
+      <p:sp>
+        <p:nvSpPr>
+          <p:cNvPr id="34" name="矩形 18"/>
+          <p:cNvSpPr/>
+          <p:nvPr/>
+        </p:nvSpPr>
+        <p:spPr>
+          <a:xfrm>
+            <a:off x="8935947" y="259923"/>
+            <a:ext cx="498855" cy="584775"/>
+          </a:xfrm>
+          <a:prstGeom prst="rect">
+            <a:avLst/>
+          </a:prstGeom>
+          <a:noFill/>
+        </p:spPr>
+        <p:txBody>
+          <a:bodyPr wrap="none" lIns="91440" tIns="45720" rIns="91440" bIns="45720">
+            <a:spAutoFit/>
+          </a:bodyPr>
+          <a:lstStyle/>
+          <a:p>
+            <a:pPr algn="ctr"/>
+            <a:r>
+              <a:rPr lang="en-US" altLang="zh-TW" sz="1600" smtClean="0">
+                <a:ln w="0"/>
+                <a:solidFill>
+                  <a:schemeClr val="bg1"/>
+                </a:solidFill>
+                <a:effectLst>
+                  <a:outerShdw blurRad="38100" dist="19050" dir="2700000" algn="tl" rotWithShape="0">
+                    <a:schemeClr val="dk1">
+                      <a:alpha val="40000"/>
+                    </a:schemeClr>
+                  </a:outerShdw>
+                </a:effectLst>
+              </a:rPr>
+              <a:t>P=0</a:t>
+            </a:r>
+            <a:r>
+              <a:rPr lang="en-US" altLang="zh-TW" sz="1600">
+                <a:ln w="0"/>
+                <a:solidFill>
+                  <a:schemeClr val="bg1"/>
+                </a:solidFill>
+                <a:effectLst>
+                  <a:outerShdw blurRad="38100" dist="19050" dir="2700000" algn="tl" rotWithShape="0">
+                    <a:schemeClr val="dk1">
+                      <a:alpha val="40000"/>
+                    </a:schemeClr>
+                  </a:outerShdw>
+                </a:effectLst>
+              </a:rPr>
+              <a:t/>
+            </a:r>
+            <a:br>
+              <a:rPr lang="en-US" altLang="zh-TW" sz="1600">
+                <a:ln w="0"/>
+                <a:solidFill>
+                  <a:schemeClr val="bg1"/>
+                </a:solidFill>
+                <a:effectLst>
+                  <a:outerShdw blurRad="38100" dist="19050" dir="2700000" algn="tl" rotWithShape="0">
+                    <a:schemeClr val="dk1">
+                      <a:alpha val="40000"/>
+                    </a:schemeClr>
+                  </a:outerShdw>
+                </a:effectLst>
+              </a:rPr>
+            </a:br>
+            <a:r>
+              <a:rPr lang="en-US" altLang="zh-TW" sz="1600" smtClean="0">
+                <a:ln w="0"/>
+                <a:solidFill>
+                  <a:schemeClr val="bg1"/>
+                </a:solidFill>
+                <a:effectLst>
+                  <a:outerShdw blurRad="38100" dist="19050" dir="2700000" algn="tl" rotWithShape="0">
+                    <a:schemeClr val="dk1">
+                      <a:alpha val="40000"/>
+                    </a:schemeClr>
+                  </a:outerShdw>
+                </a:effectLst>
+              </a:rPr>
+              <a:t>b=0</a:t>
+            </a:r>
+            <a:endParaRPr lang="zh-TW" altLang="en-US" sz="1600" dirty="0">
+              <a:ln w="0"/>
+              <a:solidFill>
+                <a:schemeClr val="bg1"/>
               </a:solidFill>
               <a:effectLst>
                 <a:outerShdw blurRad="38100" dist="19050" dir="2700000" algn="tl" rotWithShape="0">
@@ -35399,21 +36627,21 @@
                 <a:gridCol w="873044">
                   <a:extLst>
                     <a:ext uri="{9D8B030D-6E8A-4147-A177-3AD203B41FA5}">
-                      <a16:colId xmlns:a16="http://schemas.microsoft.com/office/drawing/2014/main" val="1842320837"/>
+                      <a16:colId xmlns:a16="http://schemas.microsoft.com/office/drawing/2014/main" xmlns="" val="1842320837"/>
                     </a:ext>
                   </a:extLst>
                 </a:gridCol>
                 <a:gridCol w="717388">
                   <a:extLst>
                     <a:ext uri="{9D8B030D-6E8A-4147-A177-3AD203B41FA5}">
-                      <a16:colId xmlns:a16="http://schemas.microsoft.com/office/drawing/2014/main" val="2038016994"/>
+                      <a16:colId xmlns:a16="http://schemas.microsoft.com/office/drawing/2014/main" xmlns="" val="2038016994"/>
                     </a:ext>
                   </a:extLst>
                 </a:gridCol>
                 <a:gridCol w="1028699">
                   <a:extLst>
                     <a:ext uri="{9D8B030D-6E8A-4147-A177-3AD203B41FA5}">
-                      <a16:colId xmlns:a16="http://schemas.microsoft.com/office/drawing/2014/main" val="3728435139"/>
+                      <a16:colId xmlns:a16="http://schemas.microsoft.com/office/drawing/2014/main" xmlns="" val="3728435139"/>
                     </a:ext>
                   </a:extLst>
                 </a:gridCol>
@@ -35466,7 +36694,7 @@
                 </a:tc>
                 <a:extLst>
                   <a:ext uri="{0D108BD9-81ED-4DB2-BD59-A6C34878D82A}">
-                    <a16:rowId xmlns:a16="http://schemas.microsoft.com/office/drawing/2014/main" val="1025974938"/>
+                    <a16:rowId xmlns:a16="http://schemas.microsoft.com/office/drawing/2014/main" xmlns="" val="1025974938"/>
                   </a:ext>
                 </a:extLst>
               </a:tr>
@@ -35518,7 +36746,7 @@
                 </a:tc>
                 <a:extLst>
                   <a:ext uri="{0D108BD9-81ED-4DB2-BD59-A6C34878D82A}">
-                    <a16:rowId xmlns:a16="http://schemas.microsoft.com/office/drawing/2014/main" val="4077566409"/>
+                    <a16:rowId xmlns:a16="http://schemas.microsoft.com/office/drawing/2014/main" xmlns="" val="4077566409"/>
                   </a:ext>
                 </a:extLst>
               </a:tr>
@@ -35570,7 +36798,7 @@
                 </a:tc>
                 <a:extLst>
                   <a:ext uri="{0D108BD9-81ED-4DB2-BD59-A6C34878D82A}">
-                    <a16:rowId xmlns:a16="http://schemas.microsoft.com/office/drawing/2014/main" val="4214053569"/>
+                    <a16:rowId xmlns:a16="http://schemas.microsoft.com/office/drawing/2014/main" xmlns="" val="4214053569"/>
                   </a:ext>
                 </a:extLst>
               </a:tr>
@@ -35622,7 +36850,7 @@
                 </a:tc>
                 <a:extLst>
                   <a:ext uri="{0D108BD9-81ED-4DB2-BD59-A6C34878D82A}">
-                    <a16:rowId xmlns:a16="http://schemas.microsoft.com/office/drawing/2014/main" val="3475086053"/>
+                    <a16:rowId xmlns:a16="http://schemas.microsoft.com/office/drawing/2014/main" xmlns="" val="3475086053"/>
                   </a:ext>
                 </a:extLst>
               </a:tr>
@@ -35674,7 +36902,7 @@
                 </a:tc>
                 <a:extLst>
                   <a:ext uri="{0D108BD9-81ED-4DB2-BD59-A6C34878D82A}">
-                    <a16:rowId xmlns:a16="http://schemas.microsoft.com/office/drawing/2014/main" val="3245955256"/>
+                    <a16:rowId xmlns:a16="http://schemas.microsoft.com/office/drawing/2014/main" xmlns="" val="3245955256"/>
                   </a:ext>
                 </a:extLst>
               </a:tr>
@@ -35726,7 +36954,7 @@
                 </a:tc>
                 <a:extLst>
                   <a:ext uri="{0D108BD9-81ED-4DB2-BD59-A6C34878D82A}">
-                    <a16:rowId xmlns:a16="http://schemas.microsoft.com/office/drawing/2014/main" val="1233959304"/>
+                    <a16:rowId xmlns:a16="http://schemas.microsoft.com/office/drawing/2014/main" xmlns="" val="1233959304"/>
                   </a:ext>
                 </a:extLst>
               </a:tr>
@@ -37821,6 +39049,108 @@
                 </a:effectLst>
               </a:rPr>
               <a:t>b=61</a:t>
+            </a:r>
+            <a:endParaRPr lang="zh-TW" altLang="en-US" sz="1600" dirty="0">
+              <a:ln w="0"/>
+              <a:solidFill>
+                <a:schemeClr val="bg1"/>
+              </a:solidFill>
+              <a:effectLst>
+                <a:outerShdw blurRad="38100" dist="19050" dir="2700000" algn="tl" rotWithShape="0">
+                  <a:schemeClr val="dk1">
+                    <a:alpha val="40000"/>
+                  </a:schemeClr>
+                </a:outerShdw>
+              </a:effectLst>
+            </a:endParaRPr>
+          </a:p>
+        </p:txBody>
+      </p:sp>
+      <p:sp>
+        <p:nvSpPr>
+          <p:cNvPr id="37" name="矩形 18"/>
+          <p:cNvSpPr/>
+          <p:nvPr/>
+        </p:nvSpPr>
+        <p:spPr>
+          <a:xfrm>
+            <a:off x="8935947" y="259923"/>
+            <a:ext cx="498855" cy="584775"/>
+          </a:xfrm>
+          <a:prstGeom prst="rect">
+            <a:avLst/>
+          </a:prstGeom>
+          <a:noFill/>
+        </p:spPr>
+        <p:txBody>
+          <a:bodyPr wrap="none" lIns="91440" tIns="45720" rIns="91440" bIns="45720">
+            <a:spAutoFit/>
+          </a:bodyPr>
+          <a:lstStyle/>
+          <a:p>
+            <a:pPr algn="ctr"/>
+            <a:r>
+              <a:rPr lang="en-US" altLang="zh-TW" sz="1600" smtClean="0">
+                <a:ln w="0"/>
+                <a:solidFill>
+                  <a:schemeClr val="bg1"/>
+                </a:solidFill>
+                <a:effectLst>
+                  <a:outerShdw blurRad="38100" dist="19050" dir="2700000" algn="tl" rotWithShape="0">
+                    <a:schemeClr val="dk1">
+                      <a:alpha val="40000"/>
+                    </a:schemeClr>
+                  </a:outerShdw>
+                </a:effectLst>
+              </a:rPr>
+              <a:t>P=0</a:t>
+            </a:r>
+            <a:r>
+              <a:rPr lang="en-US" altLang="zh-TW" sz="1600">
+                <a:ln w="0"/>
+                <a:solidFill>
+                  <a:schemeClr val="bg1"/>
+                </a:solidFill>
+                <a:effectLst>
+                  <a:outerShdw blurRad="38100" dist="19050" dir="2700000" algn="tl" rotWithShape="0">
+                    <a:schemeClr val="dk1">
+                      <a:alpha val="40000"/>
+                    </a:schemeClr>
+                  </a:outerShdw>
+                </a:effectLst>
+              </a:rPr>
+              <a:t/>
+            </a:r>
+            <a:br>
+              <a:rPr lang="en-US" altLang="zh-TW" sz="1600">
+                <a:ln w="0"/>
+                <a:solidFill>
+                  <a:schemeClr val="bg1"/>
+                </a:solidFill>
+                <a:effectLst>
+                  <a:outerShdw blurRad="38100" dist="19050" dir="2700000" algn="tl" rotWithShape="0">
+                    <a:schemeClr val="dk1">
+                      <a:alpha val="40000"/>
+                    </a:schemeClr>
+                  </a:outerShdw>
+                </a:effectLst>
+              </a:rPr>
+            </a:br>
+            <a:r>
+              <a:rPr lang="en-US" altLang="zh-TW" sz="1600" smtClean="0">
+                <a:ln w="0"/>
+                <a:solidFill>
+                  <a:schemeClr val="bg1"/>
+                </a:solidFill>
+                <a:effectLst>
+                  <a:outerShdw blurRad="38100" dist="19050" dir="2700000" algn="tl" rotWithShape="0">
+                    <a:schemeClr val="dk1">
+                      <a:alpha val="40000"/>
+                    </a:schemeClr>
+                  </a:outerShdw>
+                </a:effectLst>
+              </a:rPr>
+              <a:t>b=0</a:t>
             </a:r>
             <a:endParaRPr lang="zh-TW" altLang="en-US" sz="1600" dirty="0">
               <a:ln w="0"/>
@@ -38140,21 +39470,21 @@
                 <a:gridCol w="873044">
                   <a:extLst>
                     <a:ext uri="{9D8B030D-6E8A-4147-A177-3AD203B41FA5}">
-                      <a16:colId xmlns:a16="http://schemas.microsoft.com/office/drawing/2014/main" val="1842320837"/>
+                      <a16:colId xmlns:a16="http://schemas.microsoft.com/office/drawing/2014/main" xmlns="" val="1842320837"/>
                     </a:ext>
                   </a:extLst>
                 </a:gridCol>
                 <a:gridCol w="717388">
                   <a:extLst>
                     <a:ext uri="{9D8B030D-6E8A-4147-A177-3AD203B41FA5}">
-                      <a16:colId xmlns:a16="http://schemas.microsoft.com/office/drawing/2014/main" val="2038016994"/>
+                      <a16:colId xmlns:a16="http://schemas.microsoft.com/office/drawing/2014/main" xmlns="" val="2038016994"/>
                     </a:ext>
                   </a:extLst>
                 </a:gridCol>
                 <a:gridCol w="1028699">
                   <a:extLst>
                     <a:ext uri="{9D8B030D-6E8A-4147-A177-3AD203B41FA5}">
-                      <a16:colId xmlns:a16="http://schemas.microsoft.com/office/drawing/2014/main" val="3728435139"/>
+                      <a16:colId xmlns:a16="http://schemas.microsoft.com/office/drawing/2014/main" xmlns="" val="3728435139"/>
                     </a:ext>
                   </a:extLst>
                 </a:gridCol>
@@ -38207,7 +39537,7 @@
                 </a:tc>
                 <a:extLst>
                   <a:ext uri="{0D108BD9-81ED-4DB2-BD59-A6C34878D82A}">
-                    <a16:rowId xmlns:a16="http://schemas.microsoft.com/office/drawing/2014/main" val="1025974938"/>
+                    <a16:rowId xmlns:a16="http://schemas.microsoft.com/office/drawing/2014/main" xmlns="" val="1025974938"/>
                   </a:ext>
                 </a:extLst>
               </a:tr>
@@ -38259,7 +39589,7 @@
                 </a:tc>
                 <a:extLst>
                   <a:ext uri="{0D108BD9-81ED-4DB2-BD59-A6C34878D82A}">
-                    <a16:rowId xmlns:a16="http://schemas.microsoft.com/office/drawing/2014/main" val="4077566409"/>
+                    <a16:rowId xmlns:a16="http://schemas.microsoft.com/office/drawing/2014/main" xmlns="" val="4077566409"/>
                   </a:ext>
                 </a:extLst>
               </a:tr>
@@ -38311,7 +39641,7 @@
                 </a:tc>
                 <a:extLst>
                   <a:ext uri="{0D108BD9-81ED-4DB2-BD59-A6C34878D82A}">
-                    <a16:rowId xmlns:a16="http://schemas.microsoft.com/office/drawing/2014/main" val="4214053569"/>
+                    <a16:rowId xmlns:a16="http://schemas.microsoft.com/office/drawing/2014/main" xmlns="" val="4214053569"/>
                   </a:ext>
                 </a:extLst>
               </a:tr>
@@ -38363,7 +39693,7 @@
                 </a:tc>
                 <a:extLst>
                   <a:ext uri="{0D108BD9-81ED-4DB2-BD59-A6C34878D82A}">
-                    <a16:rowId xmlns:a16="http://schemas.microsoft.com/office/drawing/2014/main" val="3475086053"/>
+                    <a16:rowId xmlns:a16="http://schemas.microsoft.com/office/drawing/2014/main" xmlns="" val="3475086053"/>
                   </a:ext>
                 </a:extLst>
               </a:tr>
@@ -38415,7 +39745,7 @@
                 </a:tc>
                 <a:extLst>
                   <a:ext uri="{0D108BD9-81ED-4DB2-BD59-A6C34878D82A}">
-                    <a16:rowId xmlns:a16="http://schemas.microsoft.com/office/drawing/2014/main" val="3245955256"/>
+                    <a16:rowId xmlns:a16="http://schemas.microsoft.com/office/drawing/2014/main" xmlns="" val="3245955256"/>
                   </a:ext>
                 </a:extLst>
               </a:tr>
@@ -38467,7 +39797,7 @@
                 </a:tc>
                 <a:extLst>
                   <a:ext uri="{0D108BD9-81ED-4DB2-BD59-A6C34878D82A}">
-                    <a16:rowId xmlns:a16="http://schemas.microsoft.com/office/drawing/2014/main" val="1233959304"/>
+                    <a16:rowId xmlns:a16="http://schemas.microsoft.com/office/drawing/2014/main" xmlns="" val="1233959304"/>
                   </a:ext>
                 </a:extLst>
               </a:tr>
@@ -40789,6 +42119,108 @@
                 </a:effectLst>
               </a:rPr>
               <a:t>b=56</a:t>
+            </a:r>
+            <a:endParaRPr lang="zh-TW" altLang="en-US" sz="1600" dirty="0">
+              <a:ln w="0"/>
+              <a:solidFill>
+                <a:schemeClr val="bg1"/>
+              </a:solidFill>
+              <a:effectLst>
+                <a:outerShdw blurRad="38100" dist="19050" dir="2700000" algn="tl" rotWithShape="0">
+                  <a:schemeClr val="dk1">
+                    <a:alpha val="40000"/>
+                  </a:schemeClr>
+                </a:outerShdw>
+              </a:effectLst>
+            </a:endParaRPr>
+          </a:p>
+        </p:txBody>
+      </p:sp>
+      <p:sp>
+        <p:nvSpPr>
+          <p:cNvPr id="52" name="矩形 18"/>
+          <p:cNvSpPr/>
+          <p:nvPr/>
+        </p:nvSpPr>
+        <p:spPr>
+          <a:xfrm>
+            <a:off x="8935947" y="259923"/>
+            <a:ext cx="498855" cy="584775"/>
+          </a:xfrm>
+          <a:prstGeom prst="rect">
+            <a:avLst/>
+          </a:prstGeom>
+          <a:noFill/>
+        </p:spPr>
+        <p:txBody>
+          <a:bodyPr wrap="none" lIns="91440" tIns="45720" rIns="91440" bIns="45720">
+            <a:spAutoFit/>
+          </a:bodyPr>
+          <a:lstStyle/>
+          <a:p>
+            <a:pPr algn="ctr"/>
+            <a:r>
+              <a:rPr lang="en-US" altLang="zh-TW" sz="1600" smtClean="0">
+                <a:ln w="0"/>
+                <a:solidFill>
+                  <a:schemeClr val="bg1"/>
+                </a:solidFill>
+                <a:effectLst>
+                  <a:outerShdw blurRad="38100" dist="19050" dir="2700000" algn="tl" rotWithShape="0">
+                    <a:schemeClr val="dk1">
+                      <a:alpha val="40000"/>
+                    </a:schemeClr>
+                  </a:outerShdw>
+                </a:effectLst>
+              </a:rPr>
+              <a:t>P=0</a:t>
+            </a:r>
+            <a:r>
+              <a:rPr lang="en-US" altLang="zh-TW" sz="1600">
+                <a:ln w="0"/>
+                <a:solidFill>
+                  <a:schemeClr val="bg1"/>
+                </a:solidFill>
+                <a:effectLst>
+                  <a:outerShdw blurRad="38100" dist="19050" dir="2700000" algn="tl" rotWithShape="0">
+                    <a:schemeClr val="dk1">
+                      <a:alpha val="40000"/>
+                    </a:schemeClr>
+                  </a:outerShdw>
+                </a:effectLst>
+              </a:rPr>
+              <a:t/>
+            </a:r>
+            <a:br>
+              <a:rPr lang="en-US" altLang="zh-TW" sz="1600">
+                <a:ln w="0"/>
+                <a:solidFill>
+                  <a:schemeClr val="bg1"/>
+                </a:solidFill>
+                <a:effectLst>
+                  <a:outerShdw blurRad="38100" dist="19050" dir="2700000" algn="tl" rotWithShape="0">
+                    <a:schemeClr val="dk1">
+                      <a:alpha val="40000"/>
+                    </a:schemeClr>
+                  </a:outerShdw>
+                </a:effectLst>
+              </a:rPr>
+            </a:br>
+            <a:r>
+              <a:rPr lang="en-US" altLang="zh-TW" sz="1600" smtClean="0">
+                <a:ln w="0"/>
+                <a:solidFill>
+                  <a:schemeClr val="bg1"/>
+                </a:solidFill>
+                <a:effectLst>
+                  <a:outerShdw blurRad="38100" dist="19050" dir="2700000" algn="tl" rotWithShape="0">
+                    <a:schemeClr val="dk1">
+                      <a:alpha val="40000"/>
+                    </a:schemeClr>
+                  </a:outerShdw>
+                </a:effectLst>
+              </a:rPr>
+              <a:t>b=0</a:t>
             </a:r>
             <a:endParaRPr lang="zh-TW" altLang="en-US" sz="1600" dirty="0">
               <a:ln w="0"/>

--- a/Job Scheduling/assignment/graph.pptx
+++ b/Job Scheduling/assignment/graph.pptx
@@ -3010,21 +3010,21 @@
                 <a:gridCol w="873044">
                   <a:extLst>
                     <a:ext uri="{9D8B030D-6E8A-4147-A177-3AD203B41FA5}">
-                      <a16:colId xmlns:a16="http://schemas.microsoft.com/office/drawing/2014/main" xmlns="" val="1842320837"/>
+                      <a16:colId xmlns="" xmlns:a16="http://schemas.microsoft.com/office/drawing/2014/main" val="1842320837"/>
                     </a:ext>
                   </a:extLst>
                 </a:gridCol>
                 <a:gridCol w="717388">
                   <a:extLst>
                     <a:ext uri="{9D8B030D-6E8A-4147-A177-3AD203B41FA5}">
-                      <a16:colId xmlns:a16="http://schemas.microsoft.com/office/drawing/2014/main" xmlns="" val="2038016994"/>
+                      <a16:colId xmlns="" xmlns:a16="http://schemas.microsoft.com/office/drawing/2014/main" val="2038016994"/>
                     </a:ext>
                   </a:extLst>
                 </a:gridCol>
                 <a:gridCol w="1028699">
                   <a:extLst>
                     <a:ext uri="{9D8B030D-6E8A-4147-A177-3AD203B41FA5}">
-                      <a16:colId xmlns:a16="http://schemas.microsoft.com/office/drawing/2014/main" xmlns="" val="3728435139"/>
+                      <a16:colId xmlns="" xmlns:a16="http://schemas.microsoft.com/office/drawing/2014/main" val="3728435139"/>
                     </a:ext>
                   </a:extLst>
                 </a:gridCol>
@@ -3077,7 +3077,7 @@
                 </a:tc>
                 <a:extLst>
                   <a:ext uri="{0D108BD9-81ED-4DB2-BD59-A6C34878D82A}">
-                    <a16:rowId xmlns:a16="http://schemas.microsoft.com/office/drawing/2014/main" xmlns="" val="1025974938"/>
+                    <a16:rowId xmlns="" xmlns:a16="http://schemas.microsoft.com/office/drawing/2014/main" val="1025974938"/>
                   </a:ext>
                 </a:extLst>
               </a:tr>
@@ -3129,7 +3129,7 @@
                 </a:tc>
                 <a:extLst>
                   <a:ext uri="{0D108BD9-81ED-4DB2-BD59-A6C34878D82A}">
-                    <a16:rowId xmlns:a16="http://schemas.microsoft.com/office/drawing/2014/main" xmlns="" val="4077566409"/>
+                    <a16:rowId xmlns="" xmlns:a16="http://schemas.microsoft.com/office/drawing/2014/main" val="4077566409"/>
                   </a:ext>
                 </a:extLst>
               </a:tr>
@@ -3181,7 +3181,7 @@
                 </a:tc>
                 <a:extLst>
                   <a:ext uri="{0D108BD9-81ED-4DB2-BD59-A6C34878D82A}">
-                    <a16:rowId xmlns:a16="http://schemas.microsoft.com/office/drawing/2014/main" xmlns="" val="4214053569"/>
+                    <a16:rowId xmlns="" xmlns:a16="http://schemas.microsoft.com/office/drawing/2014/main" val="4214053569"/>
                   </a:ext>
                 </a:extLst>
               </a:tr>
@@ -3233,7 +3233,7 @@
                 </a:tc>
                 <a:extLst>
                   <a:ext uri="{0D108BD9-81ED-4DB2-BD59-A6C34878D82A}">
-                    <a16:rowId xmlns:a16="http://schemas.microsoft.com/office/drawing/2014/main" xmlns="" val="3475086053"/>
+                    <a16:rowId xmlns="" xmlns:a16="http://schemas.microsoft.com/office/drawing/2014/main" val="3475086053"/>
                   </a:ext>
                 </a:extLst>
               </a:tr>
@@ -3285,7 +3285,7 @@
                 </a:tc>
                 <a:extLst>
                   <a:ext uri="{0D108BD9-81ED-4DB2-BD59-A6C34878D82A}">
-                    <a16:rowId xmlns:a16="http://schemas.microsoft.com/office/drawing/2014/main" xmlns="" val="3245955256"/>
+                    <a16:rowId xmlns="" xmlns:a16="http://schemas.microsoft.com/office/drawing/2014/main" val="3245955256"/>
                   </a:ext>
                 </a:extLst>
               </a:tr>
@@ -3337,7 +3337,7 @@
                 </a:tc>
                 <a:extLst>
                   <a:ext uri="{0D108BD9-81ED-4DB2-BD59-A6C34878D82A}">
-                    <a16:rowId xmlns:a16="http://schemas.microsoft.com/office/drawing/2014/main" xmlns="" val="1233959304"/>
+                    <a16:rowId xmlns="" xmlns:a16="http://schemas.microsoft.com/office/drawing/2014/main" val="1233959304"/>
                   </a:ext>
                 </a:extLst>
               </a:tr>
@@ -4681,21 +4681,21 @@
                 <a:gridCol w="873044">
                   <a:extLst>
                     <a:ext uri="{9D8B030D-6E8A-4147-A177-3AD203B41FA5}">
-                      <a16:colId xmlns:a16="http://schemas.microsoft.com/office/drawing/2014/main" xmlns="" val="1842320837"/>
+                      <a16:colId xmlns="" xmlns:a16="http://schemas.microsoft.com/office/drawing/2014/main" val="1842320837"/>
                     </a:ext>
                   </a:extLst>
                 </a:gridCol>
                 <a:gridCol w="717388">
                   <a:extLst>
                     <a:ext uri="{9D8B030D-6E8A-4147-A177-3AD203B41FA5}">
-                      <a16:colId xmlns:a16="http://schemas.microsoft.com/office/drawing/2014/main" xmlns="" val="2038016994"/>
+                      <a16:colId xmlns="" xmlns:a16="http://schemas.microsoft.com/office/drawing/2014/main" val="2038016994"/>
                     </a:ext>
                   </a:extLst>
                 </a:gridCol>
                 <a:gridCol w="1028699">
                   <a:extLst>
                     <a:ext uri="{9D8B030D-6E8A-4147-A177-3AD203B41FA5}">
-                      <a16:colId xmlns:a16="http://schemas.microsoft.com/office/drawing/2014/main" xmlns="" val="3728435139"/>
+                      <a16:colId xmlns="" xmlns:a16="http://schemas.microsoft.com/office/drawing/2014/main" val="3728435139"/>
                     </a:ext>
                   </a:extLst>
                 </a:gridCol>
@@ -4748,7 +4748,7 @@
                 </a:tc>
                 <a:extLst>
                   <a:ext uri="{0D108BD9-81ED-4DB2-BD59-A6C34878D82A}">
-                    <a16:rowId xmlns:a16="http://schemas.microsoft.com/office/drawing/2014/main" xmlns="" val="1025974938"/>
+                    <a16:rowId xmlns="" xmlns:a16="http://schemas.microsoft.com/office/drawing/2014/main" val="1025974938"/>
                   </a:ext>
                 </a:extLst>
               </a:tr>
@@ -4800,7 +4800,7 @@
                 </a:tc>
                 <a:extLst>
                   <a:ext uri="{0D108BD9-81ED-4DB2-BD59-A6C34878D82A}">
-                    <a16:rowId xmlns:a16="http://schemas.microsoft.com/office/drawing/2014/main" xmlns="" val="4077566409"/>
+                    <a16:rowId xmlns="" xmlns:a16="http://schemas.microsoft.com/office/drawing/2014/main" val="4077566409"/>
                   </a:ext>
                 </a:extLst>
               </a:tr>
@@ -4852,7 +4852,7 @@
                 </a:tc>
                 <a:extLst>
                   <a:ext uri="{0D108BD9-81ED-4DB2-BD59-A6C34878D82A}">
-                    <a16:rowId xmlns:a16="http://schemas.microsoft.com/office/drawing/2014/main" xmlns="" val="4214053569"/>
+                    <a16:rowId xmlns="" xmlns:a16="http://schemas.microsoft.com/office/drawing/2014/main" val="4214053569"/>
                   </a:ext>
                 </a:extLst>
               </a:tr>
@@ -4904,7 +4904,7 @@
                 </a:tc>
                 <a:extLst>
                   <a:ext uri="{0D108BD9-81ED-4DB2-BD59-A6C34878D82A}">
-                    <a16:rowId xmlns:a16="http://schemas.microsoft.com/office/drawing/2014/main" xmlns="" val="3475086053"/>
+                    <a16:rowId xmlns="" xmlns:a16="http://schemas.microsoft.com/office/drawing/2014/main" val="3475086053"/>
                   </a:ext>
                 </a:extLst>
               </a:tr>
@@ -4956,7 +4956,7 @@
                 </a:tc>
                 <a:extLst>
                   <a:ext uri="{0D108BD9-81ED-4DB2-BD59-A6C34878D82A}">
-                    <a16:rowId xmlns:a16="http://schemas.microsoft.com/office/drawing/2014/main" xmlns="" val="3245955256"/>
+                    <a16:rowId xmlns="" xmlns:a16="http://schemas.microsoft.com/office/drawing/2014/main" val="3245955256"/>
                   </a:ext>
                 </a:extLst>
               </a:tr>
@@ -5008,7 +5008,7 @@
                 </a:tc>
                 <a:extLst>
                   <a:ext uri="{0D108BD9-81ED-4DB2-BD59-A6C34878D82A}">
-                    <a16:rowId xmlns:a16="http://schemas.microsoft.com/office/drawing/2014/main" xmlns="" val="1233959304"/>
+                    <a16:rowId xmlns="" xmlns:a16="http://schemas.microsoft.com/office/drawing/2014/main" val="1233959304"/>
                   </a:ext>
                 </a:extLst>
               </a:tr>
@@ -7978,21 +7978,21 @@
                 <a:gridCol w="873044">
                   <a:extLst>
                     <a:ext uri="{9D8B030D-6E8A-4147-A177-3AD203B41FA5}">
-                      <a16:colId xmlns:a16="http://schemas.microsoft.com/office/drawing/2014/main" xmlns="" val="1842320837"/>
+                      <a16:colId xmlns="" xmlns:a16="http://schemas.microsoft.com/office/drawing/2014/main" val="1842320837"/>
                     </a:ext>
                   </a:extLst>
                 </a:gridCol>
                 <a:gridCol w="717388">
                   <a:extLst>
                     <a:ext uri="{9D8B030D-6E8A-4147-A177-3AD203B41FA5}">
-                      <a16:colId xmlns:a16="http://schemas.microsoft.com/office/drawing/2014/main" xmlns="" val="2038016994"/>
+                      <a16:colId xmlns="" xmlns:a16="http://schemas.microsoft.com/office/drawing/2014/main" val="2038016994"/>
                     </a:ext>
                   </a:extLst>
                 </a:gridCol>
                 <a:gridCol w="1028699">
                   <a:extLst>
                     <a:ext uri="{9D8B030D-6E8A-4147-A177-3AD203B41FA5}">
-                      <a16:colId xmlns:a16="http://schemas.microsoft.com/office/drawing/2014/main" xmlns="" val="3728435139"/>
+                      <a16:colId xmlns="" xmlns:a16="http://schemas.microsoft.com/office/drawing/2014/main" val="3728435139"/>
                     </a:ext>
                   </a:extLst>
                 </a:gridCol>
@@ -8045,7 +8045,7 @@
                 </a:tc>
                 <a:extLst>
                   <a:ext uri="{0D108BD9-81ED-4DB2-BD59-A6C34878D82A}">
-                    <a16:rowId xmlns:a16="http://schemas.microsoft.com/office/drawing/2014/main" xmlns="" val="1025974938"/>
+                    <a16:rowId xmlns="" xmlns:a16="http://schemas.microsoft.com/office/drawing/2014/main" val="1025974938"/>
                   </a:ext>
                 </a:extLst>
               </a:tr>
@@ -8097,7 +8097,7 @@
                 </a:tc>
                 <a:extLst>
                   <a:ext uri="{0D108BD9-81ED-4DB2-BD59-A6C34878D82A}">
-                    <a16:rowId xmlns:a16="http://schemas.microsoft.com/office/drawing/2014/main" xmlns="" val="4077566409"/>
+                    <a16:rowId xmlns="" xmlns:a16="http://schemas.microsoft.com/office/drawing/2014/main" val="4077566409"/>
                   </a:ext>
                 </a:extLst>
               </a:tr>
@@ -8149,7 +8149,7 @@
                 </a:tc>
                 <a:extLst>
                   <a:ext uri="{0D108BD9-81ED-4DB2-BD59-A6C34878D82A}">
-                    <a16:rowId xmlns:a16="http://schemas.microsoft.com/office/drawing/2014/main" xmlns="" val="4214053569"/>
+                    <a16:rowId xmlns="" xmlns:a16="http://schemas.microsoft.com/office/drawing/2014/main" val="4214053569"/>
                   </a:ext>
                 </a:extLst>
               </a:tr>
@@ -8201,7 +8201,7 @@
                 </a:tc>
                 <a:extLst>
                   <a:ext uri="{0D108BD9-81ED-4DB2-BD59-A6C34878D82A}">
-                    <a16:rowId xmlns:a16="http://schemas.microsoft.com/office/drawing/2014/main" xmlns="" val="3475086053"/>
+                    <a16:rowId xmlns="" xmlns:a16="http://schemas.microsoft.com/office/drawing/2014/main" val="3475086053"/>
                   </a:ext>
                 </a:extLst>
               </a:tr>
@@ -8253,7 +8253,7 @@
                 </a:tc>
                 <a:extLst>
                   <a:ext uri="{0D108BD9-81ED-4DB2-BD59-A6C34878D82A}">
-                    <a16:rowId xmlns:a16="http://schemas.microsoft.com/office/drawing/2014/main" xmlns="" val="3245955256"/>
+                    <a16:rowId xmlns="" xmlns:a16="http://schemas.microsoft.com/office/drawing/2014/main" val="3245955256"/>
                   </a:ext>
                 </a:extLst>
               </a:tr>
@@ -8305,7 +8305,7 @@
                 </a:tc>
                 <a:extLst>
                   <a:ext uri="{0D108BD9-81ED-4DB2-BD59-A6C34878D82A}">
-                    <a16:rowId xmlns:a16="http://schemas.microsoft.com/office/drawing/2014/main" xmlns="" val="1233959304"/>
+                    <a16:rowId xmlns="" xmlns:a16="http://schemas.microsoft.com/office/drawing/2014/main" val="1233959304"/>
                   </a:ext>
                 </a:extLst>
               </a:tr>
@@ -11877,21 +11877,21 @@
                 <a:gridCol w="873044">
                   <a:extLst>
                     <a:ext uri="{9D8B030D-6E8A-4147-A177-3AD203B41FA5}">
-                      <a16:colId xmlns:a16="http://schemas.microsoft.com/office/drawing/2014/main" xmlns="" val="1842320837"/>
+                      <a16:colId xmlns="" xmlns:a16="http://schemas.microsoft.com/office/drawing/2014/main" val="1842320837"/>
                     </a:ext>
                   </a:extLst>
                 </a:gridCol>
                 <a:gridCol w="717388">
                   <a:extLst>
                     <a:ext uri="{9D8B030D-6E8A-4147-A177-3AD203B41FA5}">
-                      <a16:colId xmlns:a16="http://schemas.microsoft.com/office/drawing/2014/main" xmlns="" val="2038016994"/>
+                      <a16:colId xmlns="" xmlns:a16="http://schemas.microsoft.com/office/drawing/2014/main" val="2038016994"/>
                     </a:ext>
                   </a:extLst>
                 </a:gridCol>
                 <a:gridCol w="1028699">
                   <a:extLst>
                     <a:ext uri="{9D8B030D-6E8A-4147-A177-3AD203B41FA5}">
-                      <a16:colId xmlns:a16="http://schemas.microsoft.com/office/drawing/2014/main" xmlns="" val="3728435139"/>
+                      <a16:colId xmlns="" xmlns:a16="http://schemas.microsoft.com/office/drawing/2014/main" val="3728435139"/>
                     </a:ext>
                   </a:extLst>
                 </a:gridCol>
@@ -11944,7 +11944,7 @@
                 </a:tc>
                 <a:extLst>
                   <a:ext uri="{0D108BD9-81ED-4DB2-BD59-A6C34878D82A}">
-                    <a16:rowId xmlns:a16="http://schemas.microsoft.com/office/drawing/2014/main" xmlns="" val="1025974938"/>
+                    <a16:rowId xmlns="" xmlns:a16="http://schemas.microsoft.com/office/drawing/2014/main" val="1025974938"/>
                   </a:ext>
                 </a:extLst>
               </a:tr>
@@ -11996,7 +11996,7 @@
                 </a:tc>
                 <a:extLst>
                   <a:ext uri="{0D108BD9-81ED-4DB2-BD59-A6C34878D82A}">
-                    <a16:rowId xmlns:a16="http://schemas.microsoft.com/office/drawing/2014/main" xmlns="" val="4077566409"/>
+                    <a16:rowId xmlns="" xmlns:a16="http://schemas.microsoft.com/office/drawing/2014/main" val="4077566409"/>
                   </a:ext>
                 </a:extLst>
               </a:tr>
@@ -12048,7 +12048,7 @@
                 </a:tc>
                 <a:extLst>
                   <a:ext uri="{0D108BD9-81ED-4DB2-BD59-A6C34878D82A}">
-                    <a16:rowId xmlns:a16="http://schemas.microsoft.com/office/drawing/2014/main" xmlns="" val="4214053569"/>
+                    <a16:rowId xmlns="" xmlns:a16="http://schemas.microsoft.com/office/drawing/2014/main" val="4214053569"/>
                   </a:ext>
                 </a:extLst>
               </a:tr>
@@ -12100,7 +12100,7 @@
                 </a:tc>
                 <a:extLst>
                   <a:ext uri="{0D108BD9-81ED-4DB2-BD59-A6C34878D82A}">
-                    <a16:rowId xmlns:a16="http://schemas.microsoft.com/office/drawing/2014/main" xmlns="" val="3475086053"/>
+                    <a16:rowId xmlns="" xmlns:a16="http://schemas.microsoft.com/office/drawing/2014/main" val="3475086053"/>
                   </a:ext>
                 </a:extLst>
               </a:tr>
@@ -12152,7 +12152,7 @@
                 </a:tc>
                 <a:extLst>
                   <a:ext uri="{0D108BD9-81ED-4DB2-BD59-A6C34878D82A}">
-                    <a16:rowId xmlns:a16="http://schemas.microsoft.com/office/drawing/2014/main" xmlns="" val="3245955256"/>
+                    <a16:rowId xmlns="" xmlns:a16="http://schemas.microsoft.com/office/drawing/2014/main" val="3245955256"/>
                   </a:ext>
                 </a:extLst>
               </a:tr>
@@ -12204,7 +12204,7 @@
                 </a:tc>
                 <a:extLst>
                   <a:ext uri="{0D108BD9-81ED-4DB2-BD59-A6C34878D82A}">
-                    <a16:rowId xmlns:a16="http://schemas.microsoft.com/office/drawing/2014/main" xmlns="" val="1233959304"/>
+                    <a16:rowId xmlns="" xmlns:a16="http://schemas.microsoft.com/office/drawing/2014/main" val="1233959304"/>
                   </a:ext>
                 </a:extLst>
               </a:tr>
@@ -15641,21 +15641,21 @@
                 <a:gridCol w="873044">
                   <a:extLst>
                     <a:ext uri="{9D8B030D-6E8A-4147-A177-3AD203B41FA5}">
-                      <a16:colId xmlns:a16="http://schemas.microsoft.com/office/drawing/2014/main" xmlns="" val="1842320837"/>
+                      <a16:colId xmlns="" xmlns:a16="http://schemas.microsoft.com/office/drawing/2014/main" val="1842320837"/>
                     </a:ext>
                   </a:extLst>
                 </a:gridCol>
                 <a:gridCol w="717388">
                   <a:extLst>
                     <a:ext uri="{9D8B030D-6E8A-4147-A177-3AD203B41FA5}">
-                      <a16:colId xmlns:a16="http://schemas.microsoft.com/office/drawing/2014/main" xmlns="" val="2038016994"/>
+                      <a16:colId xmlns="" xmlns:a16="http://schemas.microsoft.com/office/drawing/2014/main" val="2038016994"/>
                     </a:ext>
                   </a:extLst>
                 </a:gridCol>
                 <a:gridCol w="1028699">
                   <a:extLst>
                     <a:ext uri="{9D8B030D-6E8A-4147-A177-3AD203B41FA5}">
-                      <a16:colId xmlns:a16="http://schemas.microsoft.com/office/drawing/2014/main" xmlns="" val="3728435139"/>
+                      <a16:colId xmlns="" xmlns:a16="http://schemas.microsoft.com/office/drawing/2014/main" val="3728435139"/>
                     </a:ext>
                   </a:extLst>
                 </a:gridCol>
@@ -15708,7 +15708,7 @@
                 </a:tc>
                 <a:extLst>
                   <a:ext uri="{0D108BD9-81ED-4DB2-BD59-A6C34878D82A}">
-                    <a16:rowId xmlns:a16="http://schemas.microsoft.com/office/drawing/2014/main" xmlns="" val="1025974938"/>
+                    <a16:rowId xmlns="" xmlns:a16="http://schemas.microsoft.com/office/drawing/2014/main" val="1025974938"/>
                   </a:ext>
                 </a:extLst>
               </a:tr>
@@ -15760,7 +15760,7 @@
                 </a:tc>
                 <a:extLst>
                   <a:ext uri="{0D108BD9-81ED-4DB2-BD59-A6C34878D82A}">
-                    <a16:rowId xmlns:a16="http://schemas.microsoft.com/office/drawing/2014/main" xmlns="" val="4077566409"/>
+                    <a16:rowId xmlns="" xmlns:a16="http://schemas.microsoft.com/office/drawing/2014/main" val="4077566409"/>
                   </a:ext>
                 </a:extLst>
               </a:tr>
@@ -15812,7 +15812,7 @@
                 </a:tc>
                 <a:extLst>
                   <a:ext uri="{0D108BD9-81ED-4DB2-BD59-A6C34878D82A}">
-                    <a16:rowId xmlns:a16="http://schemas.microsoft.com/office/drawing/2014/main" xmlns="" val="4214053569"/>
+                    <a16:rowId xmlns="" xmlns:a16="http://schemas.microsoft.com/office/drawing/2014/main" val="4214053569"/>
                   </a:ext>
                 </a:extLst>
               </a:tr>
@@ -15864,7 +15864,7 @@
                 </a:tc>
                 <a:extLst>
                   <a:ext uri="{0D108BD9-81ED-4DB2-BD59-A6C34878D82A}">
-                    <a16:rowId xmlns:a16="http://schemas.microsoft.com/office/drawing/2014/main" xmlns="" val="3475086053"/>
+                    <a16:rowId xmlns="" xmlns:a16="http://schemas.microsoft.com/office/drawing/2014/main" val="3475086053"/>
                   </a:ext>
                 </a:extLst>
               </a:tr>
@@ -15916,7 +15916,7 @@
                 </a:tc>
                 <a:extLst>
                   <a:ext uri="{0D108BD9-81ED-4DB2-BD59-A6C34878D82A}">
-                    <a16:rowId xmlns:a16="http://schemas.microsoft.com/office/drawing/2014/main" xmlns="" val="3245955256"/>
+                    <a16:rowId xmlns="" xmlns:a16="http://schemas.microsoft.com/office/drawing/2014/main" val="3245955256"/>
                   </a:ext>
                 </a:extLst>
               </a:tr>
@@ -15968,7 +15968,7 @@
                 </a:tc>
                 <a:extLst>
                   <a:ext uri="{0D108BD9-81ED-4DB2-BD59-A6C34878D82A}">
-                    <a16:rowId xmlns:a16="http://schemas.microsoft.com/office/drawing/2014/main" xmlns="" val="1233959304"/>
+                    <a16:rowId xmlns="" xmlns:a16="http://schemas.microsoft.com/office/drawing/2014/main" val="1233959304"/>
                   </a:ext>
                 </a:extLst>
               </a:tr>
@@ -19952,21 +19952,21 @@
                 <a:gridCol w="873044">
                   <a:extLst>
                     <a:ext uri="{9D8B030D-6E8A-4147-A177-3AD203B41FA5}">
-                      <a16:colId xmlns:a16="http://schemas.microsoft.com/office/drawing/2014/main" xmlns="" val="1842320837"/>
+                      <a16:colId xmlns="" xmlns:a16="http://schemas.microsoft.com/office/drawing/2014/main" val="1842320837"/>
                     </a:ext>
                   </a:extLst>
                 </a:gridCol>
                 <a:gridCol w="717388">
                   <a:extLst>
                     <a:ext uri="{9D8B030D-6E8A-4147-A177-3AD203B41FA5}">
-                      <a16:colId xmlns:a16="http://schemas.microsoft.com/office/drawing/2014/main" xmlns="" val="2038016994"/>
+                      <a16:colId xmlns="" xmlns:a16="http://schemas.microsoft.com/office/drawing/2014/main" val="2038016994"/>
                     </a:ext>
                   </a:extLst>
                 </a:gridCol>
                 <a:gridCol w="1028699">
                   <a:extLst>
                     <a:ext uri="{9D8B030D-6E8A-4147-A177-3AD203B41FA5}">
-                      <a16:colId xmlns:a16="http://schemas.microsoft.com/office/drawing/2014/main" xmlns="" val="3728435139"/>
+                      <a16:colId xmlns="" xmlns:a16="http://schemas.microsoft.com/office/drawing/2014/main" val="3728435139"/>
                     </a:ext>
                   </a:extLst>
                 </a:gridCol>
@@ -20019,7 +20019,7 @@
                 </a:tc>
                 <a:extLst>
                   <a:ext uri="{0D108BD9-81ED-4DB2-BD59-A6C34878D82A}">
-                    <a16:rowId xmlns:a16="http://schemas.microsoft.com/office/drawing/2014/main" xmlns="" val="1025974938"/>
+                    <a16:rowId xmlns="" xmlns:a16="http://schemas.microsoft.com/office/drawing/2014/main" val="1025974938"/>
                   </a:ext>
                 </a:extLst>
               </a:tr>
@@ -20071,7 +20071,7 @@
                 </a:tc>
                 <a:extLst>
                   <a:ext uri="{0D108BD9-81ED-4DB2-BD59-A6C34878D82A}">
-                    <a16:rowId xmlns:a16="http://schemas.microsoft.com/office/drawing/2014/main" xmlns="" val="4077566409"/>
+                    <a16:rowId xmlns="" xmlns:a16="http://schemas.microsoft.com/office/drawing/2014/main" val="4077566409"/>
                   </a:ext>
                 </a:extLst>
               </a:tr>
@@ -20123,7 +20123,7 @@
                 </a:tc>
                 <a:extLst>
                   <a:ext uri="{0D108BD9-81ED-4DB2-BD59-A6C34878D82A}">
-                    <a16:rowId xmlns:a16="http://schemas.microsoft.com/office/drawing/2014/main" xmlns="" val="4214053569"/>
+                    <a16:rowId xmlns="" xmlns:a16="http://schemas.microsoft.com/office/drawing/2014/main" val="4214053569"/>
                   </a:ext>
                 </a:extLst>
               </a:tr>
@@ -20175,7 +20175,7 @@
                 </a:tc>
                 <a:extLst>
                   <a:ext uri="{0D108BD9-81ED-4DB2-BD59-A6C34878D82A}">
-                    <a16:rowId xmlns:a16="http://schemas.microsoft.com/office/drawing/2014/main" xmlns="" val="3475086053"/>
+                    <a16:rowId xmlns="" xmlns:a16="http://schemas.microsoft.com/office/drawing/2014/main" val="3475086053"/>
                   </a:ext>
                 </a:extLst>
               </a:tr>
@@ -20227,7 +20227,7 @@
                 </a:tc>
                 <a:extLst>
                   <a:ext uri="{0D108BD9-81ED-4DB2-BD59-A6C34878D82A}">
-                    <a16:rowId xmlns:a16="http://schemas.microsoft.com/office/drawing/2014/main" xmlns="" val="3245955256"/>
+                    <a16:rowId xmlns="" xmlns:a16="http://schemas.microsoft.com/office/drawing/2014/main" val="3245955256"/>
                   </a:ext>
                 </a:extLst>
               </a:tr>
@@ -20279,7 +20279,7 @@
                 </a:tc>
                 <a:extLst>
                   <a:ext uri="{0D108BD9-81ED-4DB2-BD59-A6C34878D82A}">
-                    <a16:rowId xmlns:a16="http://schemas.microsoft.com/office/drawing/2014/main" xmlns="" val="1233959304"/>
+                    <a16:rowId xmlns="" xmlns:a16="http://schemas.microsoft.com/office/drawing/2014/main" val="1233959304"/>
                   </a:ext>
                 </a:extLst>
               </a:tr>
@@ -23581,6 +23581,501 @@
                   </a:schemeClr>
                 </a:outerShdw>
               </a:effectLst>
+            </a:endParaRPr>
+          </a:p>
+        </p:txBody>
+      </p:sp>
+      <p:sp>
+        <p:nvSpPr>
+          <p:cNvPr id="66" name="Multiply 65"/>
+          <p:cNvSpPr>
+            <a:spLocks/>
+          </p:cNvSpPr>
+          <p:nvPr/>
+        </p:nvSpPr>
+        <p:spPr>
+          <a:xfrm>
+            <a:off x="4054047" y="4977441"/>
+            <a:ext cx="218180" cy="213898"/>
+          </a:xfrm>
+          <a:prstGeom prst="mathMultiply">
+            <a:avLst/>
+          </a:prstGeom>
+          <a:solidFill>
+            <a:srgbClr val="FF0000"/>
+          </a:solidFill>
+          <a:ln w="0">
+            <a:noFill/>
+          </a:ln>
+          <a:effectLst>
+            <a:reflection stA="45000" endPos="0" dist="50800" dir="5400000" sy="-100000" algn="bl" rotWithShape="0"/>
+          </a:effectLst>
+        </p:spPr>
+        <p:style>
+          <a:lnRef idx="2">
+            <a:schemeClr val="accent1">
+              <a:shade val="50000"/>
+            </a:schemeClr>
+          </a:lnRef>
+          <a:fillRef idx="1">
+            <a:schemeClr val="accent1"/>
+          </a:fillRef>
+          <a:effectRef idx="0">
+            <a:schemeClr val="accent1"/>
+          </a:effectRef>
+          <a:fontRef idx="minor">
+            <a:schemeClr val="lt1"/>
+          </a:fontRef>
+        </p:style>
+        <p:txBody>
+          <a:bodyPr rtlCol="0" anchor="ctr"/>
+          <a:lstStyle/>
+          <a:p>
+            <a:pPr algn="ctr"/>
+            <a:endParaRPr lang="en-US">
+              <a:solidFill>
+                <a:srgbClr val="FF0000"/>
+              </a:solidFill>
+            </a:endParaRPr>
+          </a:p>
+        </p:txBody>
+      </p:sp>
+      <p:sp>
+        <p:nvSpPr>
+          <p:cNvPr id="68" name="Multiply 67"/>
+          <p:cNvSpPr>
+            <a:spLocks/>
+          </p:cNvSpPr>
+          <p:nvPr/>
+        </p:nvSpPr>
+        <p:spPr>
+          <a:xfrm>
+            <a:off x="6526748" y="4977441"/>
+            <a:ext cx="218180" cy="213898"/>
+          </a:xfrm>
+          <a:prstGeom prst="mathMultiply">
+            <a:avLst/>
+          </a:prstGeom>
+          <a:solidFill>
+            <a:srgbClr val="FF0000"/>
+          </a:solidFill>
+          <a:ln w="0">
+            <a:noFill/>
+          </a:ln>
+          <a:effectLst>
+            <a:reflection stA="45000" endPos="0" dist="50800" dir="5400000" sy="-100000" algn="bl" rotWithShape="0"/>
+          </a:effectLst>
+        </p:spPr>
+        <p:style>
+          <a:lnRef idx="2">
+            <a:schemeClr val="accent1">
+              <a:shade val="50000"/>
+            </a:schemeClr>
+          </a:lnRef>
+          <a:fillRef idx="1">
+            <a:schemeClr val="accent1"/>
+          </a:fillRef>
+          <a:effectRef idx="0">
+            <a:schemeClr val="accent1"/>
+          </a:effectRef>
+          <a:fontRef idx="minor">
+            <a:schemeClr val="lt1"/>
+          </a:fontRef>
+        </p:style>
+        <p:txBody>
+          <a:bodyPr rtlCol="0" anchor="ctr"/>
+          <a:lstStyle/>
+          <a:p>
+            <a:pPr algn="ctr"/>
+            <a:endParaRPr lang="en-US">
+              <a:solidFill>
+                <a:srgbClr val="FF0000"/>
+              </a:solidFill>
+            </a:endParaRPr>
+          </a:p>
+        </p:txBody>
+      </p:sp>
+      <p:sp>
+        <p:nvSpPr>
+          <p:cNvPr id="70" name="Multiply 69"/>
+          <p:cNvSpPr>
+            <a:spLocks/>
+          </p:cNvSpPr>
+          <p:nvPr/>
+        </p:nvSpPr>
+        <p:spPr>
+          <a:xfrm>
+            <a:off x="6003855" y="3495022"/>
+            <a:ext cx="218180" cy="213898"/>
+          </a:xfrm>
+          <a:prstGeom prst="mathMultiply">
+            <a:avLst/>
+          </a:prstGeom>
+          <a:solidFill>
+            <a:srgbClr val="FF0000"/>
+          </a:solidFill>
+          <a:ln w="0">
+            <a:noFill/>
+          </a:ln>
+          <a:effectLst>
+            <a:reflection stA="45000" endPos="0" dist="50800" dir="5400000" sy="-100000" algn="bl" rotWithShape="0"/>
+          </a:effectLst>
+        </p:spPr>
+        <p:style>
+          <a:lnRef idx="2">
+            <a:schemeClr val="accent1">
+              <a:shade val="50000"/>
+            </a:schemeClr>
+          </a:lnRef>
+          <a:fillRef idx="1">
+            <a:schemeClr val="accent1"/>
+          </a:fillRef>
+          <a:effectRef idx="0">
+            <a:schemeClr val="accent1"/>
+          </a:effectRef>
+          <a:fontRef idx="minor">
+            <a:schemeClr val="lt1"/>
+          </a:fontRef>
+        </p:style>
+        <p:txBody>
+          <a:bodyPr rtlCol="0" anchor="ctr"/>
+          <a:lstStyle/>
+          <a:p>
+            <a:pPr algn="ctr"/>
+            <a:endParaRPr lang="en-US">
+              <a:solidFill>
+                <a:srgbClr val="FF0000"/>
+              </a:solidFill>
+            </a:endParaRPr>
+          </a:p>
+        </p:txBody>
+      </p:sp>
+      <p:sp>
+        <p:nvSpPr>
+          <p:cNvPr id="71" name="Multiply 70"/>
+          <p:cNvSpPr>
+            <a:spLocks/>
+          </p:cNvSpPr>
+          <p:nvPr/>
+        </p:nvSpPr>
+        <p:spPr>
+          <a:xfrm>
+            <a:off x="7243330" y="3495022"/>
+            <a:ext cx="218180" cy="213898"/>
+          </a:xfrm>
+          <a:prstGeom prst="mathMultiply">
+            <a:avLst/>
+          </a:prstGeom>
+          <a:solidFill>
+            <a:srgbClr val="FF0000"/>
+          </a:solidFill>
+          <a:ln w="0">
+            <a:noFill/>
+          </a:ln>
+          <a:effectLst>
+            <a:reflection stA="45000" endPos="0" dist="50800" dir="5400000" sy="-100000" algn="bl" rotWithShape="0"/>
+          </a:effectLst>
+        </p:spPr>
+        <p:style>
+          <a:lnRef idx="2">
+            <a:schemeClr val="accent1">
+              <a:shade val="50000"/>
+            </a:schemeClr>
+          </a:lnRef>
+          <a:fillRef idx="1">
+            <a:schemeClr val="accent1"/>
+          </a:fillRef>
+          <a:effectRef idx="0">
+            <a:schemeClr val="accent1"/>
+          </a:effectRef>
+          <a:fontRef idx="minor">
+            <a:schemeClr val="lt1"/>
+          </a:fontRef>
+        </p:style>
+        <p:txBody>
+          <a:bodyPr rtlCol="0" anchor="ctr"/>
+          <a:lstStyle/>
+          <a:p>
+            <a:pPr algn="ctr"/>
+            <a:endParaRPr lang="en-US">
+              <a:solidFill>
+                <a:srgbClr val="FF0000"/>
+              </a:solidFill>
+            </a:endParaRPr>
+          </a:p>
+        </p:txBody>
+      </p:sp>
+      <p:sp>
+        <p:nvSpPr>
+          <p:cNvPr id="72" name="Multiply 71"/>
+          <p:cNvSpPr>
+            <a:spLocks/>
+          </p:cNvSpPr>
+          <p:nvPr/>
+        </p:nvSpPr>
+        <p:spPr>
+          <a:xfrm>
+            <a:off x="7830208" y="2202035"/>
+            <a:ext cx="218180" cy="213898"/>
+          </a:xfrm>
+          <a:prstGeom prst="mathMultiply">
+            <a:avLst/>
+          </a:prstGeom>
+          <a:solidFill>
+            <a:srgbClr val="FF0000"/>
+          </a:solidFill>
+          <a:ln w="0">
+            <a:noFill/>
+          </a:ln>
+          <a:effectLst>
+            <a:reflection stA="45000" endPos="0" dist="50800" dir="5400000" sy="-100000" algn="bl" rotWithShape="0"/>
+          </a:effectLst>
+        </p:spPr>
+        <p:style>
+          <a:lnRef idx="2">
+            <a:schemeClr val="accent1">
+              <a:shade val="50000"/>
+            </a:schemeClr>
+          </a:lnRef>
+          <a:fillRef idx="1">
+            <a:schemeClr val="accent1"/>
+          </a:fillRef>
+          <a:effectRef idx="0">
+            <a:schemeClr val="accent1"/>
+          </a:effectRef>
+          <a:fontRef idx="minor">
+            <a:schemeClr val="lt1"/>
+          </a:fontRef>
+        </p:style>
+        <p:txBody>
+          <a:bodyPr rtlCol="0" anchor="ctr"/>
+          <a:lstStyle/>
+          <a:p>
+            <a:pPr algn="ctr"/>
+            <a:endParaRPr lang="en-US">
+              <a:solidFill>
+                <a:srgbClr val="FF0000"/>
+              </a:solidFill>
+            </a:endParaRPr>
+          </a:p>
+        </p:txBody>
+      </p:sp>
+      <p:sp>
+        <p:nvSpPr>
+          <p:cNvPr id="73" name="Multiply 72"/>
+          <p:cNvSpPr>
+            <a:spLocks/>
+          </p:cNvSpPr>
+          <p:nvPr/>
+        </p:nvSpPr>
+        <p:spPr>
+          <a:xfrm>
+            <a:off x="9063434" y="2202035"/>
+            <a:ext cx="218180" cy="213898"/>
+          </a:xfrm>
+          <a:prstGeom prst="mathMultiply">
+            <a:avLst/>
+          </a:prstGeom>
+          <a:solidFill>
+            <a:srgbClr val="FF0000"/>
+          </a:solidFill>
+          <a:ln w="0">
+            <a:noFill/>
+          </a:ln>
+          <a:effectLst>
+            <a:reflection stA="45000" endPos="0" dist="50800" dir="5400000" sy="-100000" algn="bl" rotWithShape="0"/>
+          </a:effectLst>
+        </p:spPr>
+        <p:style>
+          <a:lnRef idx="2">
+            <a:schemeClr val="accent1">
+              <a:shade val="50000"/>
+            </a:schemeClr>
+          </a:lnRef>
+          <a:fillRef idx="1">
+            <a:schemeClr val="accent1"/>
+          </a:fillRef>
+          <a:effectRef idx="0">
+            <a:schemeClr val="accent1"/>
+          </a:effectRef>
+          <a:fontRef idx="minor">
+            <a:schemeClr val="lt1"/>
+          </a:fontRef>
+        </p:style>
+        <p:txBody>
+          <a:bodyPr rtlCol="0" anchor="ctr"/>
+          <a:lstStyle/>
+          <a:p>
+            <a:pPr algn="ctr"/>
+            <a:endParaRPr lang="en-US">
+              <a:solidFill>
+                <a:srgbClr val="FF0000"/>
+              </a:solidFill>
+            </a:endParaRPr>
+          </a:p>
+        </p:txBody>
+      </p:sp>
+      <p:sp>
+        <p:nvSpPr>
+          <p:cNvPr id="74" name="Multiply 73"/>
+          <p:cNvSpPr>
+            <a:spLocks/>
+          </p:cNvSpPr>
+          <p:nvPr/>
+        </p:nvSpPr>
+        <p:spPr>
+          <a:xfrm>
+            <a:off x="10302909" y="2202035"/>
+            <a:ext cx="218180" cy="213898"/>
+          </a:xfrm>
+          <a:prstGeom prst="mathMultiply">
+            <a:avLst/>
+          </a:prstGeom>
+          <a:solidFill>
+            <a:srgbClr val="FF0000"/>
+          </a:solidFill>
+          <a:ln w="0">
+            <a:noFill/>
+          </a:ln>
+          <a:effectLst>
+            <a:reflection stA="45000" endPos="0" dist="50800" dir="5400000" sy="-100000" algn="bl" rotWithShape="0"/>
+          </a:effectLst>
+        </p:spPr>
+        <p:style>
+          <a:lnRef idx="2">
+            <a:schemeClr val="accent1">
+              <a:shade val="50000"/>
+            </a:schemeClr>
+          </a:lnRef>
+          <a:fillRef idx="1">
+            <a:schemeClr val="accent1"/>
+          </a:fillRef>
+          <a:effectRef idx="0">
+            <a:schemeClr val="accent1"/>
+          </a:effectRef>
+          <a:fontRef idx="minor">
+            <a:schemeClr val="lt1"/>
+          </a:fontRef>
+        </p:style>
+        <p:txBody>
+          <a:bodyPr rtlCol="0" anchor="ctr"/>
+          <a:lstStyle/>
+          <a:p>
+            <a:pPr algn="ctr"/>
+            <a:endParaRPr lang="en-US">
+              <a:solidFill>
+                <a:srgbClr val="FF0000"/>
+              </a:solidFill>
+            </a:endParaRPr>
+          </a:p>
+        </p:txBody>
+      </p:sp>
+      <p:sp>
+        <p:nvSpPr>
+          <p:cNvPr id="75" name="Multiply 74"/>
+          <p:cNvSpPr>
+            <a:spLocks/>
+          </p:cNvSpPr>
+          <p:nvPr/>
+        </p:nvSpPr>
+        <p:spPr>
+          <a:xfrm>
+            <a:off x="8421493" y="3515545"/>
+            <a:ext cx="218180" cy="213898"/>
+          </a:xfrm>
+          <a:prstGeom prst="mathMultiply">
+            <a:avLst/>
+          </a:prstGeom>
+          <a:solidFill>
+            <a:srgbClr val="FF0000"/>
+          </a:solidFill>
+          <a:ln w="0">
+            <a:noFill/>
+          </a:ln>
+          <a:effectLst>
+            <a:reflection stA="45000" endPos="0" dist="50800" dir="5400000" sy="-100000" algn="bl" rotWithShape="0"/>
+          </a:effectLst>
+        </p:spPr>
+        <p:style>
+          <a:lnRef idx="2">
+            <a:schemeClr val="accent1">
+              <a:shade val="50000"/>
+            </a:schemeClr>
+          </a:lnRef>
+          <a:fillRef idx="1">
+            <a:schemeClr val="accent1"/>
+          </a:fillRef>
+          <a:effectRef idx="0">
+            <a:schemeClr val="accent1"/>
+          </a:effectRef>
+          <a:fontRef idx="minor">
+            <a:schemeClr val="lt1"/>
+          </a:fontRef>
+        </p:style>
+        <p:txBody>
+          <a:bodyPr rtlCol="0" anchor="ctr"/>
+          <a:lstStyle/>
+          <a:p>
+            <a:pPr algn="ctr"/>
+            <a:endParaRPr lang="en-US">
+              <a:solidFill>
+                <a:srgbClr val="FF0000"/>
+              </a:solidFill>
+            </a:endParaRPr>
+          </a:p>
+        </p:txBody>
+      </p:sp>
+      <p:sp>
+        <p:nvSpPr>
+          <p:cNvPr id="76" name="Multiply 75"/>
+          <p:cNvSpPr>
+            <a:spLocks/>
+          </p:cNvSpPr>
+          <p:nvPr/>
+        </p:nvSpPr>
+        <p:spPr>
+          <a:xfrm>
+            <a:off x="11486940" y="2206889"/>
+            <a:ext cx="218180" cy="213898"/>
+          </a:xfrm>
+          <a:prstGeom prst="mathMultiply">
+            <a:avLst/>
+          </a:prstGeom>
+          <a:solidFill>
+            <a:srgbClr val="FF0000"/>
+          </a:solidFill>
+          <a:ln w="0">
+            <a:noFill/>
+          </a:ln>
+          <a:effectLst>
+            <a:reflection stA="45000" endPos="0" dist="50800" dir="5400000" sy="-100000" algn="bl" rotWithShape="0"/>
+          </a:effectLst>
+        </p:spPr>
+        <p:style>
+          <a:lnRef idx="2">
+            <a:schemeClr val="accent1">
+              <a:shade val="50000"/>
+            </a:schemeClr>
+          </a:lnRef>
+          <a:fillRef idx="1">
+            <a:schemeClr val="accent1"/>
+          </a:fillRef>
+          <a:effectRef idx="0">
+            <a:schemeClr val="accent1"/>
+          </a:effectRef>
+          <a:fontRef idx="minor">
+            <a:schemeClr val="lt1"/>
+          </a:fontRef>
+        </p:style>
+        <p:txBody>
+          <a:bodyPr rtlCol="0" anchor="ctr"/>
+          <a:lstStyle/>
+          <a:p>
+            <a:pPr algn="ctr"/>
+            <a:endParaRPr lang="en-US">
+              <a:solidFill>
+                <a:srgbClr val="FF0000"/>
+              </a:solidFill>
             </a:endParaRPr>
           </a:p>
         </p:txBody>
@@ -23926,21 +24421,21 @@
                 <a:gridCol w="873044">
                   <a:extLst>
                     <a:ext uri="{9D8B030D-6E8A-4147-A177-3AD203B41FA5}">
-                      <a16:colId xmlns:a16="http://schemas.microsoft.com/office/drawing/2014/main" xmlns="" val="1842320837"/>
+                      <a16:colId xmlns="" xmlns:a16="http://schemas.microsoft.com/office/drawing/2014/main" val="1842320837"/>
                     </a:ext>
                   </a:extLst>
                 </a:gridCol>
                 <a:gridCol w="717388">
                   <a:extLst>
                     <a:ext uri="{9D8B030D-6E8A-4147-A177-3AD203B41FA5}">
-                      <a16:colId xmlns:a16="http://schemas.microsoft.com/office/drawing/2014/main" xmlns="" val="2038016994"/>
+                      <a16:colId xmlns="" xmlns:a16="http://schemas.microsoft.com/office/drawing/2014/main" val="2038016994"/>
                     </a:ext>
                   </a:extLst>
                 </a:gridCol>
                 <a:gridCol w="1028699">
                   <a:extLst>
                     <a:ext uri="{9D8B030D-6E8A-4147-A177-3AD203B41FA5}">
-                      <a16:colId xmlns:a16="http://schemas.microsoft.com/office/drawing/2014/main" xmlns="" val="3728435139"/>
+                      <a16:colId xmlns="" xmlns:a16="http://schemas.microsoft.com/office/drawing/2014/main" val="3728435139"/>
                     </a:ext>
                   </a:extLst>
                 </a:gridCol>
@@ -23993,7 +24488,7 @@
                 </a:tc>
                 <a:extLst>
                   <a:ext uri="{0D108BD9-81ED-4DB2-BD59-A6C34878D82A}">
-                    <a16:rowId xmlns:a16="http://schemas.microsoft.com/office/drawing/2014/main" xmlns="" val="1025974938"/>
+                    <a16:rowId xmlns="" xmlns:a16="http://schemas.microsoft.com/office/drawing/2014/main" val="1025974938"/>
                   </a:ext>
                 </a:extLst>
               </a:tr>
@@ -24045,7 +24540,7 @@
                 </a:tc>
                 <a:extLst>
                   <a:ext uri="{0D108BD9-81ED-4DB2-BD59-A6C34878D82A}">
-                    <a16:rowId xmlns:a16="http://schemas.microsoft.com/office/drawing/2014/main" xmlns="" val="4077566409"/>
+                    <a16:rowId xmlns="" xmlns:a16="http://schemas.microsoft.com/office/drawing/2014/main" val="4077566409"/>
                   </a:ext>
                 </a:extLst>
               </a:tr>
@@ -24097,7 +24592,7 @@
                 </a:tc>
                 <a:extLst>
                   <a:ext uri="{0D108BD9-81ED-4DB2-BD59-A6C34878D82A}">
-                    <a16:rowId xmlns:a16="http://schemas.microsoft.com/office/drawing/2014/main" xmlns="" val="4214053569"/>
+                    <a16:rowId xmlns="" xmlns:a16="http://schemas.microsoft.com/office/drawing/2014/main" val="4214053569"/>
                   </a:ext>
                 </a:extLst>
               </a:tr>
@@ -24149,7 +24644,7 @@
                 </a:tc>
                 <a:extLst>
                   <a:ext uri="{0D108BD9-81ED-4DB2-BD59-A6C34878D82A}">
-                    <a16:rowId xmlns:a16="http://schemas.microsoft.com/office/drawing/2014/main" xmlns="" val="3475086053"/>
+                    <a16:rowId xmlns="" xmlns:a16="http://schemas.microsoft.com/office/drawing/2014/main" val="3475086053"/>
                   </a:ext>
                 </a:extLst>
               </a:tr>
@@ -24201,7 +24696,7 @@
                 </a:tc>
                 <a:extLst>
                   <a:ext uri="{0D108BD9-81ED-4DB2-BD59-A6C34878D82A}">
-                    <a16:rowId xmlns:a16="http://schemas.microsoft.com/office/drawing/2014/main" xmlns="" val="3245955256"/>
+                    <a16:rowId xmlns="" xmlns:a16="http://schemas.microsoft.com/office/drawing/2014/main" val="3245955256"/>
                   </a:ext>
                 </a:extLst>
               </a:tr>
@@ -24253,7 +24748,7 @@
                 </a:tc>
                 <a:extLst>
                   <a:ext uri="{0D108BD9-81ED-4DB2-BD59-A6C34878D82A}">
-                    <a16:rowId xmlns:a16="http://schemas.microsoft.com/office/drawing/2014/main" xmlns="" val="1233959304"/>
+                    <a16:rowId xmlns="" xmlns:a16="http://schemas.microsoft.com/office/drawing/2014/main" val="1233959304"/>
                   </a:ext>
                 </a:extLst>
               </a:tr>
@@ -25413,21 +25908,21 @@
                 <a:gridCol w="873044">
                   <a:extLst>
                     <a:ext uri="{9D8B030D-6E8A-4147-A177-3AD203B41FA5}">
-                      <a16:colId xmlns:a16="http://schemas.microsoft.com/office/drawing/2014/main" xmlns="" val="1842320837"/>
+                      <a16:colId xmlns="" xmlns:a16="http://schemas.microsoft.com/office/drawing/2014/main" val="1842320837"/>
                     </a:ext>
                   </a:extLst>
                 </a:gridCol>
                 <a:gridCol w="717388">
                   <a:extLst>
                     <a:ext uri="{9D8B030D-6E8A-4147-A177-3AD203B41FA5}">
-                      <a16:colId xmlns:a16="http://schemas.microsoft.com/office/drawing/2014/main" xmlns="" val="2038016994"/>
+                      <a16:colId xmlns="" xmlns:a16="http://schemas.microsoft.com/office/drawing/2014/main" val="2038016994"/>
                     </a:ext>
                   </a:extLst>
                 </a:gridCol>
                 <a:gridCol w="1028699">
                   <a:extLst>
                     <a:ext uri="{9D8B030D-6E8A-4147-A177-3AD203B41FA5}">
-                      <a16:colId xmlns:a16="http://schemas.microsoft.com/office/drawing/2014/main" xmlns="" val="3728435139"/>
+                      <a16:colId xmlns="" xmlns:a16="http://schemas.microsoft.com/office/drawing/2014/main" val="3728435139"/>
                     </a:ext>
                   </a:extLst>
                 </a:gridCol>
@@ -25480,7 +25975,7 @@
                 </a:tc>
                 <a:extLst>
                   <a:ext uri="{0D108BD9-81ED-4DB2-BD59-A6C34878D82A}">
-                    <a16:rowId xmlns:a16="http://schemas.microsoft.com/office/drawing/2014/main" xmlns="" val="1025974938"/>
+                    <a16:rowId xmlns="" xmlns:a16="http://schemas.microsoft.com/office/drawing/2014/main" val="1025974938"/>
                   </a:ext>
                 </a:extLst>
               </a:tr>
@@ -25532,7 +26027,7 @@
                 </a:tc>
                 <a:extLst>
                   <a:ext uri="{0D108BD9-81ED-4DB2-BD59-A6C34878D82A}">
-                    <a16:rowId xmlns:a16="http://schemas.microsoft.com/office/drawing/2014/main" xmlns="" val="4077566409"/>
+                    <a16:rowId xmlns="" xmlns:a16="http://schemas.microsoft.com/office/drawing/2014/main" val="4077566409"/>
                   </a:ext>
                 </a:extLst>
               </a:tr>
@@ -25584,7 +26079,7 @@
                 </a:tc>
                 <a:extLst>
                   <a:ext uri="{0D108BD9-81ED-4DB2-BD59-A6C34878D82A}">
-                    <a16:rowId xmlns:a16="http://schemas.microsoft.com/office/drawing/2014/main" xmlns="" val="4214053569"/>
+                    <a16:rowId xmlns="" xmlns:a16="http://schemas.microsoft.com/office/drawing/2014/main" val="4214053569"/>
                   </a:ext>
                 </a:extLst>
               </a:tr>
@@ -25636,7 +26131,7 @@
                 </a:tc>
                 <a:extLst>
                   <a:ext uri="{0D108BD9-81ED-4DB2-BD59-A6C34878D82A}">
-                    <a16:rowId xmlns:a16="http://schemas.microsoft.com/office/drawing/2014/main" xmlns="" val="3475086053"/>
+                    <a16:rowId xmlns="" xmlns:a16="http://schemas.microsoft.com/office/drawing/2014/main" val="3475086053"/>
                   </a:ext>
                 </a:extLst>
               </a:tr>
@@ -25688,7 +26183,7 @@
                 </a:tc>
                 <a:extLst>
                   <a:ext uri="{0D108BD9-81ED-4DB2-BD59-A6C34878D82A}">
-                    <a16:rowId xmlns:a16="http://schemas.microsoft.com/office/drawing/2014/main" xmlns="" val="3245955256"/>
+                    <a16:rowId xmlns="" xmlns:a16="http://schemas.microsoft.com/office/drawing/2014/main" val="3245955256"/>
                   </a:ext>
                 </a:extLst>
               </a:tr>
@@ -25740,7 +26235,7 @@
                 </a:tc>
                 <a:extLst>
                   <a:ext uri="{0D108BD9-81ED-4DB2-BD59-A6C34878D82A}">
-                    <a16:rowId xmlns:a16="http://schemas.microsoft.com/office/drawing/2014/main" xmlns="" val="1233959304"/>
+                    <a16:rowId xmlns="" xmlns:a16="http://schemas.microsoft.com/office/drawing/2014/main" val="1233959304"/>
                   </a:ext>
                 </a:extLst>
               </a:tr>
@@ -27127,21 +27622,21 @@
                 <a:gridCol w="873044">
                   <a:extLst>
                     <a:ext uri="{9D8B030D-6E8A-4147-A177-3AD203B41FA5}">
-                      <a16:colId xmlns:a16="http://schemas.microsoft.com/office/drawing/2014/main" xmlns="" val="1842320837"/>
+                      <a16:colId xmlns="" xmlns:a16="http://schemas.microsoft.com/office/drawing/2014/main" val="1842320837"/>
                     </a:ext>
                   </a:extLst>
                 </a:gridCol>
                 <a:gridCol w="717388">
                   <a:extLst>
                     <a:ext uri="{9D8B030D-6E8A-4147-A177-3AD203B41FA5}">
-                      <a16:colId xmlns:a16="http://schemas.microsoft.com/office/drawing/2014/main" xmlns="" val="2038016994"/>
+                      <a16:colId xmlns="" xmlns:a16="http://schemas.microsoft.com/office/drawing/2014/main" val="2038016994"/>
                     </a:ext>
                   </a:extLst>
                 </a:gridCol>
                 <a:gridCol w="1028699">
                   <a:extLst>
                     <a:ext uri="{9D8B030D-6E8A-4147-A177-3AD203B41FA5}">
-                      <a16:colId xmlns:a16="http://schemas.microsoft.com/office/drawing/2014/main" xmlns="" val="3728435139"/>
+                      <a16:colId xmlns="" xmlns:a16="http://schemas.microsoft.com/office/drawing/2014/main" val="3728435139"/>
                     </a:ext>
                   </a:extLst>
                 </a:gridCol>
@@ -27194,7 +27689,7 @@
                 </a:tc>
                 <a:extLst>
                   <a:ext uri="{0D108BD9-81ED-4DB2-BD59-A6C34878D82A}">
-                    <a16:rowId xmlns:a16="http://schemas.microsoft.com/office/drawing/2014/main" xmlns="" val="1025974938"/>
+                    <a16:rowId xmlns="" xmlns:a16="http://schemas.microsoft.com/office/drawing/2014/main" val="1025974938"/>
                   </a:ext>
                 </a:extLst>
               </a:tr>
@@ -27246,7 +27741,7 @@
                 </a:tc>
                 <a:extLst>
                   <a:ext uri="{0D108BD9-81ED-4DB2-BD59-A6C34878D82A}">
-                    <a16:rowId xmlns:a16="http://schemas.microsoft.com/office/drawing/2014/main" xmlns="" val="4077566409"/>
+                    <a16:rowId xmlns="" xmlns:a16="http://schemas.microsoft.com/office/drawing/2014/main" val="4077566409"/>
                   </a:ext>
                 </a:extLst>
               </a:tr>
@@ -27298,7 +27793,7 @@
                 </a:tc>
                 <a:extLst>
                   <a:ext uri="{0D108BD9-81ED-4DB2-BD59-A6C34878D82A}">
-                    <a16:rowId xmlns:a16="http://schemas.microsoft.com/office/drawing/2014/main" xmlns="" val="4214053569"/>
+                    <a16:rowId xmlns="" xmlns:a16="http://schemas.microsoft.com/office/drawing/2014/main" val="4214053569"/>
                   </a:ext>
                 </a:extLst>
               </a:tr>
@@ -27350,7 +27845,7 @@
                 </a:tc>
                 <a:extLst>
                   <a:ext uri="{0D108BD9-81ED-4DB2-BD59-A6C34878D82A}">
-                    <a16:rowId xmlns:a16="http://schemas.microsoft.com/office/drawing/2014/main" xmlns="" val="3475086053"/>
+                    <a16:rowId xmlns="" xmlns:a16="http://schemas.microsoft.com/office/drawing/2014/main" val="3475086053"/>
                   </a:ext>
                 </a:extLst>
               </a:tr>
@@ -27402,7 +27897,7 @@
                 </a:tc>
                 <a:extLst>
                   <a:ext uri="{0D108BD9-81ED-4DB2-BD59-A6C34878D82A}">
-                    <a16:rowId xmlns:a16="http://schemas.microsoft.com/office/drawing/2014/main" xmlns="" val="3245955256"/>
+                    <a16:rowId xmlns="" xmlns:a16="http://schemas.microsoft.com/office/drawing/2014/main" val="3245955256"/>
                   </a:ext>
                 </a:extLst>
               </a:tr>
@@ -27454,7 +27949,7 @@
                 </a:tc>
                 <a:extLst>
                   <a:ext uri="{0D108BD9-81ED-4DB2-BD59-A6C34878D82A}">
-                    <a16:rowId xmlns:a16="http://schemas.microsoft.com/office/drawing/2014/main" xmlns="" val="1233959304"/>
+                    <a16:rowId xmlns="" xmlns:a16="http://schemas.microsoft.com/office/drawing/2014/main" val="1233959304"/>
                   </a:ext>
                 </a:extLst>
               </a:tr>
@@ -29068,21 +29563,21 @@
                 <a:gridCol w="873044">
                   <a:extLst>
                     <a:ext uri="{9D8B030D-6E8A-4147-A177-3AD203B41FA5}">
-                      <a16:colId xmlns:a16="http://schemas.microsoft.com/office/drawing/2014/main" xmlns="" val="1842320837"/>
+                      <a16:colId xmlns="" xmlns:a16="http://schemas.microsoft.com/office/drawing/2014/main" val="1842320837"/>
                     </a:ext>
                   </a:extLst>
                 </a:gridCol>
                 <a:gridCol w="717388">
                   <a:extLst>
                     <a:ext uri="{9D8B030D-6E8A-4147-A177-3AD203B41FA5}">
-                      <a16:colId xmlns:a16="http://schemas.microsoft.com/office/drawing/2014/main" xmlns="" val="2038016994"/>
+                      <a16:colId xmlns="" xmlns:a16="http://schemas.microsoft.com/office/drawing/2014/main" val="2038016994"/>
                     </a:ext>
                   </a:extLst>
                 </a:gridCol>
                 <a:gridCol w="1028699">
                   <a:extLst>
                     <a:ext uri="{9D8B030D-6E8A-4147-A177-3AD203B41FA5}">
-                      <a16:colId xmlns:a16="http://schemas.microsoft.com/office/drawing/2014/main" xmlns="" val="3728435139"/>
+                      <a16:colId xmlns="" xmlns:a16="http://schemas.microsoft.com/office/drawing/2014/main" val="3728435139"/>
                     </a:ext>
                   </a:extLst>
                 </a:gridCol>
@@ -29135,7 +29630,7 @@
                 </a:tc>
                 <a:extLst>
                   <a:ext uri="{0D108BD9-81ED-4DB2-BD59-A6C34878D82A}">
-                    <a16:rowId xmlns:a16="http://schemas.microsoft.com/office/drawing/2014/main" xmlns="" val="1025974938"/>
+                    <a16:rowId xmlns="" xmlns:a16="http://schemas.microsoft.com/office/drawing/2014/main" val="1025974938"/>
                   </a:ext>
                 </a:extLst>
               </a:tr>
@@ -29187,7 +29682,7 @@
                 </a:tc>
                 <a:extLst>
                   <a:ext uri="{0D108BD9-81ED-4DB2-BD59-A6C34878D82A}">
-                    <a16:rowId xmlns:a16="http://schemas.microsoft.com/office/drawing/2014/main" xmlns="" val="4077566409"/>
+                    <a16:rowId xmlns="" xmlns:a16="http://schemas.microsoft.com/office/drawing/2014/main" val="4077566409"/>
                   </a:ext>
                 </a:extLst>
               </a:tr>
@@ -29239,7 +29734,7 @@
                 </a:tc>
                 <a:extLst>
                   <a:ext uri="{0D108BD9-81ED-4DB2-BD59-A6C34878D82A}">
-                    <a16:rowId xmlns:a16="http://schemas.microsoft.com/office/drawing/2014/main" xmlns="" val="4214053569"/>
+                    <a16:rowId xmlns="" xmlns:a16="http://schemas.microsoft.com/office/drawing/2014/main" val="4214053569"/>
                   </a:ext>
                 </a:extLst>
               </a:tr>
@@ -29291,7 +29786,7 @@
                 </a:tc>
                 <a:extLst>
                   <a:ext uri="{0D108BD9-81ED-4DB2-BD59-A6C34878D82A}">
-                    <a16:rowId xmlns:a16="http://schemas.microsoft.com/office/drawing/2014/main" xmlns="" val="3475086053"/>
+                    <a16:rowId xmlns="" xmlns:a16="http://schemas.microsoft.com/office/drawing/2014/main" val="3475086053"/>
                   </a:ext>
                 </a:extLst>
               </a:tr>
@@ -29343,7 +29838,7 @@
                 </a:tc>
                 <a:extLst>
                   <a:ext uri="{0D108BD9-81ED-4DB2-BD59-A6C34878D82A}">
-                    <a16:rowId xmlns:a16="http://schemas.microsoft.com/office/drawing/2014/main" xmlns="" val="3245955256"/>
+                    <a16:rowId xmlns="" xmlns:a16="http://schemas.microsoft.com/office/drawing/2014/main" val="3245955256"/>
                   </a:ext>
                 </a:extLst>
               </a:tr>
@@ -29395,7 +29890,7 @@
                 </a:tc>
                 <a:extLst>
                   <a:ext uri="{0D108BD9-81ED-4DB2-BD59-A6C34878D82A}">
-                    <a16:rowId xmlns:a16="http://schemas.microsoft.com/office/drawing/2014/main" xmlns="" val="1233959304"/>
+                    <a16:rowId xmlns="" xmlns:a16="http://schemas.microsoft.com/office/drawing/2014/main" val="1233959304"/>
                   </a:ext>
                 </a:extLst>
               </a:tr>
@@ -31245,21 +31740,21 @@
                 <a:gridCol w="873044">
                   <a:extLst>
                     <a:ext uri="{9D8B030D-6E8A-4147-A177-3AD203B41FA5}">
-                      <a16:colId xmlns:a16="http://schemas.microsoft.com/office/drawing/2014/main" xmlns="" val="1842320837"/>
+                      <a16:colId xmlns="" xmlns:a16="http://schemas.microsoft.com/office/drawing/2014/main" val="1842320837"/>
                     </a:ext>
                   </a:extLst>
                 </a:gridCol>
                 <a:gridCol w="717388">
                   <a:extLst>
                     <a:ext uri="{9D8B030D-6E8A-4147-A177-3AD203B41FA5}">
-                      <a16:colId xmlns:a16="http://schemas.microsoft.com/office/drawing/2014/main" xmlns="" val="2038016994"/>
+                      <a16:colId xmlns="" xmlns:a16="http://schemas.microsoft.com/office/drawing/2014/main" val="2038016994"/>
                     </a:ext>
                   </a:extLst>
                 </a:gridCol>
                 <a:gridCol w="1028699">
                   <a:extLst>
                     <a:ext uri="{9D8B030D-6E8A-4147-A177-3AD203B41FA5}">
-                      <a16:colId xmlns:a16="http://schemas.microsoft.com/office/drawing/2014/main" xmlns="" val="3728435139"/>
+                      <a16:colId xmlns="" xmlns:a16="http://schemas.microsoft.com/office/drawing/2014/main" val="3728435139"/>
                     </a:ext>
                   </a:extLst>
                 </a:gridCol>
@@ -31312,7 +31807,7 @@
                 </a:tc>
                 <a:extLst>
                   <a:ext uri="{0D108BD9-81ED-4DB2-BD59-A6C34878D82A}">
-                    <a16:rowId xmlns:a16="http://schemas.microsoft.com/office/drawing/2014/main" xmlns="" val="1025974938"/>
+                    <a16:rowId xmlns="" xmlns:a16="http://schemas.microsoft.com/office/drawing/2014/main" val="1025974938"/>
                   </a:ext>
                 </a:extLst>
               </a:tr>
@@ -31364,7 +31859,7 @@
                 </a:tc>
                 <a:extLst>
                   <a:ext uri="{0D108BD9-81ED-4DB2-BD59-A6C34878D82A}">
-                    <a16:rowId xmlns:a16="http://schemas.microsoft.com/office/drawing/2014/main" xmlns="" val="4077566409"/>
+                    <a16:rowId xmlns="" xmlns:a16="http://schemas.microsoft.com/office/drawing/2014/main" val="4077566409"/>
                   </a:ext>
                 </a:extLst>
               </a:tr>
@@ -31416,7 +31911,7 @@
                 </a:tc>
                 <a:extLst>
                   <a:ext uri="{0D108BD9-81ED-4DB2-BD59-A6C34878D82A}">
-                    <a16:rowId xmlns:a16="http://schemas.microsoft.com/office/drawing/2014/main" xmlns="" val="4214053569"/>
+                    <a16:rowId xmlns="" xmlns:a16="http://schemas.microsoft.com/office/drawing/2014/main" val="4214053569"/>
                   </a:ext>
                 </a:extLst>
               </a:tr>
@@ -31468,7 +31963,7 @@
                 </a:tc>
                 <a:extLst>
                   <a:ext uri="{0D108BD9-81ED-4DB2-BD59-A6C34878D82A}">
-                    <a16:rowId xmlns:a16="http://schemas.microsoft.com/office/drawing/2014/main" xmlns="" val="3475086053"/>
+                    <a16:rowId xmlns="" xmlns:a16="http://schemas.microsoft.com/office/drawing/2014/main" val="3475086053"/>
                   </a:ext>
                 </a:extLst>
               </a:tr>
@@ -31520,7 +32015,7 @@
                 </a:tc>
                 <a:extLst>
                   <a:ext uri="{0D108BD9-81ED-4DB2-BD59-A6C34878D82A}">
-                    <a16:rowId xmlns:a16="http://schemas.microsoft.com/office/drawing/2014/main" xmlns="" val="3245955256"/>
+                    <a16:rowId xmlns="" xmlns:a16="http://schemas.microsoft.com/office/drawing/2014/main" val="3245955256"/>
                   </a:ext>
                 </a:extLst>
               </a:tr>
@@ -31572,7 +32067,7 @@
                 </a:tc>
                 <a:extLst>
                   <a:ext uri="{0D108BD9-81ED-4DB2-BD59-A6C34878D82A}">
-                    <a16:rowId xmlns:a16="http://schemas.microsoft.com/office/drawing/2014/main" xmlns="" val="1233959304"/>
+                    <a16:rowId xmlns="" xmlns:a16="http://schemas.microsoft.com/office/drawing/2014/main" val="1233959304"/>
                   </a:ext>
                 </a:extLst>
               </a:tr>
@@ -33991,21 +34486,21 @@
                 <a:gridCol w="873044">
                   <a:extLst>
                     <a:ext uri="{9D8B030D-6E8A-4147-A177-3AD203B41FA5}">
-                      <a16:colId xmlns:a16="http://schemas.microsoft.com/office/drawing/2014/main" xmlns="" val="1842320837"/>
+                      <a16:colId xmlns="" xmlns:a16="http://schemas.microsoft.com/office/drawing/2014/main" val="1842320837"/>
                     </a:ext>
                   </a:extLst>
                 </a:gridCol>
                 <a:gridCol w="717388">
                   <a:extLst>
                     <a:ext uri="{9D8B030D-6E8A-4147-A177-3AD203B41FA5}">
-                      <a16:colId xmlns:a16="http://schemas.microsoft.com/office/drawing/2014/main" xmlns="" val="2038016994"/>
+                      <a16:colId xmlns="" xmlns:a16="http://schemas.microsoft.com/office/drawing/2014/main" val="2038016994"/>
                     </a:ext>
                   </a:extLst>
                 </a:gridCol>
                 <a:gridCol w="1028699">
                   <a:extLst>
                     <a:ext uri="{9D8B030D-6E8A-4147-A177-3AD203B41FA5}">
-                      <a16:colId xmlns:a16="http://schemas.microsoft.com/office/drawing/2014/main" xmlns="" val="3728435139"/>
+                      <a16:colId xmlns="" xmlns:a16="http://schemas.microsoft.com/office/drawing/2014/main" val="3728435139"/>
                     </a:ext>
                   </a:extLst>
                 </a:gridCol>
@@ -34058,7 +34553,7 @@
                 </a:tc>
                 <a:extLst>
                   <a:ext uri="{0D108BD9-81ED-4DB2-BD59-A6C34878D82A}">
-                    <a16:rowId xmlns:a16="http://schemas.microsoft.com/office/drawing/2014/main" xmlns="" val="1025974938"/>
+                    <a16:rowId xmlns="" xmlns:a16="http://schemas.microsoft.com/office/drawing/2014/main" val="1025974938"/>
                   </a:ext>
                 </a:extLst>
               </a:tr>
@@ -34110,7 +34605,7 @@
                 </a:tc>
                 <a:extLst>
                   <a:ext uri="{0D108BD9-81ED-4DB2-BD59-A6C34878D82A}">
-                    <a16:rowId xmlns:a16="http://schemas.microsoft.com/office/drawing/2014/main" xmlns="" val="4077566409"/>
+                    <a16:rowId xmlns="" xmlns:a16="http://schemas.microsoft.com/office/drawing/2014/main" val="4077566409"/>
                   </a:ext>
                 </a:extLst>
               </a:tr>
@@ -34162,7 +34657,7 @@
                 </a:tc>
                 <a:extLst>
                   <a:ext uri="{0D108BD9-81ED-4DB2-BD59-A6C34878D82A}">
-                    <a16:rowId xmlns:a16="http://schemas.microsoft.com/office/drawing/2014/main" xmlns="" val="4214053569"/>
+                    <a16:rowId xmlns="" xmlns:a16="http://schemas.microsoft.com/office/drawing/2014/main" val="4214053569"/>
                   </a:ext>
                 </a:extLst>
               </a:tr>
@@ -34214,7 +34709,7 @@
                 </a:tc>
                 <a:extLst>
                   <a:ext uri="{0D108BD9-81ED-4DB2-BD59-A6C34878D82A}">
-                    <a16:rowId xmlns:a16="http://schemas.microsoft.com/office/drawing/2014/main" xmlns="" val="3475086053"/>
+                    <a16:rowId xmlns="" xmlns:a16="http://schemas.microsoft.com/office/drawing/2014/main" val="3475086053"/>
                   </a:ext>
                 </a:extLst>
               </a:tr>
@@ -34266,7 +34761,7 @@
                 </a:tc>
                 <a:extLst>
                   <a:ext uri="{0D108BD9-81ED-4DB2-BD59-A6C34878D82A}">
-                    <a16:rowId xmlns:a16="http://schemas.microsoft.com/office/drawing/2014/main" xmlns="" val="3245955256"/>
+                    <a16:rowId xmlns="" xmlns:a16="http://schemas.microsoft.com/office/drawing/2014/main" val="3245955256"/>
                   </a:ext>
                 </a:extLst>
               </a:tr>
@@ -34318,7 +34813,7 @@
                 </a:tc>
                 <a:extLst>
                   <a:ext uri="{0D108BD9-81ED-4DB2-BD59-A6C34878D82A}">
-                    <a16:rowId xmlns:a16="http://schemas.microsoft.com/office/drawing/2014/main" xmlns="" val="1233959304"/>
+                    <a16:rowId xmlns="" xmlns:a16="http://schemas.microsoft.com/office/drawing/2014/main" val="1233959304"/>
                   </a:ext>
                 </a:extLst>
               </a:tr>
@@ -36627,21 +37122,21 @@
                 <a:gridCol w="873044">
                   <a:extLst>
                     <a:ext uri="{9D8B030D-6E8A-4147-A177-3AD203B41FA5}">
-                      <a16:colId xmlns:a16="http://schemas.microsoft.com/office/drawing/2014/main" xmlns="" val="1842320837"/>
+                      <a16:colId xmlns="" xmlns:a16="http://schemas.microsoft.com/office/drawing/2014/main" val="1842320837"/>
                     </a:ext>
                   </a:extLst>
                 </a:gridCol>
                 <a:gridCol w="717388">
                   <a:extLst>
                     <a:ext uri="{9D8B030D-6E8A-4147-A177-3AD203B41FA5}">
-                      <a16:colId xmlns:a16="http://schemas.microsoft.com/office/drawing/2014/main" xmlns="" val="2038016994"/>
+                      <a16:colId xmlns="" xmlns:a16="http://schemas.microsoft.com/office/drawing/2014/main" val="2038016994"/>
                     </a:ext>
                   </a:extLst>
                 </a:gridCol>
                 <a:gridCol w="1028699">
                   <a:extLst>
                     <a:ext uri="{9D8B030D-6E8A-4147-A177-3AD203B41FA5}">
-                      <a16:colId xmlns:a16="http://schemas.microsoft.com/office/drawing/2014/main" xmlns="" val="3728435139"/>
+                      <a16:colId xmlns="" xmlns:a16="http://schemas.microsoft.com/office/drawing/2014/main" val="3728435139"/>
                     </a:ext>
                   </a:extLst>
                 </a:gridCol>
@@ -36694,7 +37189,7 @@
                 </a:tc>
                 <a:extLst>
                   <a:ext uri="{0D108BD9-81ED-4DB2-BD59-A6C34878D82A}">
-                    <a16:rowId xmlns:a16="http://schemas.microsoft.com/office/drawing/2014/main" xmlns="" val="1025974938"/>
+                    <a16:rowId xmlns="" xmlns:a16="http://schemas.microsoft.com/office/drawing/2014/main" val="1025974938"/>
                   </a:ext>
                 </a:extLst>
               </a:tr>
@@ -36746,7 +37241,7 @@
                 </a:tc>
                 <a:extLst>
                   <a:ext uri="{0D108BD9-81ED-4DB2-BD59-A6C34878D82A}">
-                    <a16:rowId xmlns:a16="http://schemas.microsoft.com/office/drawing/2014/main" xmlns="" val="4077566409"/>
+                    <a16:rowId xmlns="" xmlns:a16="http://schemas.microsoft.com/office/drawing/2014/main" val="4077566409"/>
                   </a:ext>
                 </a:extLst>
               </a:tr>
@@ -36798,7 +37293,7 @@
                 </a:tc>
                 <a:extLst>
                   <a:ext uri="{0D108BD9-81ED-4DB2-BD59-A6C34878D82A}">
-                    <a16:rowId xmlns:a16="http://schemas.microsoft.com/office/drawing/2014/main" xmlns="" val="4214053569"/>
+                    <a16:rowId xmlns="" xmlns:a16="http://schemas.microsoft.com/office/drawing/2014/main" val="4214053569"/>
                   </a:ext>
                 </a:extLst>
               </a:tr>
@@ -36850,7 +37345,7 @@
                 </a:tc>
                 <a:extLst>
                   <a:ext uri="{0D108BD9-81ED-4DB2-BD59-A6C34878D82A}">
-                    <a16:rowId xmlns:a16="http://schemas.microsoft.com/office/drawing/2014/main" xmlns="" val="3475086053"/>
+                    <a16:rowId xmlns="" xmlns:a16="http://schemas.microsoft.com/office/drawing/2014/main" val="3475086053"/>
                   </a:ext>
                 </a:extLst>
               </a:tr>
@@ -36902,7 +37397,7 @@
                 </a:tc>
                 <a:extLst>
                   <a:ext uri="{0D108BD9-81ED-4DB2-BD59-A6C34878D82A}">
-                    <a16:rowId xmlns:a16="http://schemas.microsoft.com/office/drawing/2014/main" xmlns="" val="3245955256"/>
+                    <a16:rowId xmlns="" xmlns:a16="http://schemas.microsoft.com/office/drawing/2014/main" val="3245955256"/>
                   </a:ext>
                 </a:extLst>
               </a:tr>
@@ -36954,7 +37449,7 @@
                 </a:tc>
                 <a:extLst>
                   <a:ext uri="{0D108BD9-81ED-4DB2-BD59-A6C34878D82A}">
-                    <a16:rowId xmlns:a16="http://schemas.microsoft.com/office/drawing/2014/main" xmlns="" val="1233959304"/>
+                    <a16:rowId xmlns="" xmlns:a16="http://schemas.microsoft.com/office/drawing/2014/main" val="1233959304"/>
                   </a:ext>
                 </a:extLst>
               </a:tr>
@@ -39470,21 +39965,21 @@
                 <a:gridCol w="873044">
                   <a:extLst>
                     <a:ext uri="{9D8B030D-6E8A-4147-A177-3AD203B41FA5}">
-                      <a16:colId xmlns:a16="http://schemas.microsoft.com/office/drawing/2014/main" xmlns="" val="1842320837"/>
+                      <a16:colId xmlns="" xmlns:a16="http://schemas.microsoft.com/office/drawing/2014/main" val="1842320837"/>
                     </a:ext>
                   </a:extLst>
                 </a:gridCol>
                 <a:gridCol w="717388">
                   <a:extLst>
                     <a:ext uri="{9D8B030D-6E8A-4147-A177-3AD203B41FA5}">
-                      <a16:colId xmlns:a16="http://schemas.microsoft.com/office/drawing/2014/main" xmlns="" val="2038016994"/>
+                      <a16:colId xmlns="" xmlns:a16="http://schemas.microsoft.com/office/drawing/2014/main" val="2038016994"/>
                     </a:ext>
                   </a:extLst>
                 </a:gridCol>
                 <a:gridCol w="1028699">
                   <a:extLst>
                     <a:ext uri="{9D8B030D-6E8A-4147-A177-3AD203B41FA5}">
-                      <a16:colId xmlns:a16="http://schemas.microsoft.com/office/drawing/2014/main" xmlns="" val="3728435139"/>
+                      <a16:colId xmlns="" xmlns:a16="http://schemas.microsoft.com/office/drawing/2014/main" val="3728435139"/>
                     </a:ext>
                   </a:extLst>
                 </a:gridCol>
@@ -39537,7 +40032,7 @@
                 </a:tc>
                 <a:extLst>
                   <a:ext uri="{0D108BD9-81ED-4DB2-BD59-A6C34878D82A}">
-                    <a16:rowId xmlns:a16="http://schemas.microsoft.com/office/drawing/2014/main" xmlns="" val="1025974938"/>
+                    <a16:rowId xmlns="" xmlns:a16="http://schemas.microsoft.com/office/drawing/2014/main" val="1025974938"/>
                   </a:ext>
                 </a:extLst>
               </a:tr>
@@ -39589,7 +40084,7 @@
                 </a:tc>
                 <a:extLst>
                   <a:ext uri="{0D108BD9-81ED-4DB2-BD59-A6C34878D82A}">
-                    <a16:rowId xmlns:a16="http://schemas.microsoft.com/office/drawing/2014/main" xmlns="" val="4077566409"/>
+                    <a16:rowId xmlns="" xmlns:a16="http://schemas.microsoft.com/office/drawing/2014/main" val="4077566409"/>
                   </a:ext>
                 </a:extLst>
               </a:tr>
@@ -39641,7 +40136,7 @@
                 </a:tc>
                 <a:extLst>
                   <a:ext uri="{0D108BD9-81ED-4DB2-BD59-A6C34878D82A}">
-                    <a16:rowId xmlns:a16="http://schemas.microsoft.com/office/drawing/2014/main" xmlns="" val="4214053569"/>
+                    <a16:rowId xmlns="" xmlns:a16="http://schemas.microsoft.com/office/drawing/2014/main" val="4214053569"/>
                   </a:ext>
                 </a:extLst>
               </a:tr>
@@ -39693,7 +40188,7 @@
                 </a:tc>
                 <a:extLst>
                   <a:ext uri="{0D108BD9-81ED-4DB2-BD59-A6C34878D82A}">
-                    <a16:rowId xmlns:a16="http://schemas.microsoft.com/office/drawing/2014/main" xmlns="" val="3475086053"/>
+                    <a16:rowId xmlns="" xmlns:a16="http://schemas.microsoft.com/office/drawing/2014/main" val="3475086053"/>
                   </a:ext>
                 </a:extLst>
               </a:tr>
@@ -39745,7 +40240,7 @@
                 </a:tc>
                 <a:extLst>
                   <a:ext uri="{0D108BD9-81ED-4DB2-BD59-A6C34878D82A}">
-                    <a16:rowId xmlns:a16="http://schemas.microsoft.com/office/drawing/2014/main" xmlns="" val="3245955256"/>
+                    <a16:rowId xmlns="" xmlns:a16="http://schemas.microsoft.com/office/drawing/2014/main" val="3245955256"/>
                   </a:ext>
                 </a:extLst>
               </a:tr>
@@ -39797,7 +40292,7 @@
                 </a:tc>
                 <a:extLst>
                   <a:ext uri="{0D108BD9-81ED-4DB2-BD59-A6C34878D82A}">
-                    <a16:rowId xmlns:a16="http://schemas.microsoft.com/office/drawing/2014/main" xmlns="" val="1233959304"/>
+                    <a16:rowId xmlns="" xmlns:a16="http://schemas.microsoft.com/office/drawing/2014/main" val="1233959304"/>
                   </a:ext>
                 </a:extLst>
               </a:tr>

--- a/Job Scheduling/assignment/graph.pptx
+++ b/Job Scheduling/assignment/graph.pptx
@@ -3010,21 +3010,21 @@
                 <a:gridCol w="873044">
                   <a:extLst>
                     <a:ext uri="{9D8B030D-6E8A-4147-A177-3AD203B41FA5}">
-                      <a16:colId xmlns="" xmlns:a16="http://schemas.microsoft.com/office/drawing/2014/main" val="1842320837"/>
+                      <a16:colId xmlns:a16="http://schemas.microsoft.com/office/drawing/2014/main" xmlns="" val="1842320837"/>
                     </a:ext>
                   </a:extLst>
                 </a:gridCol>
                 <a:gridCol w="717388">
                   <a:extLst>
                     <a:ext uri="{9D8B030D-6E8A-4147-A177-3AD203B41FA5}">
-                      <a16:colId xmlns="" xmlns:a16="http://schemas.microsoft.com/office/drawing/2014/main" val="2038016994"/>
+                      <a16:colId xmlns:a16="http://schemas.microsoft.com/office/drawing/2014/main" xmlns="" val="2038016994"/>
                     </a:ext>
                   </a:extLst>
                 </a:gridCol>
                 <a:gridCol w="1028699">
                   <a:extLst>
                     <a:ext uri="{9D8B030D-6E8A-4147-A177-3AD203B41FA5}">
-                      <a16:colId xmlns="" xmlns:a16="http://schemas.microsoft.com/office/drawing/2014/main" val="3728435139"/>
+                      <a16:colId xmlns:a16="http://schemas.microsoft.com/office/drawing/2014/main" xmlns="" val="3728435139"/>
                     </a:ext>
                   </a:extLst>
                 </a:gridCol>
@@ -3077,7 +3077,7 @@
                 </a:tc>
                 <a:extLst>
                   <a:ext uri="{0D108BD9-81ED-4DB2-BD59-A6C34878D82A}">
-                    <a16:rowId xmlns="" xmlns:a16="http://schemas.microsoft.com/office/drawing/2014/main" val="1025974938"/>
+                    <a16:rowId xmlns:a16="http://schemas.microsoft.com/office/drawing/2014/main" xmlns="" val="1025974938"/>
                   </a:ext>
                 </a:extLst>
               </a:tr>
@@ -3129,7 +3129,7 @@
                 </a:tc>
                 <a:extLst>
                   <a:ext uri="{0D108BD9-81ED-4DB2-BD59-A6C34878D82A}">
-                    <a16:rowId xmlns="" xmlns:a16="http://schemas.microsoft.com/office/drawing/2014/main" val="4077566409"/>
+                    <a16:rowId xmlns:a16="http://schemas.microsoft.com/office/drawing/2014/main" xmlns="" val="4077566409"/>
                   </a:ext>
                 </a:extLst>
               </a:tr>
@@ -3181,7 +3181,7 @@
                 </a:tc>
                 <a:extLst>
                   <a:ext uri="{0D108BD9-81ED-4DB2-BD59-A6C34878D82A}">
-                    <a16:rowId xmlns="" xmlns:a16="http://schemas.microsoft.com/office/drawing/2014/main" val="4214053569"/>
+                    <a16:rowId xmlns:a16="http://schemas.microsoft.com/office/drawing/2014/main" xmlns="" val="4214053569"/>
                   </a:ext>
                 </a:extLst>
               </a:tr>
@@ -3233,7 +3233,7 @@
                 </a:tc>
                 <a:extLst>
                   <a:ext uri="{0D108BD9-81ED-4DB2-BD59-A6C34878D82A}">
-                    <a16:rowId xmlns="" xmlns:a16="http://schemas.microsoft.com/office/drawing/2014/main" val="3475086053"/>
+                    <a16:rowId xmlns:a16="http://schemas.microsoft.com/office/drawing/2014/main" xmlns="" val="3475086053"/>
                   </a:ext>
                 </a:extLst>
               </a:tr>
@@ -3285,7 +3285,7 @@
                 </a:tc>
                 <a:extLst>
                   <a:ext uri="{0D108BD9-81ED-4DB2-BD59-A6C34878D82A}">
-                    <a16:rowId xmlns="" xmlns:a16="http://schemas.microsoft.com/office/drawing/2014/main" val="3245955256"/>
+                    <a16:rowId xmlns:a16="http://schemas.microsoft.com/office/drawing/2014/main" xmlns="" val="3245955256"/>
                   </a:ext>
                 </a:extLst>
               </a:tr>
@@ -3337,7 +3337,7 @@
                 </a:tc>
                 <a:extLst>
                   <a:ext uri="{0D108BD9-81ED-4DB2-BD59-A6C34878D82A}">
-                    <a16:rowId xmlns="" xmlns:a16="http://schemas.microsoft.com/office/drawing/2014/main" val="1233959304"/>
+                    <a16:rowId xmlns:a16="http://schemas.microsoft.com/office/drawing/2014/main" xmlns="" val="1233959304"/>
                   </a:ext>
                 </a:extLst>
               </a:tr>
@@ -4681,21 +4681,21 @@
                 <a:gridCol w="873044">
                   <a:extLst>
                     <a:ext uri="{9D8B030D-6E8A-4147-A177-3AD203B41FA5}">
-                      <a16:colId xmlns="" xmlns:a16="http://schemas.microsoft.com/office/drawing/2014/main" val="1842320837"/>
+                      <a16:colId xmlns:a16="http://schemas.microsoft.com/office/drawing/2014/main" xmlns="" val="1842320837"/>
                     </a:ext>
                   </a:extLst>
                 </a:gridCol>
                 <a:gridCol w="717388">
                   <a:extLst>
                     <a:ext uri="{9D8B030D-6E8A-4147-A177-3AD203B41FA5}">
-                      <a16:colId xmlns="" xmlns:a16="http://schemas.microsoft.com/office/drawing/2014/main" val="2038016994"/>
+                      <a16:colId xmlns:a16="http://schemas.microsoft.com/office/drawing/2014/main" xmlns="" val="2038016994"/>
                     </a:ext>
                   </a:extLst>
                 </a:gridCol>
                 <a:gridCol w="1028699">
                   <a:extLst>
                     <a:ext uri="{9D8B030D-6E8A-4147-A177-3AD203B41FA5}">
-                      <a16:colId xmlns="" xmlns:a16="http://schemas.microsoft.com/office/drawing/2014/main" val="3728435139"/>
+                      <a16:colId xmlns:a16="http://schemas.microsoft.com/office/drawing/2014/main" xmlns="" val="3728435139"/>
                     </a:ext>
                   </a:extLst>
                 </a:gridCol>
@@ -4748,7 +4748,7 @@
                 </a:tc>
                 <a:extLst>
                   <a:ext uri="{0D108BD9-81ED-4DB2-BD59-A6C34878D82A}">
-                    <a16:rowId xmlns="" xmlns:a16="http://schemas.microsoft.com/office/drawing/2014/main" val="1025974938"/>
+                    <a16:rowId xmlns:a16="http://schemas.microsoft.com/office/drawing/2014/main" xmlns="" val="1025974938"/>
                   </a:ext>
                 </a:extLst>
               </a:tr>
@@ -4800,7 +4800,7 @@
                 </a:tc>
                 <a:extLst>
                   <a:ext uri="{0D108BD9-81ED-4DB2-BD59-A6C34878D82A}">
-                    <a16:rowId xmlns="" xmlns:a16="http://schemas.microsoft.com/office/drawing/2014/main" val="4077566409"/>
+                    <a16:rowId xmlns:a16="http://schemas.microsoft.com/office/drawing/2014/main" xmlns="" val="4077566409"/>
                   </a:ext>
                 </a:extLst>
               </a:tr>
@@ -4852,7 +4852,7 @@
                 </a:tc>
                 <a:extLst>
                   <a:ext uri="{0D108BD9-81ED-4DB2-BD59-A6C34878D82A}">
-                    <a16:rowId xmlns="" xmlns:a16="http://schemas.microsoft.com/office/drawing/2014/main" val="4214053569"/>
+                    <a16:rowId xmlns:a16="http://schemas.microsoft.com/office/drawing/2014/main" xmlns="" val="4214053569"/>
                   </a:ext>
                 </a:extLst>
               </a:tr>
@@ -4904,7 +4904,7 @@
                 </a:tc>
                 <a:extLst>
                   <a:ext uri="{0D108BD9-81ED-4DB2-BD59-A6C34878D82A}">
-                    <a16:rowId xmlns="" xmlns:a16="http://schemas.microsoft.com/office/drawing/2014/main" val="3475086053"/>
+                    <a16:rowId xmlns:a16="http://schemas.microsoft.com/office/drawing/2014/main" xmlns="" val="3475086053"/>
                   </a:ext>
                 </a:extLst>
               </a:tr>
@@ -4956,7 +4956,7 @@
                 </a:tc>
                 <a:extLst>
                   <a:ext uri="{0D108BD9-81ED-4DB2-BD59-A6C34878D82A}">
-                    <a16:rowId xmlns="" xmlns:a16="http://schemas.microsoft.com/office/drawing/2014/main" val="3245955256"/>
+                    <a16:rowId xmlns:a16="http://schemas.microsoft.com/office/drawing/2014/main" xmlns="" val="3245955256"/>
                   </a:ext>
                 </a:extLst>
               </a:tr>
@@ -5008,7 +5008,7 @@
                 </a:tc>
                 <a:extLst>
                   <a:ext uri="{0D108BD9-81ED-4DB2-BD59-A6C34878D82A}">
-                    <a16:rowId xmlns="" xmlns:a16="http://schemas.microsoft.com/office/drawing/2014/main" val="1233959304"/>
+                    <a16:rowId xmlns:a16="http://schemas.microsoft.com/office/drawing/2014/main" xmlns="" val="1233959304"/>
                   </a:ext>
                 </a:extLst>
               </a:tr>
@@ -7978,21 +7978,21 @@
                 <a:gridCol w="873044">
                   <a:extLst>
                     <a:ext uri="{9D8B030D-6E8A-4147-A177-3AD203B41FA5}">
-                      <a16:colId xmlns="" xmlns:a16="http://schemas.microsoft.com/office/drawing/2014/main" val="1842320837"/>
+                      <a16:colId xmlns:a16="http://schemas.microsoft.com/office/drawing/2014/main" xmlns="" val="1842320837"/>
                     </a:ext>
                   </a:extLst>
                 </a:gridCol>
                 <a:gridCol w="717388">
                   <a:extLst>
                     <a:ext uri="{9D8B030D-6E8A-4147-A177-3AD203B41FA5}">
-                      <a16:colId xmlns="" xmlns:a16="http://schemas.microsoft.com/office/drawing/2014/main" val="2038016994"/>
+                      <a16:colId xmlns:a16="http://schemas.microsoft.com/office/drawing/2014/main" xmlns="" val="2038016994"/>
                     </a:ext>
                   </a:extLst>
                 </a:gridCol>
                 <a:gridCol w="1028699">
                   <a:extLst>
                     <a:ext uri="{9D8B030D-6E8A-4147-A177-3AD203B41FA5}">
-                      <a16:colId xmlns="" xmlns:a16="http://schemas.microsoft.com/office/drawing/2014/main" val="3728435139"/>
+                      <a16:colId xmlns:a16="http://schemas.microsoft.com/office/drawing/2014/main" xmlns="" val="3728435139"/>
                     </a:ext>
                   </a:extLst>
                 </a:gridCol>
@@ -8045,7 +8045,7 @@
                 </a:tc>
                 <a:extLst>
                   <a:ext uri="{0D108BD9-81ED-4DB2-BD59-A6C34878D82A}">
-                    <a16:rowId xmlns="" xmlns:a16="http://schemas.microsoft.com/office/drawing/2014/main" val="1025974938"/>
+                    <a16:rowId xmlns:a16="http://schemas.microsoft.com/office/drawing/2014/main" xmlns="" val="1025974938"/>
                   </a:ext>
                 </a:extLst>
               </a:tr>
@@ -8097,7 +8097,7 @@
                 </a:tc>
                 <a:extLst>
                   <a:ext uri="{0D108BD9-81ED-4DB2-BD59-A6C34878D82A}">
-                    <a16:rowId xmlns="" xmlns:a16="http://schemas.microsoft.com/office/drawing/2014/main" val="4077566409"/>
+                    <a16:rowId xmlns:a16="http://schemas.microsoft.com/office/drawing/2014/main" xmlns="" val="4077566409"/>
                   </a:ext>
                 </a:extLst>
               </a:tr>
@@ -8149,7 +8149,7 @@
                 </a:tc>
                 <a:extLst>
                   <a:ext uri="{0D108BD9-81ED-4DB2-BD59-A6C34878D82A}">
-                    <a16:rowId xmlns="" xmlns:a16="http://schemas.microsoft.com/office/drawing/2014/main" val="4214053569"/>
+                    <a16:rowId xmlns:a16="http://schemas.microsoft.com/office/drawing/2014/main" xmlns="" val="4214053569"/>
                   </a:ext>
                 </a:extLst>
               </a:tr>
@@ -8201,7 +8201,7 @@
                 </a:tc>
                 <a:extLst>
                   <a:ext uri="{0D108BD9-81ED-4DB2-BD59-A6C34878D82A}">
-                    <a16:rowId xmlns="" xmlns:a16="http://schemas.microsoft.com/office/drawing/2014/main" val="3475086053"/>
+                    <a16:rowId xmlns:a16="http://schemas.microsoft.com/office/drawing/2014/main" xmlns="" val="3475086053"/>
                   </a:ext>
                 </a:extLst>
               </a:tr>
@@ -8253,7 +8253,7 @@
                 </a:tc>
                 <a:extLst>
                   <a:ext uri="{0D108BD9-81ED-4DB2-BD59-A6C34878D82A}">
-                    <a16:rowId xmlns="" xmlns:a16="http://schemas.microsoft.com/office/drawing/2014/main" val="3245955256"/>
+                    <a16:rowId xmlns:a16="http://schemas.microsoft.com/office/drawing/2014/main" xmlns="" val="3245955256"/>
                   </a:ext>
                 </a:extLst>
               </a:tr>
@@ -8305,7 +8305,7 @@
                 </a:tc>
                 <a:extLst>
                   <a:ext uri="{0D108BD9-81ED-4DB2-BD59-A6C34878D82A}">
-                    <a16:rowId xmlns="" xmlns:a16="http://schemas.microsoft.com/office/drawing/2014/main" val="1233959304"/>
+                    <a16:rowId xmlns:a16="http://schemas.microsoft.com/office/drawing/2014/main" xmlns="" val="1233959304"/>
                   </a:ext>
                 </a:extLst>
               </a:tr>
@@ -11877,21 +11877,21 @@
                 <a:gridCol w="873044">
                   <a:extLst>
                     <a:ext uri="{9D8B030D-6E8A-4147-A177-3AD203B41FA5}">
-                      <a16:colId xmlns="" xmlns:a16="http://schemas.microsoft.com/office/drawing/2014/main" val="1842320837"/>
+                      <a16:colId xmlns:a16="http://schemas.microsoft.com/office/drawing/2014/main" xmlns="" val="1842320837"/>
                     </a:ext>
                   </a:extLst>
                 </a:gridCol>
                 <a:gridCol w="717388">
                   <a:extLst>
                     <a:ext uri="{9D8B030D-6E8A-4147-A177-3AD203B41FA5}">
-                      <a16:colId xmlns="" xmlns:a16="http://schemas.microsoft.com/office/drawing/2014/main" val="2038016994"/>
+                      <a16:colId xmlns:a16="http://schemas.microsoft.com/office/drawing/2014/main" xmlns="" val="2038016994"/>
                     </a:ext>
                   </a:extLst>
                 </a:gridCol>
                 <a:gridCol w="1028699">
                   <a:extLst>
                     <a:ext uri="{9D8B030D-6E8A-4147-A177-3AD203B41FA5}">
-                      <a16:colId xmlns="" xmlns:a16="http://schemas.microsoft.com/office/drawing/2014/main" val="3728435139"/>
+                      <a16:colId xmlns:a16="http://schemas.microsoft.com/office/drawing/2014/main" xmlns="" val="3728435139"/>
                     </a:ext>
                   </a:extLst>
                 </a:gridCol>
@@ -11944,7 +11944,7 @@
                 </a:tc>
                 <a:extLst>
                   <a:ext uri="{0D108BD9-81ED-4DB2-BD59-A6C34878D82A}">
-                    <a16:rowId xmlns="" xmlns:a16="http://schemas.microsoft.com/office/drawing/2014/main" val="1025974938"/>
+                    <a16:rowId xmlns:a16="http://schemas.microsoft.com/office/drawing/2014/main" xmlns="" val="1025974938"/>
                   </a:ext>
                 </a:extLst>
               </a:tr>
@@ -11996,7 +11996,7 @@
                 </a:tc>
                 <a:extLst>
                   <a:ext uri="{0D108BD9-81ED-4DB2-BD59-A6C34878D82A}">
-                    <a16:rowId xmlns="" xmlns:a16="http://schemas.microsoft.com/office/drawing/2014/main" val="4077566409"/>
+                    <a16:rowId xmlns:a16="http://schemas.microsoft.com/office/drawing/2014/main" xmlns="" val="4077566409"/>
                   </a:ext>
                 </a:extLst>
               </a:tr>
@@ -12048,7 +12048,7 @@
                 </a:tc>
                 <a:extLst>
                   <a:ext uri="{0D108BD9-81ED-4DB2-BD59-A6C34878D82A}">
-                    <a16:rowId xmlns="" xmlns:a16="http://schemas.microsoft.com/office/drawing/2014/main" val="4214053569"/>
+                    <a16:rowId xmlns:a16="http://schemas.microsoft.com/office/drawing/2014/main" xmlns="" val="4214053569"/>
                   </a:ext>
                 </a:extLst>
               </a:tr>
@@ -12100,7 +12100,7 @@
                 </a:tc>
                 <a:extLst>
                   <a:ext uri="{0D108BD9-81ED-4DB2-BD59-A6C34878D82A}">
-                    <a16:rowId xmlns="" xmlns:a16="http://schemas.microsoft.com/office/drawing/2014/main" val="3475086053"/>
+                    <a16:rowId xmlns:a16="http://schemas.microsoft.com/office/drawing/2014/main" xmlns="" val="3475086053"/>
                   </a:ext>
                 </a:extLst>
               </a:tr>
@@ -12152,7 +12152,7 @@
                 </a:tc>
                 <a:extLst>
                   <a:ext uri="{0D108BD9-81ED-4DB2-BD59-A6C34878D82A}">
-                    <a16:rowId xmlns="" xmlns:a16="http://schemas.microsoft.com/office/drawing/2014/main" val="3245955256"/>
+                    <a16:rowId xmlns:a16="http://schemas.microsoft.com/office/drawing/2014/main" xmlns="" val="3245955256"/>
                   </a:ext>
                 </a:extLst>
               </a:tr>
@@ -12204,7 +12204,7 @@
                 </a:tc>
                 <a:extLst>
                   <a:ext uri="{0D108BD9-81ED-4DB2-BD59-A6C34878D82A}">
-                    <a16:rowId xmlns="" xmlns:a16="http://schemas.microsoft.com/office/drawing/2014/main" val="1233959304"/>
+                    <a16:rowId xmlns:a16="http://schemas.microsoft.com/office/drawing/2014/main" xmlns="" val="1233959304"/>
                   </a:ext>
                 </a:extLst>
               </a:tr>
@@ -15641,21 +15641,21 @@
                 <a:gridCol w="873044">
                   <a:extLst>
                     <a:ext uri="{9D8B030D-6E8A-4147-A177-3AD203B41FA5}">
-                      <a16:colId xmlns="" xmlns:a16="http://schemas.microsoft.com/office/drawing/2014/main" val="1842320837"/>
+                      <a16:colId xmlns:a16="http://schemas.microsoft.com/office/drawing/2014/main" xmlns="" val="1842320837"/>
                     </a:ext>
                   </a:extLst>
                 </a:gridCol>
                 <a:gridCol w="717388">
                   <a:extLst>
                     <a:ext uri="{9D8B030D-6E8A-4147-A177-3AD203B41FA5}">
-                      <a16:colId xmlns="" xmlns:a16="http://schemas.microsoft.com/office/drawing/2014/main" val="2038016994"/>
+                      <a16:colId xmlns:a16="http://schemas.microsoft.com/office/drawing/2014/main" xmlns="" val="2038016994"/>
                     </a:ext>
                   </a:extLst>
                 </a:gridCol>
                 <a:gridCol w="1028699">
                   <a:extLst>
                     <a:ext uri="{9D8B030D-6E8A-4147-A177-3AD203B41FA5}">
-                      <a16:colId xmlns="" xmlns:a16="http://schemas.microsoft.com/office/drawing/2014/main" val="3728435139"/>
+                      <a16:colId xmlns:a16="http://schemas.microsoft.com/office/drawing/2014/main" xmlns="" val="3728435139"/>
                     </a:ext>
                   </a:extLst>
                 </a:gridCol>
@@ -15708,7 +15708,7 @@
                 </a:tc>
                 <a:extLst>
                   <a:ext uri="{0D108BD9-81ED-4DB2-BD59-A6C34878D82A}">
-                    <a16:rowId xmlns="" xmlns:a16="http://schemas.microsoft.com/office/drawing/2014/main" val="1025974938"/>
+                    <a16:rowId xmlns:a16="http://schemas.microsoft.com/office/drawing/2014/main" xmlns="" val="1025974938"/>
                   </a:ext>
                 </a:extLst>
               </a:tr>
@@ -15760,7 +15760,7 @@
                 </a:tc>
                 <a:extLst>
                   <a:ext uri="{0D108BD9-81ED-4DB2-BD59-A6C34878D82A}">
-                    <a16:rowId xmlns="" xmlns:a16="http://schemas.microsoft.com/office/drawing/2014/main" val="4077566409"/>
+                    <a16:rowId xmlns:a16="http://schemas.microsoft.com/office/drawing/2014/main" xmlns="" val="4077566409"/>
                   </a:ext>
                 </a:extLst>
               </a:tr>
@@ -15812,7 +15812,7 @@
                 </a:tc>
                 <a:extLst>
                   <a:ext uri="{0D108BD9-81ED-4DB2-BD59-A6C34878D82A}">
-                    <a16:rowId xmlns="" xmlns:a16="http://schemas.microsoft.com/office/drawing/2014/main" val="4214053569"/>
+                    <a16:rowId xmlns:a16="http://schemas.microsoft.com/office/drawing/2014/main" xmlns="" val="4214053569"/>
                   </a:ext>
                 </a:extLst>
               </a:tr>
@@ -15864,7 +15864,7 @@
                 </a:tc>
                 <a:extLst>
                   <a:ext uri="{0D108BD9-81ED-4DB2-BD59-A6C34878D82A}">
-                    <a16:rowId xmlns="" xmlns:a16="http://schemas.microsoft.com/office/drawing/2014/main" val="3475086053"/>
+                    <a16:rowId xmlns:a16="http://schemas.microsoft.com/office/drawing/2014/main" xmlns="" val="3475086053"/>
                   </a:ext>
                 </a:extLst>
               </a:tr>
@@ -15916,7 +15916,7 @@
                 </a:tc>
                 <a:extLst>
                   <a:ext uri="{0D108BD9-81ED-4DB2-BD59-A6C34878D82A}">
-                    <a16:rowId xmlns="" xmlns:a16="http://schemas.microsoft.com/office/drawing/2014/main" val="3245955256"/>
+                    <a16:rowId xmlns:a16="http://schemas.microsoft.com/office/drawing/2014/main" xmlns="" val="3245955256"/>
                   </a:ext>
                 </a:extLst>
               </a:tr>
@@ -15968,7 +15968,7 @@
                 </a:tc>
                 <a:extLst>
                   <a:ext uri="{0D108BD9-81ED-4DB2-BD59-A6C34878D82A}">
-                    <a16:rowId xmlns="" xmlns:a16="http://schemas.microsoft.com/office/drawing/2014/main" val="1233959304"/>
+                    <a16:rowId xmlns:a16="http://schemas.microsoft.com/office/drawing/2014/main" xmlns="" val="1233959304"/>
                   </a:ext>
                 </a:extLst>
               </a:tr>
@@ -19952,21 +19952,21 @@
                 <a:gridCol w="873044">
                   <a:extLst>
                     <a:ext uri="{9D8B030D-6E8A-4147-A177-3AD203B41FA5}">
-                      <a16:colId xmlns="" xmlns:a16="http://schemas.microsoft.com/office/drawing/2014/main" val="1842320837"/>
+                      <a16:colId xmlns:a16="http://schemas.microsoft.com/office/drawing/2014/main" xmlns="" val="1842320837"/>
                     </a:ext>
                   </a:extLst>
                 </a:gridCol>
                 <a:gridCol w="717388">
                   <a:extLst>
                     <a:ext uri="{9D8B030D-6E8A-4147-A177-3AD203B41FA5}">
-                      <a16:colId xmlns="" xmlns:a16="http://schemas.microsoft.com/office/drawing/2014/main" val="2038016994"/>
+                      <a16:colId xmlns:a16="http://schemas.microsoft.com/office/drawing/2014/main" xmlns="" val="2038016994"/>
                     </a:ext>
                   </a:extLst>
                 </a:gridCol>
                 <a:gridCol w="1028699">
                   <a:extLst>
                     <a:ext uri="{9D8B030D-6E8A-4147-A177-3AD203B41FA5}">
-                      <a16:colId xmlns="" xmlns:a16="http://schemas.microsoft.com/office/drawing/2014/main" val="3728435139"/>
+                      <a16:colId xmlns:a16="http://schemas.microsoft.com/office/drawing/2014/main" xmlns="" val="3728435139"/>
                     </a:ext>
                   </a:extLst>
                 </a:gridCol>
@@ -20019,7 +20019,7 @@
                 </a:tc>
                 <a:extLst>
                   <a:ext uri="{0D108BD9-81ED-4DB2-BD59-A6C34878D82A}">
-                    <a16:rowId xmlns="" xmlns:a16="http://schemas.microsoft.com/office/drawing/2014/main" val="1025974938"/>
+                    <a16:rowId xmlns:a16="http://schemas.microsoft.com/office/drawing/2014/main" xmlns="" val="1025974938"/>
                   </a:ext>
                 </a:extLst>
               </a:tr>
@@ -20071,7 +20071,7 @@
                 </a:tc>
                 <a:extLst>
                   <a:ext uri="{0D108BD9-81ED-4DB2-BD59-A6C34878D82A}">
-                    <a16:rowId xmlns="" xmlns:a16="http://schemas.microsoft.com/office/drawing/2014/main" val="4077566409"/>
+                    <a16:rowId xmlns:a16="http://schemas.microsoft.com/office/drawing/2014/main" xmlns="" val="4077566409"/>
                   </a:ext>
                 </a:extLst>
               </a:tr>
@@ -20123,7 +20123,7 @@
                 </a:tc>
                 <a:extLst>
                   <a:ext uri="{0D108BD9-81ED-4DB2-BD59-A6C34878D82A}">
-                    <a16:rowId xmlns="" xmlns:a16="http://schemas.microsoft.com/office/drawing/2014/main" val="4214053569"/>
+                    <a16:rowId xmlns:a16="http://schemas.microsoft.com/office/drawing/2014/main" xmlns="" val="4214053569"/>
                   </a:ext>
                 </a:extLst>
               </a:tr>
@@ -20175,7 +20175,7 @@
                 </a:tc>
                 <a:extLst>
                   <a:ext uri="{0D108BD9-81ED-4DB2-BD59-A6C34878D82A}">
-                    <a16:rowId xmlns="" xmlns:a16="http://schemas.microsoft.com/office/drawing/2014/main" val="3475086053"/>
+                    <a16:rowId xmlns:a16="http://schemas.microsoft.com/office/drawing/2014/main" xmlns="" val="3475086053"/>
                   </a:ext>
                 </a:extLst>
               </a:tr>
@@ -20227,7 +20227,7 @@
                 </a:tc>
                 <a:extLst>
                   <a:ext uri="{0D108BD9-81ED-4DB2-BD59-A6C34878D82A}">
-                    <a16:rowId xmlns="" xmlns:a16="http://schemas.microsoft.com/office/drawing/2014/main" val="3245955256"/>
+                    <a16:rowId xmlns:a16="http://schemas.microsoft.com/office/drawing/2014/main" xmlns="" val="3245955256"/>
                   </a:ext>
                 </a:extLst>
               </a:tr>
@@ -20279,7 +20279,7 @@
                 </a:tc>
                 <a:extLst>
                   <a:ext uri="{0D108BD9-81ED-4DB2-BD59-A6C34878D82A}">
-                    <a16:rowId xmlns="" xmlns:a16="http://schemas.microsoft.com/office/drawing/2014/main" val="1233959304"/>
+                    <a16:rowId xmlns:a16="http://schemas.microsoft.com/office/drawing/2014/main" xmlns="" val="1233959304"/>
                   </a:ext>
                 </a:extLst>
               </a:tr>
@@ -24421,21 +24421,21 @@
                 <a:gridCol w="873044">
                   <a:extLst>
                     <a:ext uri="{9D8B030D-6E8A-4147-A177-3AD203B41FA5}">
-                      <a16:colId xmlns="" xmlns:a16="http://schemas.microsoft.com/office/drawing/2014/main" val="1842320837"/>
+                      <a16:colId xmlns:a16="http://schemas.microsoft.com/office/drawing/2014/main" xmlns="" val="1842320837"/>
                     </a:ext>
                   </a:extLst>
                 </a:gridCol>
                 <a:gridCol w="717388">
                   <a:extLst>
                     <a:ext uri="{9D8B030D-6E8A-4147-A177-3AD203B41FA5}">
-                      <a16:colId xmlns="" xmlns:a16="http://schemas.microsoft.com/office/drawing/2014/main" val="2038016994"/>
+                      <a16:colId xmlns:a16="http://schemas.microsoft.com/office/drawing/2014/main" xmlns="" val="2038016994"/>
                     </a:ext>
                   </a:extLst>
                 </a:gridCol>
                 <a:gridCol w="1028699">
                   <a:extLst>
                     <a:ext uri="{9D8B030D-6E8A-4147-A177-3AD203B41FA5}">
-                      <a16:colId xmlns="" xmlns:a16="http://schemas.microsoft.com/office/drawing/2014/main" val="3728435139"/>
+                      <a16:colId xmlns:a16="http://schemas.microsoft.com/office/drawing/2014/main" xmlns="" val="3728435139"/>
                     </a:ext>
                   </a:extLst>
                 </a:gridCol>
@@ -24488,7 +24488,7 @@
                 </a:tc>
                 <a:extLst>
                   <a:ext uri="{0D108BD9-81ED-4DB2-BD59-A6C34878D82A}">
-                    <a16:rowId xmlns="" xmlns:a16="http://schemas.microsoft.com/office/drawing/2014/main" val="1025974938"/>
+                    <a16:rowId xmlns:a16="http://schemas.microsoft.com/office/drawing/2014/main" xmlns="" val="1025974938"/>
                   </a:ext>
                 </a:extLst>
               </a:tr>
@@ -24540,7 +24540,7 @@
                 </a:tc>
                 <a:extLst>
                   <a:ext uri="{0D108BD9-81ED-4DB2-BD59-A6C34878D82A}">
-                    <a16:rowId xmlns="" xmlns:a16="http://schemas.microsoft.com/office/drawing/2014/main" val="4077566409"/>
+                    <a16:rowId xmlns:a16="http://schemas.microsoft.com/office/drawing/2014/main" xmlns="" val="4077566409"/>
                   </a:ext>
                 </a:extLst>
               </a:tr>
@@ -24592,7 +24592,7 @@
                 </a:tc>
                 <a:extLst>
                   <a:ext uri="{0D108BD9-81ED-4DB2-BD59-A6C34878D82A}">
-                    <a16:rowId xmlns="" xmlns:a16="http://schemas.microsoft.com/office/drawing/2014/main" val="4214053569"/>
+                    <a16:rowId xmlns:a16="http://schemas.microsoft.com/office/drawing/2014/main" xmlns="" val="4214053569"/>
                   </a:ext>
                 </a:extLst>
               </a:tr>
@@ -24644,7 +24644,7 @@
                 </a:tc>
                 <a:extLst>
                   <a:ext uri="{0D108BD9-81ED-4DB2-BD59-A6C34878D82A}">
-                    <a16:rowId xmlns="" xmlns:a16="http://schemas.microsoft.com/office/drawing/2014/main" val="3475086053"/>
+                    <a16:rowId xmlns:a16="http://schemas.microsoft.com/office/drawing/2014/main" xmlns="" val="3475086053"/>
                   </a:ext>
                 </a:extLst>
               </a:tr>
@@ -24696,7 +24696,7 @@
                 </a:tc>
                 <a:extLst>
                   <a:ext uri="{0D108BD9-81ED-4DB2-BD59-A6C34878D82A}">
-                    <a16:rowId xmlns="" xmlns:a16="http://schemas.microsoft.com/office/drawing/2014/main" val="3245955256"/>
+                    <a16:rowId xmlns:a16="http://schemas.microsoft.com/office/drawing/2014/main" xmlns="" val="3245955256"/>
                   </a:ext>
                 </a:extLst>
               </a:tr>
@@ -24748,7 +24748,7 @@
                 </a:tc>
                 <a:extLst>
                   <a:ext uri="{0D108BD9-81ED-4DB2-BD59-A6C34878D82A}">
-                    <a16:rowId xmlns="" xmlns:a16="http://schemas.microsoft.com/office/drawing/2014/main" val="1233959304"/>
+                    <a16:rowId xmlns:a16="http://schemas.microsoft.com/office/drawing/2014/main" xmlns="" val="1233959304"/>
                   </a:ext>
                 </a:extLst>
               </a:tr>
@@ -25908,21 +25908,21 @@
                 <a:gridCol w="873044">
                   <a:extLst>
                     <a:ext uri="{9D8B030D-6E8A-4147-A177-3AD203B41FA5}">
-                      <a16:colId xmlns="" xmlns:a16="http://schemas.microsoft.com/office/drawing/2014/main" val="1842320837"/>
+                      <a16:colId xmlns:a16="http://schemas.microsoft.com/office/drawing/2014/main" xmlns="" val="1842320837"/>
                     </a:ext>
                   </a:extLst>
                 </a:gridCol>
                 <a:gridCol w="717388">
                   <a:extLst>
                     <a:ext uri="{9D8B030D-6E8A-4147-A177-3AD203B41FA5}">
-                      <a16:colId xmlns="" xmlns:a16="http://schemas.microsoft.com/office/drawing/2014/main" val="2038016994"/>
+                      <a16:colId xmlns:a16="http://schemas.microsoft.com/office/drawing/2014/main" xmlns="" val="2038016994"/>
                     </a:ext>
                   </a:extLst>
                 </a:gridCol>
                 <a:gridCol w="1028699">
                   <a:extLst>
                     <a:ext uri="{9D8B030D-6E8A-4147-A177-3AD203B41FA5}">
-                      <a16:colId xmlns="" xmlns:a16="http://schemas.microsoft.com/office/drawing/2014/main" val="3728435139"/>
+                      <a16:colId xmlns:a16="http://schemas.microsoft.com/office/drawing/2014/main" xmlns="" val="3728435139"/>
                     </a:ext>
                   </a:extLst>
                 </a:gridCol>
@@ -25975,7 +25975,7 @@
                 </a:tc>
                 <a:extLst>
                   <a:ext uri="{0D108BD9-81ED-4DB2-BD59-A6C34878D82A}">
-                    <a16:rowId xmlns="" xmlns:a16="http://schemas.microsoft.com/office/drawing/2014/main" val="1025974938"/>
+                    <a16:rowId xmlns:a16="http://schemas.microsoft.com/office/drawing/2014/main" xmlns="" val="1025974938"/>
                   </a:ext>
                 </a:extLst>
               </a:tr>
@@ -26027,7 +26027,7 @@
                 </a:tc>
                 <a:extLst>
                   <a:ext uri="{0D108BD9-81ED-4DB2-BD59-A6C34878D82A}">
-                    <a16:rowId xmlns="" xmlns:a16="http://schemas.microsoft.com/office/drawing/2014/main" val="4077566409"/>
+                    <a16:rowId xmlns:a16="http://schemas.microsoft.com/office/drawing/2014/main" xmlns="" val="4077566409"/>
                   </a:ext>
                 </a:extLst>
               </a:tr>
@@ -26079,7 +26079,7 @@
                 </a:tc>
                 <a:extLst>
                   <a:ext uri="{0D108BD9-81ED-4DB2-BD59-A6C34878D82A}">
-                    <a16:rowId xmlns="" xmlns:a16="http://schemas.microsoft.com/office/drawing/2014/main" val="4214053569"/>
+                    <a16:rowId xmlns:a16="http://schemas.microsoft.com/office/drawing/2014/main" xmlns="" val="4214053569"/>
                   </a:ext>
                 </a:extLst>
               </a:tr>
@@ -26131,7 +26131,7 @@
                 </a:tc>
                 <a:extLst>
                   <a:ext uri="{0D108BD9-81ED-4DB2-BD59-A6C34878D82A}">
-                    <a16:rowId xmlns="" xmlns:a16="http://schemas.microsoft.com/office/drawing/2014/main" val="3475086053"/>
+                    <a16:rowId xmlns:a16="http://schemas.microsoft.com/office/drawing/2014/main" xmlns="" val="3475086053"/>
                   </a:ext>
                 </a:extLst>
               </a:tr>
@@ -26183,7 +26183,7 @@
                 </a:tc>
                 <a:extLst>
                   <a:ext uri="{0D108BD9-81ED-4DB2-BD59-A6C34878D82A}">
-                    <a16:rowId xmlns="" xmlns:a16="http://schemas.microsoft.com/office/drawing/2014/main" val="3245955256"/>
+                    <a16:rowId xmlns:a16="http://schemas.microsoft.com/office/drawing/2014/main" xmlns="" val="3245955256"/>
                   </a:ext>
                 </a:extLst>
               </a:tr>
@@ -26235,7 +26235,7 @@
                 </a:tc>
                 <a:extLst>
                   <a:ext uri="{0D108BD9-81ED-4DB2-BD59-A6C34878D82A}">
-                    <a16:rowId xmlns="" xmlns:a16="http://schemas.microsoft.com/office/drawing/2014/main" val="1233959304"/>
+                    <a16:rowId xmlns:a16="http://schemas.microsoft.com/office/drawing/2014/main" xmlns="" val="1233959304"/>
                   </a:ext>
                 </a:extLst>
               </a:tr>
@@ -27622,21 +27622,21 @@
                 <a:gridCol w="873044">
                   <a:extLst>
                     <a:ext uri="{9D8B030D-6E8A-4147-A177-3AD203B41FA5}">
-                      <a16:colId xmlns="" xmlns:a16="http://schemas.microsoft.com/office/drawing/2014/main" val="1842320837"/>
+                      <a16:colId xmlns:a16="http://schemas.microsoft.com/office/drawing/2014/main" xmlns="" val="1842320837"/>
                     </a:ext>
                   </a:extLst>
                 </a:gridCol>
                 <a:gridCol w="717388">
                   <a:extLst>
                     <a:ext uri="{9D8B030D-6E8A-4147-A177-3AD203B41FA5}">
-                      <a16:colId xmlns="" xmlns:a16="http://schemas.microsoft.com/office/drawing/2014/main" val="2038016994"/>
+                      <a16:colId xmlns:a16="http://schemas.microsoft.com/office/drawing/2014/main" xmlns="" val="2038016994"/>
                     </a:ext>
                   </a:extLst>
                 </a:gridCol>
                 <a:gridCol w="1028699">
                   <a:extLst>
                     <a:ext uri="{9D8B030D-6E8A-4147-A177-3AD203B41FA5}">
-                      <a16:colId xmlns="" xmlns:a16="http://schemas.microsoft.com/office/drawing/2014/main" val="3728435139"/>
+                      <a16:colId xmlns:a16="http://schemas.microsoft.com/office/drawing/2014/main" xmlns="" val="3728435139"/>
                     </a:ext>
                   </a:extLst>
                 </a:gridCol>
@@ -27689,7 +27689,7 @@
                 </a:tc>
                 <a:extLst>
                   <a:ext uri="{0D108BD9-81ED-4DB2-BD59-A6C34878D82A}">
-                    <a16:rowId xmlns="" xmlns:a16="http://schemas.microsoft.com/office/drawing/2014/main" val="1025974938"/>
+                    <a16:rowId xmlns:a16="http://schemas.microsoft.com/office/drawing/2014/main" xmlns="" val="1025974938"/>
                   </a:ext>
                 </a:extLst>
               </a:tr>
@@ -27741,7 +27741,7 @@
                 </a:tc>
                 <a:extLst>
                   <a:ext uri="{0D108BD9-81ED-4DB2-BD59-A6C34878D82A}">
-                    <a16:rowId xmlns="" xmlns:a16="http://schemas.microsoft.com/office/drawing/2014/main" val="4077566409"/>
+                    <a16:rowId xmlns:a16="http://schemas.microsoft.com/office/drawing/2014/main" xmlns="" val="4077566409"/>
                   </a:ext>
                 </a:extLst>
               </a:tr>
@@ -27793,7 +27793,7 @@
                 </a:tc>
                 <a:extLst>
                   <a:ext uri="{0D108BD9-81ED-4DB2-BD59-A6C34878D82A}">
-                    <a16:rowId xmlns="" xmlns:a16="http://schemas.microsoft.com/office/drawing/2014/main" val="4214053569"/>
+                    <a16:rowId xmlns:a16="http://schemas.microsoft.com/office/drawing/2014/main" xmlns="" val="4214053569"/>
                   </a:ext>
                 </a:extLst>
               </a:tr>
@@ -27845,7 +27845,7 @@
                 </a:tc>
                 <a:extLst>
                   <a:ext uri="{0D108BD9-81ED-4DB2-BD59-A6C34878D82A}">
-                    <a16:rowId xmlns="" xmlns:a16="http://schemas.microsoft.com/office/drawing/2014/main" val="3475086053"/>
+                    <a16:rowId xmlns:a16="http://schemas.microsoft.com/office/drawing/2014/main" xmlns="" val="3475086053"/>
                   </a:ext>
                 </a:extLst>
               </a:tr>
@@ -27897,7 +27897,7 @@
                 </a:tc>
                 <a:extLst>
                   <a:ext uri="{0D108BD9-81ED-4DB2-BD59-A6C34878D82A}">
-                    <a16:rowId xmlns="" xmlns:a16="http://schemas.microsoft.com/office/drawing/2014/main" val="3245955256"/>
+                    <a16:rowId xmlns:a16="http://schemas.microsoft.com/office/drawing/2014/main" xmlns="" val="3245955256"/>
                   </a:ext>
                 </a:extLst>
               </a:tr>
@@ -27949,7 +27949,7 @@
                 </a:tc>
                 <a:extLst>
                   <a:ext uri="{0D108BD9-81ED-4DB2-BD59-A6C34878D82A}">
-                    <a16:rowId xmlns="" xmlns:a16="http://schemas.microsoft.com/office/drawing/2014/main" val="1233959304"/>
+                    <a16:rowId xmlns:a16="http://schemas.microsoft.com/office/drawing/2014/main" xmlns="" val="1233959304"/>
                   </a:ext>
                 </a:extLst>
               </a:tr>
@@ -29563,21 +29563,21 @@
                 <a:gridCol w="873044">
                   <a:extLst>
                     <a:ext uri="{9D8B030D-6E8A-4147-A177-3AD203B41FA5}">
-                      <a16:colId xmlns="" xmlns:a16="http://schemas.microsoft.com/office/drawing/2014/main" val="1842320837"/>
+                      <a16:colId xmlns:a16="http://schemas.microsoft.com/office/drawing/2014/main" xmlns="" val="1842320837"/>
                     </a:ext>
                   </a:extLst>
                 </a:gridCol>
                 <a:gridCol w="717388">
                   <a:extLst>
                     <a:ext uri="{9D8B030D-6E8A-4147-A177-3AD203B41FA5}">
-                      <a16:colId xmlns="" xmlns:a16="http://schemas.microsoft.com/office/drawing/2014/main" val="2038016994"/>
+                      <a16:colId xmlns:a16="http://schemas.microsoft.com/office/drawing/2014/main" xmlns="" val="2038016994"/>
                     </a:ext>
                   </a:extLst>
                 </a:gridCol>
                 <a:gridCol w="1028699">
                   <a:extLst>
                     <a:ext uri="{9D8B030D-6E8A-4147-A177-3AD203B41FA5}">
-                      <a16:colId xmlns="" xmlns:a16="http://schemas.microsoft.com/office/drawing/2014/main" val="3728435139"/>
+                      <a16:colId xmlns:a16="http://schemas.microsoft.com/office/drawing/2014/main" xmlns="" val="3728435139"/>
                     </a:ext>
                   </a:extLst>
                 </a:gridCol>
@@ -29630,7 +29630,7 @@
                 </a:tc>
                 <a:extLst>
                   <a:ext uri="{0D108BD9-81ED-4DB2-BD59-A6C34878D82A}">
-                    <a16:rowId xmlns="" xmlns:a16="http://schemas.microsoft.com/office/drawing/2014/main" val="1025974938"/>
+                    <a16:rowId xmlns:a16="http://schemas.microsoft.com/office/drawing/2014/main" xmlns="" val="1025974938"/>
                   </a:ext>
                 </a:extLst>
               </a:tr>
@@ -29682,7 +29682,7 @@
                 </a:tc>
                 <a:extLst>
                   <a:ext uri="{0D108BD9-81ED-4DB2-BD59-A6C34878D82A}">
-                    <a16:rowId xmlns="" xmlns:a16="http://schemas.microsoft.com/office/drawing/2014/main" val="4077566409"/>
+                    <a16:rowId xmlns:a16="http://schemas.microsoft.com/office/drawing/2014/main" xmlns="" val="4077566409"/>
                   </a:ext>
                 </a:extLst>
               </a:tr>
@@ -29734,7 +29734,7 @@
                 </a:tc>
                 <a:extLst>
                   <a:ext uri="{0D108BD9-81ED-4DB2-BD59-A6C34878D82A}">
-                    <a16:rowId xmlns="" xmlns:a16="http://schemas.microsoft.com/office/drawing/2014/main" val="4214053569"/>
+                    <a16:rowId xmlns:a16="http://schemas.microsoft.com/office/drawing/2014/main" xmlns="" val="4214053569"/>
                   </a:ext>
                 </a:extLst>
               </a:tr>
@@ -29786,7 +29786,7 @@
                 </a:tc>
                 <a:extLst>
                   <a:ext uri="{0D108BD9-81ED-4DB2-BD59-A6C34878D82A}">
-                    <a16:rowId xmlns="" xmlns:a16="http://schemas.microsoft.com/office/drawing/2014/main" val="3475086053"/>
+                    <a16:rowId xmlns:a16="http://schemas.microsoft.com/office/drawing/2014/main" xmlns="" val="3475086053"/>
                   </a:ext>
                 </a:extLst>
               </a:tr>
@@ -29838,7 +29838,7 @@
                 </a:tc>
                 <a:extLst>
                   <a:ext uri="{0D108BD9-81ED-4DB2-BD59-A6C34878D82A}">
-                    <a16:rowId xmlns="" xmlns:a16="http://schemas.microsoft.com/office/drawing/2014/main" val="3245955256"/>
+                    <a16:rowId xmlns:a16="http://schemas.microsoft.com/office/drawing/2014/main" xmlns="" val="3245955256"/>
                   </a:ext>
                 </a:extLst>
               </a:tr>
@@ -29890,7 +29890,7 @@
                 </a:tc>
                 <a:extLst>
                   <a:ext uri="{0D108BD9-81ED-4DB2-BD59-A6C34878D82A}">
-                    <a16:rowId xmlns="" xmlns:a16="http://schemas.microsoft.com/office/drawing/2014/main" val="1233959304"/>
+                    <a16:rowId xmlns:a16="http://schemas.microsoft.com/office/drawing/2014/main" xmlns="" val="1233959304"/>
                   </a:ext>
                 </a:extLst>
               </a:tr>
@@ -31740,21 +31740,21 @@
                 <a:gridCol w="873044">
                   <a:extLst>
                     <a:ext uri="{9D8B030D-6E8A-4147-A177-3AD203B41FA5}">
-                      <a16:colId xmlns="" xmlns:a16="http://schemas.microsoft.com/office/drawing/2014/main" val="1842320837"/>
+                      <a16:colId xmlns:a16="http://schemas.microsoft.com/office/drawing/2014/main" xmlns="" val="1842320837"/>
                     </a:ext>
                   </a:extLst>
                 </a:gridCol>
                 <a:gridCol w="717388">
                   <a:extLst>
                     <a:ext uri="{9D8B030D-6E8A-4147-A177-3AD203B41FA5}">
-                      <a16:colId xmlns="" xmlns:a16="http://schemas.microsoft.com/office/drawing/2014/main" val="2038016994"/>
+                      <a16:colId xmlns:a16="http://schemas.microsoft.com/office/drawing/2014/main" xmlns="" val="2038016994"/>
                     </a:ext>
                   </a:extLst>
                 </a:gridCol>
                 <a:gridCol w="1028699">
                   <a:extLst>
                     <a:ext uri="{9D8B030D-6E8A-4147-A177-3AD203B41FA5}">
-                      <a16:colId xmlns="" xmlns:a16="http://schemas.microsoft.com/office/drawing/2014/main" val="3728435139"/>
+                      <a16:colId xmlns:a16="http://schemas.microsoft.com/office/drawing/2014/main" xmlns="" val="3728435139"/>
                     </a:ext>
                   </a:extLst>
                 </a:gridCol>
@@ -31807,7 +31807,7 @@
                 </a:tc>
                 <a:extLst>
                   <a:ext uri="{0D108BD9-81ED-4DB2-BD59-A6C34878D82A}">
-                    <a16:rowId xmlns="" xmlns:a16="http://schemas.microsoft.com/office/drawing/2014/main" val="1025974938"/>
+                    <a16:rowId xmlns:a16="http://schemas.microsoft.com/office/drawing/2014/main" xmlns="" val="1025974938"/>
                   </a:ext>
                 </a:extLst>
               </a:tr>
@@ -31859,7 +31859,7 @@
                 </a:tc>
                 <a:extLst>
                   <a:ext uri="{0D108BD9-81ED-4DB2-BD59-A6C34878D82A}">
-                    <a16:rowId xmlns="" xmlns:a16="http://schemas.microsoft.com/office/drawing/2014/main" val="4077566409"/>
+                    <a16:rowId xmlns:a16="http://schemas.microsoft.com/office/drawing/2014/main" xmlns="" val="4077566409"/>
                   </a:ext>
                 </a:extLst>
               </a:tr>
@@ -31911,7 +31911,7 @@
                 </a:tc>
                 <a:extLst>
                   <a:ext uri="{0D108BD9-81ED-4DB2-BD59-A6C34878D82A}">
-                    <a16:rowId xmlns="" xmlns:a16="http://schemas.microsoft.com/office/drawing/2014/main" val="4214053569"/>
+                    <a16:rowId xmlns:a16="http://schemas.microsoft.com/office/drawing/2014/main" xmlns="" val="4214053569"/>
                   </a:ext>
                 </a:extLst>
               </a:tr>
@@ -31963,7 +31963,7 @@
                 </a:tc>
                 <a:extLst>
                   <a:ext uri="{0D108BD9-81ED-4DB2-BD59-A6C34878D82A}">
-                    <a16:rowId xmlns="" xmlns:a16="http://schemas.microsoft.com/office/drawing/2014/main" val="3475086053"/>
+                    <a16:rowId xmlns:a16="http://schemas.microsoft.com/office/drawing/2014/main" xmlns="" val="3475086053"/>
                   </a:ext>
                 </a:extLst>
               </a:tr>
@@ -32015,7 +32015,7 @@
                 </a:tc>
                 <a:extLst>
                   <a:ext uri="{0D108BD9-81ED-4DB2-BD59-A6C34878D82A}">
-                    <a16:rowId xmlns="" xmlns:a16="http://schemas.microsoft.com/office/drawing/2014/main" val="3245955256"/>
+                    <a16:rowId xmlns:a16="http://schemas.microsoft.com/office/drawing/2014/main" xmlns="" val="3245955256"/>
                   </a:ext>
                 </a:extLst>
               </a:tr>
@@ -32067,7 +32067,7 @@
                 </a:tc>
                 <a:extLst>
                   <a:ext uri="{0D108BD9-81ED-4DB2-BD59-A6C34878D82A}">
-                    <a16:rowId xmlns="" xmlns:a16="http://schemas.microsoft.com/office/drawing/2014/main" val="1233959304"/>
+                    <a16:rowId xmlns:a16="http://schemas.microsoft.com/office/drawing/2014/main" xmlns="" val="1233959304"/>
                   </a:ext>
                 </a:extLst>
               </a:tr>
@@ -34486,21 +34486,21 @@
                 <a:gridCol w="873044">
                   <a:extLst>
                     <a:ext uri="{9D8B030D-6E8A-4147-A177-3AD203B41FA5}">
-                      <a16:colId xmlns="" xmlns:a16="http://schemas.microsoft.com/office/drawing/2014/main" val="1842320837"/>
+                      <a16:colId xmlns:a16="http://schemas.microsoft.com/office/drawing/2014/main" xmlns="" val="1842320837"/>
                     </a:ext>
                   </a:extLst>
                 </a:gridCol>
                 <a:gridCol w="717388">
                   <a:extLst>
                     <a:ext uri="{9D8B030D-6E8A-4147-A177-3AD203B41FA5}">
-                      <a16:colId xmlns="" xmlns:a16="http://schemas.microsoft.com/office/drawing/2014/main" val="2038016994"/>
+                      <a16:colId xmlns:a16="http://schemas.microsoft.com/office/drawing/2014/main" xmlns="" val="2038016994"/>
                     </a:ext>
                   </a:extLst>
                 </a:gridCol>
                 <a:gridCol w="1028699">
                   <a:extLst>
                     <a:ext uri="{9D8B030D-6E8A-4147-A177-3AD203B41FA5}">
-                      <a16:colId xmlns="" xmlns:a16="http://schemas.microsoft.com/office/drawing/2014/main" val="3728435139"/>
+                      <a16:colId xmlns:a16="http://schemas.microsoft.com/office/drawing/2014/main" xmlns="" val="3728435139"/>
                     </a:ext>
                   </a:extLst>
                 </a:gridCol>
@@ -34553,7 +34553,7 @@
                 </a:tc>
                 <a:extLst>
                   <a:ext uri="{0D108BD9-81ED-4DB2-BD59-A6C34878D82A}">
-                    <a16:rowId xmlns="" xmlns:a16="http://schemas.microsoft.com/office/drawing/2014/main" val="1025974938"/>
+                    <a16:rowId xmlns:a16="http://schemas.microsoft.com/office/drawing/2014/main" xmlns="" val="1025974938"/>
                   </a:ext>
                 </a:extLst>
               </a:tr>
@@ -34605,7 +34605,7 @@
                 </a:tc>
                 <a:extLst>
                   <a:ext uri="{0D108BD9-81ED-4DB2-BD59-A6C34878D82A}">
-                    <a16:rowId xmlns="" xmlns:a16="http://schemas.microsoft.com/office/drawing/2014/main" val="4077566409"/>
+                    <a16:rowId xmlns:a16="http://schemas.microsoft.com/office/drawing/2014/main" xmlns="" val="4077566409"/>
                   </a:ext>
                 </a:extLst>
               </a:tr>
@@ -34657,7 +34657,7 @@
                 </a:tc>
                 <a:extLst>
                   <a:ext uri="{0D108BD9-81ED-4DB2-BD59-A6C34878D82A}">
-                    <a16:rowId xmlns="" xmlns:a16="http://schemas.microsoft.com/office/drawing/2014/main" val="4214053569"/>
+                    <a16:rowId xmlns:a16="http://schemas.microsoft.com/office/drawing/2014/main" xmlns="" val="4214053569"/>
                   </a:ext>
                 </a:extLst>
               </a:tr>
@@ -34709,7 +34709,7 @@
                 </a:tc>
                 <a:extLst>
                   <a:ext uri="{0D108BD9-81ED-4DB2-BD59-A6C34878D82A}">
-                    <a16:rowId xmlns="" xmlns:a16="http://schemas.microsoft.com/office/drawing/2014/main" val="3475086053"/>
+                    <a16:rowId xmlns:a16="http://schemas.microsoft.com/office/drawing/2014/main" xmlns="" val="3475086053"/>
                   </a:ext>
                 </a:extLst>
               </a:tr>
@@ -34761,7 +34761,7 @@
                 </a:tc>
                 <a:extLst>
                   <a:ext uri="{0D108BD9-81ED-4DB2-BD59-A6C34878D82A}">
-                    <a16:rowId xmlns="" xmlns:a16="http://schemas.microsoft.com/office/drawing/2014/main" val="3245955256"/>
+                    <a16:rowId xmlns:a16="http://schemas.microsoft.com/office/drawing/2014/main" xmlns="" val="3245955256"/>
                   </a:ext>
                 </a:extLst>
               </a:tr>
@@ -34813,7 +34813,7 @@
                 </a:tc>
                 <a:extLst>
                   <a:ext uri="{0D108BD9-81ED-4DB2-BD59-A6C34878D82A}">
-                    <a16:rowId xmlns="" xmlns:a16="http://schemas.microsoft.com/office/drawing/2014/main" val="1233959304"/>
+                    <a16:rowId xmlns:a16="http://schemas.microsoft.com/office/drawing/2014/main" xmlns="" val="1233959304"/>
                   </a:ext>
                 </a:extLst>
               </a:tr>
@@ -37122,21 +37122,21 @@
                 <a:gridCol w="873044">
                   <a:extLst>
                     <a:ext uri="{9D8B030D-6E8A-4147-A177-3AD203B41FA5}">
-                      <a16:colId xmlns="" xmlns:a16="http://schemas.microsoft.com/office/drawing/2014/main" val="1842320837"/>
+                      <a16:colId xmlns:a16="http://schemas.microsoft.com/office/drawing/2014/main" xmlns="" val="1842320837"/>
                     </a:ext>
                   </a:extLst>
                 </a:gridCol>
                 <a:gridCol w="717388">
                   <a:extLst>
                     <a:ext uri="{9D8B030D-6E8A-4147-A177-3AD203B41FA5}">
-                      <a16:colId xmlns="" xmlns:a16="http://schemas.microsoft.com/office/drawing/2014/main" val="2038016994"/>
+                      <a16:colId xmlns:a16="http://schemas.microsoft.com/office/drawing/2014/main" xmlns="" val="2038016994"/>
                     </a:ext>
                   </a:extLst>
                 </a:gridCol>
                 <a:gridCol w="1028699">
                   <a:extLst>
                     <a:ext uri="{9D8B030D-6E8A-4147-A177-3AD203B41FA5}">
-                      <a16:colId xmlns="" xmlns:a16="http://schemas.microsoft.com/office/drawing/2014/main" val="3728435139"/>
+                      <a16:colId xmlns:a16="http://schemas.microsoft.com/office/drawing/2014/main" xmlns="" val="3728435139"/>
                     </a:ext>
                   </a:extLst>
                 </a:gridCol>
@@ -37189,7 +37189,7 @@
                 </a:tc>
                 <a:extLst>
                   <a:ext uri="{0D108BD9-81ED-4DB2-BD59-A6C34878D82A}">
-                    <a16:rowId xmlns="" xmlns:a16="http://schemas.microsoft.com/office/drawing/2014/main" val="1025974938"/>
+                    <a16:rowId xmlns:a16="http://schemas.microsoft.com/office/drawing/2014/main" xmlns="" val="1025974938"/>
                   </a:ext>
                 </a:extLst>
               </a:tr>
@@ -37241,7 +37241,7 @@
                 </a:tc>
                 <a:extLst>
                   <a:ext uri="{0D108BD9-81ED-4DB2-BD59-A6C34878D82A}">
-                    <a16:rowId xmlns="" xmlns:a16="http://schemas.microsoft.com/office/drawing/2014/main" val="4077566409"/>
+                    <a16:rowId xmlns:a16="http://schemas.microsoft.com/office/drawing/2014/main" xmlns="" val="4077566409"/>
                   </a:ext>
                 </a:extLst>
               </a:tr>
@@ -37293,7 +37293,7 @@
                 </a:tc>
                 <a:extLst>
                   <a:ext uri="{0D108BD9-81ED-4DB2-BD59-A6C34878D82A}">
-                    <a16:rowId xmlns="" xmlns:a16="http://schemas.microsoft.com/office/drawing/2014/main" val="4214053569"/>
+                    <a16:rowId xmlns:a16="http://schemas.microsoft.com/office/drawing/2014/main" xmlns="" val="4214053569"/>
                   </a:ext>
                 </a:extLst>
               </a:tr>
@@ -37345,7 +37345,7 @@
                 </a:tc>
                 <a:extLst>
                   <a:ext uri="{0D108BD9-81ED-4DB2-BD59-A6C34878D82A}">
-                    <a16:rowId xmlns="" xmlns:a16="http://schemas.microsoft.com/office/drawing/2014/main" val="3475086053"/>
+                    <a16:rowId xmlns:a16="http://schemas.microsoft.com/office/drawing/2014/main" xmlns="" val="3475086053"/>
                   </a:ext>
                 </a:extLst>
               </a:tr>
@@ -37397,7 +37397,7 @@
                 </a:tc>
                 <a:extLst>
                   <a:ext uri="{0D108BD9-81ED-4DB2-BD59-A6C34878D82A}">
-                    <a16:rowId xmlns="" xmlns:a16="http://schemas.microsoft.com/office/drawing/2014/main" val="3245955256"/>
+                    <a16:rowId xmlns:a16="http://schemas.microsoft.com/office/drawing/2014/main" xmlns="" val="3245955256"/>
                   </a:ext>
                 </a:extLst>
               </a:tr>
@@ -37449,7 +37449,7 @@
                 </a:tc>
                 <a:extLst>
                   <a:ext uri="{0D108BD9-81ED-4DB2-BD59-A6C34878D82A}">
-                    <a16:rowId xmlns="" xmlns:a16="http://schemas.microsoft.com/office/drawing/2014/main" val="1233959304"/>
+                    <a16:rowId xmlns:a16="http://schemas.microsoft.com/office/drawing/2014/main" xmlns="" val="1233959304"/>
                   </a:ext>
                 </a:extLst>
               </a:tr>
@@ -39965,21 +39965,21 @@
                 <a:gridCol w="873044">
                   <a:extLst>
                     <a:ext uri="{9D8B030D-6E8A-4147-A177-3AD203B41FA5}">
-                      <a16:colId xmlns="" xmlns:a16="http://schemas.microsoft.com/office/drawing/2014/main" val="1842320837"/>
+                      <a16:colId xmlns:a16="http://schemas.microsoft.com/office/drawing/2014/main" xmlns="" val="1842320837"/>
                     </a:ext>
                   </a:extLst>
                 </a:gridCol>
                 <a:gridCol w="717388">
                   <a:extLst>
                     <a:ext uri="{9D8B030D-6E8A-4147-A177-3AD203B41FA5}">
-                      <a16:colId xmlns="" xmlns:a16="http://schemas.microsoft.com/office/drawing/2014/main" val="2038016994"/>
+                      <a16:colId xmlns:a16="http://schemas.microsoft.com/office/drawing/2014/main" xmlns="" val="2038016994"/>
                     </a:ext>
                   </a:extLst>
                 </a:gridCol>
                 <a:gridCol w="1028699">
                   <a:extLst>
                     <a:ext uri="{9D8B030D-6E8A-4147-A177-3AD203B41FA5}">
-                      <a16:colId xmlns="" xmlns:a16="http://schemas.microsoft.com/office/drawing/2014/main" val="3728435139"/>
+                      <a16:colId xmlns:a16="http://schemas.microsoft.com/office/drawing/2014/main" xmlns="" val="3728435139"/>
                     </a:ext>
                   </a:extLst>
                 </a:gridCol>
@@ -40032,7 +40032,7 @@
                 </a:tc>
                 <a:extLst>
                   <a:ext uri="{0D108BD9-81ED-4DB2-BD59-A6C34878D82A}">
-                    <a16:rowId xmlns="" xmlns:a16="http://schemas.microsoft.com/office/drawing/2014/main" val="1025974938"/>
+                    <a16:rowId xmlns:a16="http://schemas.microsoft.com/office/drawing/2014/main" xmlns="" val="1025974938"/>
                   </a:ext>
                 </a:extLst>
               </a:tr>
@@ -40084,7 +40084,7 @@
                 </a:tc>
                 <a:extLst>
                   <a:ext uri="{0D108BD9-81ED-4DB2-BD59-A6C34878D82A}">
-                    <a16:rowId xmlns="" xmlns:a16="http://schemas.microsoft.com/office/drawing/2014/main" val="4077566409"/>
+                    <a16:rowId xmlns:a16="http://schemas.microsoft.com/office/drawing/2014/main" xmlns="" val="4077566409"/>
                   </a:ext>
                 </a:extLst>
               </a:tr>
@@ -40136,7 +40136,7 @@
                 </a:tc>
                 <a:extLst>
                   <a:ext uri="{0D108BD9-81ED-4DB2-BD59-A6C34878D82A}">
-                    <a16:rowId xmlns="" xmlns:a16="http://schemas.microsoft.com/office/drawing/2014/main" val="4214053569"/>
+                    <a16:rowId xmlns:a16="http://schemas.microsoft.com/office/drawing/2014/main" xmlns="" val="4214053569"/>
                   </a:ext>
                 </a:extLst>
               </a:tr>
@@ -40188,7 +40188,7 @@
                 </a:tc>
                 <a:extLst>
                   <a:ext uri="{0D108BD9-81ED-4DB2-BD59-A6C34878D82A}">
-                    <a16:rowId xmlns="" xmlns:a16="http://schemas.microsoft.com/office/drawing/2014/main" val="3475086053"/>
+                    <a16:rowId xmlns:a16="http://schemas.microsoft.com/office/drawing/2014/main" xmlns="" val="3475086053"/>
                   </a:ext>
                 </a:extLst>
               </a:tr>
@@ -40240,7 +40240,7 @@
                 </a:tc>
                 <a:extLst>
                   <a:ext uri="{0D108BD9-81ED-4DB2-BD59-A6C34878D82A}">
-                    <a16:rowId xmlns="" xmlns:a16="http://schemas.microsoft.com/office/drawing/2014/main" val="3245955256"/>
+                    <a16:rowId xmlns:a16="http://schemas.microsoft.com/office/drawing/2014/main" xmlns="" val="3245955256"/>
                   </a:ext>
                 </a:extLst>
               </a:tr>
@@ -40292,7 +40292,7 @@
                 </a:tc>
                 <a:extLst>
                   <a:ext uri="{0D108BD9-81ED-4DB2-BD59-A6C34878D82A}">
-                    <a16:rowId xmlns="" xmlns:a16="http://schemas.microsoft.com/office/drawing/2014/main" val="1233959304"/>
+                    <a16:rowId xmlns:a16="http://schemas.microsoft.com/office/drawing/2014/main" xmlns="" val="1233959304"/>
                   </a:ext>
                 </a:extLst>
               </a:tr>

--- a/Job Scheduling/assignment/graph.pptx
+++ b/Job Scheduling/assignment/graph.pptx
@@ -3010,21 +3010,21 @@
                 <a:gridCol w="873044">
                   <a:extLst>
                     <a:ext uri="{9D8B030D-6E8A-4147-A177-3AD203B41FA5}">
-                      <a16:colId xmlns:a16="http://schemas.microsoft.com/office/drawing/2014/main" xmlns="" val="1842320837"/>
+                      <a16:colId xmlns="" xmlns:a16="http://schemas.microsoft.com/office/drawing/2014/main" val="1842320837"/>
                     </a:ext>
                   </a:extLst>
                 </a:gridCol>
                 <a:gridCol w="717388">
                   <a:extLst>
                     <a:ext uri="{9D8B030D-6E8A-4147-A177-3AD203B41FA5}">
-                      <a16:colId xmlns:a16="http://schemas.microsoft.com/office/drawing/2014/main" xmlns="" val="2038016994"/>
+                      <a16:colId xmlns="" xmlns:a16="http://schemas.microsoft.com/office/drawing/2014/main" val="2038016994"/>
                     </a:ext>
                   </a:extLst>
                 </a:gridCol>
                 <a:gridCol w="1028699">
                   <a:extLst>
                     <a:ext uri="{9D8B030D-6E8A-4147-A177-3AD203B41FA5}">
-                      <a16:colId xmlns:a16="http://schemas.microsoft.com/office/drawing/2014/main" xmlns="" val="3728435139"/>
+                      <a16:colId xmlns="" xmlns:a16="http://schemas.microsoft.com/office/drawing/2014/main" val="3728435139"/>
                     </a:ext>
                   </a:extLst>
                 </a:gridCol>
@@ -3077,7 +3077,7 @@
                 </a:tc>
                 <a:extLst>
                   <a:ext uri="{0D108BD9-81ED-4DB2-BD59-A6C34878D82A}">
-                    <a16:rowId xmlns:a16="http://schemas.microsoft.com/office/drawing/2014/main" xmlns="" val="1025974938"/>
+                    <a16:rowId xmlns="" xmlns:a16="http://schemas.microsoft.com/office/drawing/2014/main" val="1025974938"/>
                   </a:ext>
                 </a:extLst>
               </a:tr>
@@ -3129,7 +3129,7 @@
                 </a:tc>
                 <a:extLst>
                   <a:ext uri="{0D108BD9-81ED-4DB2-BD59-A6C34878D82A}">
-                    <a16:rowId xmlns:a16="http://schemas.microsoft.com/office/drawing/2014/main" xmlns="" val="4077566409"/>
+                    <a16:rowId xmlns="" xmlns:a16="http://schemas.microsoft.com/office/drawing/2014/main" val="4077566409"/>
                   </a:ext>
                 </a:extLst>
               </a:tr>
@@ -3181,7 +3181,7 @@
                 </a:tc>
                 <a:extLst>
                   <a:ext uri="{0D108BD9-81ED-4DB2-BD59-A6C34878D82A}">
-                    <a16:rowId xmlns:a16="http://schemas.microsoft.com/office/drawing/2014/main" xmlns="" val="4214053569"/>
+                    <a16:rowId xmlns="" xmlns:a16="http://schemas.microsoft.com/office/drawing/2014/main" val="4214053569"/>
                   </a:ext>
                 </a:extLst>
               </a:tr>
@@ -3233,7 +3233,7 @@
                 </a:tc>
                 <a:extLst>
                   <a:ext uri="{0D108BD9-81ED-4DB2-BD59-A6C34878D82A}">
-                    <a16:rowId xmlns:a16="http://schemas.microsoft.com/office/drawing/2014/main" xmlns="" val="3475086053"/>
+                    <a16:rowId xmlns="" xmlns:a16="http://schemas.microsoft.com/office/drawing/2014/main" val="3475086053"/>
                   </a:ext>
                 </a:extLst>
               </a:tr>
@@ -3285,7 +3285,7 @@
                 </a:tc>
                 <a:extLst>
                   <a:ext uri="{0D108BD9-81ED-4DB2-BD59-A6C34878D82A}">
-                    <a16:rowId xmlns:a16="http://schemas.microsoft.com/office/drawing/2014/main" xmlns="" val="3245955256"/>
+                    <a16:rowId xmlns="" xmlns:a16="http://schemas.microsoft.com/office/drawing/2014/main" val="3245955256"/>
                   </a:ext>
                 </a:extLst>
               </a:tr>
@@ -3337,7 +3337,7 @@
                 </a:tc>
                 <a:extLst>
                   <a:ext uri="{0D108BD9-81ED-4DB2-BD59-A6C34878D82A}">
-                    <a16:rowId xmlns:a16="http://schemas.microsoft.com/office/drawing/2014/main" xmlns="" val="1233959304"/>
+                    <a16:rowId xmlns="" xmlns:a16="http://schemas.microsoft.com/office/drawing/2014/main" val="1233959304"/>
                   </a:ext>
                 </a:extLst>
               </a:tr>
@@ -4681,21 +4681,21 @@
                 <a:gridCol w="873044">
                   <a:extLst>
                     <a:ext uri="{9D8B030D-6E8A-4147-A177-3AD203B41FA5}">
-                      <a16:colId xmlns:a16="http://schemas.microsoft.com/office/drawing/2014/main" xmlns="" val="1842320837"/>
+                      <a16:colId xmlns="" xmlns:a16="http://schemas.microsoft.com/office/drawing/2014/main" val="1842320837"/>
                     </a:ext>
                   </a:extLst>
                 </a:gridCol>
                 <a:gridCol w="717388">
                   <a:extLst>
                     <a:ext uri="{9D8B030D-6E8A-4147-A177-3AD203B41FA5}">
-                      <a16:colId xmlns:a16="http://schemas.microsoft.com/office/drawing/2014/main" xmlns="" val="2038016994"/>
+                      <a16:colId xmlns="" xmlns:a16="http://schemas.microsoft.com/office/drawing/2014/main" val="2038016994"/>
                     </a:ext>
                   </a:extLst>
                 </a:gridCol>
                 <a:gridCol w="1028699">
                   <a:extLst>
                     <a:ext uri="{9D8B030D-6E8A-4147-A177-3AD203B41FA5}">
-                      <a16:colId xmlns:a16="http://schemas.microsoft.com/office/drawing/2014/main" xmlns="" val="3728435139"/>
+                      <a16:colId xmlns="" xmlns:a16="http://schemas.microsoft.com/office/drawing/2014/main" val="3728435139"/>
                     </a:ext>
                   </a:extLst>
                 </a:gridCol>
@@ -4748,7 +4748,7 @@
                 </a:tc>
                 <a:extLst>
                   <a:ext uri="{0D108BD9-81ED-4DB2-BD59-A6C34878D82A}">
-                    <a16:rowId xmlns:a16="http://schemas.microsoft.com/office/drawing/2014/main" xmlns="" val="1025974938"/>
+                    <a16:rowId xmlns="" xmlns:a16="http://schemas.microsoft.com/office/drawing/2014/main" val="1025974938"/>
                   </a:ext>
                 </a:extLst>
               </a:tr>
@@ -4800,7 +4800,7 @@
                 </a:tc>
                 <a:extLst>
                   <a:ext uri="{0D108BD9-81ED-4DB2-BD59-A6C34878D82A}">
-                    <a16:rowId xmlns:a16="http://schemas.microsoft.com/office/drawing/2014/main" xmlns="" val="4077566409"/>
+                    <a16:rowId xmlns="" xmlns:a16="http://schemas.microsoft.com/office/drawing/2014/main" val="4077566409"/>
                   </a:ext>
                 </a:extLst>
               </a:tr>
@@ -4852,7 +4852,7 @@
                 </a:tc>
                 <a:extLst>
                   <a:ext uri="{0D108BD9-81ED-4DB2-BD59-A6C34878D82A}">
-                    <a16:rowId xmlns:a16="http://schemas.microsoft.com/office/drawing/2014/main" xmlns="" val="4214053569"/>
+                    <a16:rowId xmlns="" xmlns:a16="http://schemas.microsoft.com/office/drawing/2014/main" val="4214053569"/>
                   </a:ext>
                 </a:extLst>
               </a:tr>
@@ -4904,7 +4904,7 @@
                 </a:tc>
                 <a:extLst>
                   <a:ext uri="{0D108BD9-81ED-4DB2-BD59-A6C34878D82A}">
-                    <a16:rowId xmlns:a16="http://schemas.microsoft.com/office/drawing/2014/main" xmlns="" val="3475086053"/>
+                    <a16:rowId xmlns="" xmlns:a16="http://schemas.microsoft.com/office/drawing/2014/main" val="3475086053"/>
                   </a:ext>
                 </a:extLst>
               </a:tr>
@@ -4956,7 +4956,7 @@
                 </a:tc>
                 <a:extLst>
                   <a:ext uri="{0D108BD9-81ED-4DB2-BD59-A6C34878D82A}">
-                    <a16:rowId xmlns:a16="http://schemas.microsoft.com/office/drawing/2014/main" xmlns="" val="3245955256"/>
+                    <a16:rowId xmlns="" xmlns:a16="http://schemas.microsoft.com/office/drawing/2014/main" val="3245955256"/>
                   </a:ext>
                 </a:extLst>
               </a:tr>
@@ -5008,7 +5008,7 @@
                 </a:tc>
                 <a:extLst>
                   <a:ext uri="{0D108BD9-81ED-4DB2-BD59-A6C34878D82A}">
-                    <a16:rowId xmlns:a16="http://schemas.microsoft.com/office/drawing/2014/main" xmlns="" val="1233959304"/>
+                    <a16:rowId xmlns="" xmlns:a16="http://schemas.microsoft.com/office/drawing/2014/main" val="1233959304"/>
                   </a:ext>
                 </a:extLst>
               </a:tr>
@@ -7978,21 +7978,21 @@
                 <a:gridCol w="873044">
                   <a:extLst>
                     <a:ext uri="{9D8B030D-6E8A-4147-A177-3AD203B41FA5}">
-                      <a16:colId xmlns:a16="http://schemas.microsoft.com/office/drawing/2014/main" xmlns="" val="1842320837"/>
+                      <a16:colId xmlns="" xmlns:a16="http://schemas.microsoft.com/office/drawing/2014/main" val="1842320837"/>
                     </a:ext>
                   </a:extLst>
                 </a:gridCol>
                 <a:gridCol w="717388">
                   <a:extLst>
                     <a:ext uri="{9D8B030D-6E8A-4147-A177-3AD203B41FA5}">
-                      <a16:colId xmlns:a16="http://schemas.microsoft.com/office/drawing/2014/main" xmlns="" val="2038016994"/>
+                      <a16:colId xmlns="" xmlns:a16="http://schemas.microsoft.com/office/drawing/2014/main" val="2038016994"/>
                     </a:ext>
                   </a:extLst>
                 </a:gridCol>
                 <a:gridCol w="1028699">
                   <a:extLst>
                     <a:ext uri="{9D8B030D-6E8A-4147-A177-3AD203B41FA5}">
-                      <a16:colId xmlns:a16="http://schemas.microsoft.com/office/drawing/2014/main" xmlns="" val="3728435139"/>
+                      <a16:colId xmlns="" xmlns:a16="http://schemas.microsoft.com/office/drawing/2014/main" val="3728435139"/>
                     </a:ext>
                   </a:extLst>
                 </a:gridCol>
@@ -8045,7 +8045,7 @@
                 </a:tc>
                 <a:extLst>
                   <a:ext uri="{0D108BD9-81ED-4DB2-BD59-A6C34878D82A}">
-                    <a16:rowId xmlns:a16="http://schemas.microsoft.com/office/drawing/2014/main" xmlns="" val="1025974938"/>
+                    <a16:rowId xmlns="" xmlns:a16="http://schemas.microsoft.com/office/drawing/2014/main" val="1025974938"/>
                   </a:ext>
                 </a:extLst>
               </a:tr>
@@ -8097,7 +8097,7 @@
                 </a:tc>
                 <a:extLst>
                   <a:ext uri="{0D108BD9-81ED-4DB2-BD59-A6C34878D82A}">
-                    <a16:rowId xmlns:a16="http://schemas.microsoft.com/office/drawing/2014/main" xmlns="" val="4077566409"/>
+                    <a16:rowId xmlns="" xmlns:a16="http://schemas.microsoft.com/office/drawing/2014/main" val="4077566409"/>
                   </a:ext>
                 </a:extLst>
               </a:tr>
@@ -8149,7 +8149,7 @@
                 </a:tc>
                 <a:extLst>
                   <a:ext uri="{0D108BD9-81ED-4DB2-BD59-A6C34878D82A}">
-                    <a16:rowId xmlns:a16="http://schemas.microsoft.com/office/drawing/2014/main" xmlns="" val="4214053569"/>
+                    <a16:rowId xmlns="" xmlns:a16="http://schemas.microsoft.com/office/drawing/2014/main" val="4214053569"/>
                   </a:ext>
                 </a:extLst>
               </a:tr>
@@ -8201,7 +8201,7 @@
                 </a:tc>
                 <a:extLst>
                   <a:ext uri="{0D108BD9-81ED-4DB2-BD59-A6C34878D82A}">
-                    <a16:rowId xmlns:a16="http://schemas.microsoft.com/office/drawing/2014/main" xmlns="" val="3475086053"/>
+                    <a16:rowId xmlns="" xmlns:a16="http://schemas.microsoft.com/office/drawing/2014/main" val="3475086053"/>
                   </a:ext>
                 </a:extLst>
               </a:tr>
@@ -8253,7 +8253,7 @@
                 </a:tc>
                 <a:extLst>
                   <a:ext uri="{0D108BD9-81ED-4DB2-BD59-A6C34878D82A}">
-                    <a16:rowId xmlns:a16="http://schemas.microsoft.com/office/drawing/2014/main" xmlns="" val="3245955256"/>
+                    <a16:rowId xmlns="" xmlns:a16="http://schemas.microsoft.com/office/drawing/2014/main" val="3245955256"/>
                   </a:ext>
                 </a:extLst>
               </a:tr>
@@ -8305,7 +8305,7 @@
                 </a:tc>
                 <a:extLst>
                   <a:ext uri="{0D108BD9-81ED-4DB2-BD59-A6C34878D82A}">
-                    <a16:rowId xmlns:a16="http://schemas.microsoft.com/office/drawing/2014/main" xmlns="" val="1233959304"/>
+                    <a16:rowId xmlns="" xmlns:a16="http://schemas.microsoft.com/office/drawing/2014/main" val="1233959304"/>
                   </a:ext>
                 </a:extLst>
               </a:tr>
@@ -11877,21 +11877,21 @@
                 <a:gridCol w="873044">
                   <a:extLst>
                     <a:ext uri="{9D8B030D-6E8A-4147-A177-3AD203B41FA5}">
-                      <a16:colId xmlns:a16="http://schemas.microsoft.com/office/drawing/2014/main" xmlns="" val="1842320837"/>
+                      <a16:colId xmlns="" xmlns:a16="http://schemas.microsoft.com/office/drawing/2014/main" val="1842320837"/>
                     </a:ext>
                   </a:extLst>
                 </a:gridCol>
                 <a:gridCol w="717388">
                   <a:extLst>
                     <a:ext uri="{9D8B030D-6E8A-4147-A177-3AD203B41FA5}">
-                      <a16:colId xmlns:a16="http://schemas.microsoft.com/office/drawing/2014/main" xmlns="" val="2038016994"/>
+                      <a16:colId xmlns="" xmlns:a16="http://schemas.microsoft.com/office/drawing/2014/main" val="2038016994"/>
                     </a:ext>
                   </a:extLst>
                 </a:gridCol>
                 <a:gridCol w="1028699">
                   <a:extLst>
                     <a:ext uri="{9D8B030D-6E8A-4147-A177-3AD203B41FA5}">
-                      <a16:colId xmlns:a16="http://schemas.microsoft.com/office/drawing/2014/main" xmlns="" val="3728435139"/>
+                      <a16:colId xmlns="" xmlns:a16="http://schemas.microsoft.com/office/drawing/2014/main" val="3728435139"/>
                     </a:ext>
                   </a:extLst>
                 </a:gridCol>
@@ -11944,7 +11944,7 @@
                 </a:tc>
                 <a:extLst>
                   <a:ext uri="{0D108BD9-81ED-4DB2-BD59-A6C34878D82A}">
-                    <a16:rowId xmlns:a16="http://schemas.microsoft.com/office/drawing/2014/main" xmlns="" val="1025974938"/>
+                    <a16:rowId xmlns="" xmlns:a16="http://schemas.microsoft.com/office/drawing/2014/main" val="1025974938"/>
                   </a:ext>
                 </a:extLst>
               </a:tr>
@@ -11996,7 +11996,7 @@
                 </a:tc>
                 <a:extLst>
                   <a:ext uri="{0D108BD9-81ED-4DB2-BD59-A6C34878D82A}">
-                    <a16:rowId xmlns:a16="http://schemas.microsoft.com/office/drawing/2014/main" xmlns="" val="4077566409"/>
+                    <a16:rowId xmlns="" xmlns:a16="http://schemas.microsoft.com/office/drawing/2014/main" val="4077566409"/>
                   </a:ext>
                 </a:extLst>
               </a:tr>
@@ -12048,7 +12048,7 @@
                 </a:tc>
                 <a:extLst>
                   <a:ext uri="{0D108BD9-81ED-4DB2-BD59-A6C34878D82A}">
-                    <a16:rowId xmlns:a16="http://schemas.microsoft.com/office/drawing/2014/main" xmlns="" val="4214053569"/>
+                    <a16:rowId xmlns="" xmlns:a16="http://schemas.microsoft.com/office/drawing/2014/main" val="4214053569"/>
                   </a:ext>
                 </a:extLst>
               </a:tr>
@@ -12100,7 +12100,7 @@
                 </a:tc>
                 <a:extLst>
                   <a:ext uri="{0D108BD9-81ED-4DB2-BD59-A6C34878D82A}">
-                    <a16:rowId xmlns:a16="http://schemas.microsoft.com/office/drawing/2014/main" xmlns="" val="3475086053"/>
+                    <a16:rowId xmlns="" xmlns:a16="http://schemas.microsoft.com/office/drawing/2014/main" val="3475086053"/>
                   </a:ext>
                 </a:extLst>
               </a:tr>
@@ -12152,7 +12152,7 @@
                 </a:tc>
                 <a:extLst>
                   <a:ext uri="{0D108BD9-81ED-4DB2-BD59-A6C34878D82A}">
-                    <a16:rowId xmlns:a16="http://schemas.microsoft.com/office/drawing/2014/main" xmlns="" val="3245955256"/>
+                    <a16:rowId xmlns="" xmlns:a16="http://schemas.microsoft.com/office/drawing/2014/main" val="3245955256"/>
                   </a:ext>
                 </a:extLst>
               </a:tr>
@@ -12204,7 +12204,7 @@
                 </a:tc>
                 <a:extLst>
                   <a:ext uri="{0D108BD9-81ED-4DB2-BD59-A6C34878D82A}">
-                    <a16:rowId xmlns:a16="http://schemas.microsoft.com/office/drawing/2014/main" xmlns="" val="1233959304"/>
+                    <a16:rowId xmlns="" xmlns:a16="http://schemas.microsoft.com/office/drawing/2014/main" val="1233959304"/>
                   </a:ext>
                 </a:extLst>
               </a:tr>
@@ -15641,21 +15641,21 @@
                 <a:gridCol w="873044">
                   <a:extLst>
                     <a:ext uri="{9D8B030D-6E8A-4147-A177-3AD203B41FA5}">
-                      <a16:colId xmlns:a16="http://schemas.microsoft.com/office/drawing/2014/main" xmlns="" val="1842320837"/>
+                      <a16:colId xmlns="" xmlns:a16="http://schemas.microsoft.com/office/drawing/2014/main" val="1842320837"/>
                     </a:ext>
                   </a:extLst>
                 </a:gridCol>
                 <a:gridCol w="717388">
                   <a:extLst>
                     <a:ext uri="{9D8B030D-6E8A-4147-A177-3AD203B41FA5}">
-                      <a16:colId xmlns:a16="http://schemas.microsoft.com/office/drawing/2014/main" xmlns="" val="2038016994"/>
+                      <a16:colId xmlns="" xmlns:a16="http://schemas.microsoft.com/office/drawing/2014/main" val="2038016994"/>
                     </a:ext>
                   </a:extLst>
                 </a:gridCol>
                 <a:gridCol w="1028699">
                   <a:extLst>
                     <a:ext uri="{9D8B030D-6E8A-4147-A177-3AD203B41FA5}">
-                      <a16:colId xmlns:a16="http://schemas.microsoft.com/office/drawing/2014/main" xmlns="" val="3728435139"/>
+                      <a16:colId xmlns="" xmlns:a16="http://schemas.microsoft.com/office/drawing/2014/main" val="3728435139"/>
                     </a:ext>
                   </a:extLst>
                 </a:gridCol>
@@ -15708,7 +15708,7 @@
                 </a:tc>
                 <a:extLst>
                   <a:ext uri="{0D108BD9-81ED-4DB2-BD59-A6C34878D82A}">
-                    <a16:rowId xmlns:a16="http://schemas.microsoft.com/office/drawing/2014/main" xmlns="" val="1025974938"/>
+                    <a16:rowId xmlns="" xmlns:a16="http://schemas.microsoft.com/office/drawing/2014/main" val="1025974938"/>
                   </a:ext>
                 </a:extLst>
               </a:tr>
@@ -15760,7 +15760,7 @@
                 </a:tc>
                 <a:extLst>
                   <a:ext uri="{0D108BD9-81ED-4DB2-BD59-A6C34878D82A}">
-                    <a16:rowId xmlns:a16="http://schemas.microsoft.com/office/drawing/2014/main" xmlns="" val="4077566409"/>
+                    <a16:rowId xmlns="" xmlns:a16="http://schemas.microsoft.com/office/drawing/2014/main" val="4077566409"/>
                   </a:ext>
                 </a:extLst>
               </a:tr>
@@ -15812,7 +15812,7 @@
                 </a:tc>
                 <a:extLst>
                   <a:ext uri="{0D108BD9-81ED-4DB2-BD59-A6C34878D82A}">
-                    <a16:rowId xmlns:a16="http://schemas.microsoft.com/office/drawing/2014/main" xmlns="" val="4214053569"/>
+                    <a16:rowId xmlns="" xmlns:a16="http://schemas.microsoft.com/office/drawing/2014/main" val="4214053569"/>
                   </a:ext>
                 </a:extLst>
               </a:tr>
@@ -15864,7 +15864,7 @@
                 </a:tc>
                 <a:extLst>
                   <a:ext uri="{0D108BD9-81ED-4DB2-BD59-A6C34878D82A}">
-                    <a16:rowId xmlns:a16="http://schemas.microsoft.com/office/drawing/2014/main" xmlns="" val="3475086053"/>
+                    <a16:rowId xmlns="" xmlns:a16="http://schemas.microsoft.com/office/drawing/2014/main" val="3475086053"/>
                   </a:ext>
                 </a:extLst>
               </a:tr>
@@ -15916,7 +15916,7 @@
                 </a:tc>
                 <a:extLst>
                   <a:ext uri="{0D108BD9-81ED-4DB2-BD59-A6C34878D82A}">
-                    <a16:rowId xmlns:a16="http://schemas.microsoft.com/office/drawing/2014/main" xmlns="" val="3245955256"/>
+                    <a16:rowId xmlns="" xmlns:a16="http://schemas.microsoft.com/office/drawing/2014/main" val="3245955256"/>
                   </a:ext>
                 </a:extLst>
               </a:tr>
@@ -15968,7 +15968,7 @@
                 </a:tc>
                 <a:extLst>
                   <a:ext uri="{0D108BD9-81ED-4DB2-BD59-A6C34878D82A}">
-                    <a16:rowId xmlns:a16="http://schemas.microsoft.com/office/drawing/2014/main" xmlns="" val="1233959304"/>
+                    <a16:rowId xmlns="" xmlns:a16="http://schemas.microsoft.com/office/drawing/2014/main" val="1233959304"/>
                   </a:ext>
                 </a:extLst>
               </a:tr>
@@ -19952,21 +19952,21 @@
                 <a:gridCol w="873044">
                   <a:extLst>
                     <a:ext uri="{9D8B030D-6E8A-4147-A177-3AD203B41FA5}">
-                      <a16:colId xmlns:a16="http://schemas.microsoft.com/office/drawing/2014/main" xmlns="" val="1842320837"/>
+                      <a16:colId xmlns="" xmlns:a16="http://schemas.microsoft.com/office/drawing/2014/main" val="1842320837"/>
                     </a:ext>
                   </a:extLst>
                 </a:gridCol>
                 <a:gridCol w="717388">
                   <a:extLst>
                     <a:ext uri="{9D8B030D-6E8A-4147-A177-3AD203B41FA5}">
-                      <a16:colId xmlns:a16="http://schemas.microsoft.com/office/drawing/2014/main" xmlns="" val="2038016994"/>
+                      <a16:colId xmlns="" xmlns:a16="http://schemas.microsoft.com/office/drawing/2014/main" val="2038016994"/>
                     </a:ext>
                   </a:extLst>
                 </a:gridCol>
                 <a:gridCol w="1028699">
                   <a:extLst>
                     <a:ext uri="{9D8B030D-6E8A-4147-A177-3AD203B41FA5}">
-                      <a16:colId xmlns:a16="http://schemas.microsoft.com/office/drawing/2014/main" xmlns="" val="3728435139"/>
+                      <a16:colId xmlns="" xmlns:a16="http://schemas.microsoft.com/office/drawing/2014/main" val="3728435139"/>
                     </a:ext>
                   </a:extLst>
                 </a:gridCol>
@@ -20019,7 +20019,7 @@
                 </a:tc>
                 <a:extLst>
                   <a:ext uri="{0D108BD9-81ED-4DB2-BD59-A6C34878D82A}">
-                    <a16:rowId xmlns:a16="http://schemas.microsoft.com/office/drawing/2014/main" xmlns="" val="1025974938"/>
+                    <a16:rowId xmlns="" xmlns:a16="http://schemas.microsoft.com/office/drawing/2014/main" val="1025974938"/>
                   </a:ext>
                 </a:extLst>
               </a:tr>
@@ -20071,7 +20071,7 @@
                 </a:tc>
                 <a:extLst>
                   <a:ext uri="{0D108BD9-81ED-4DB2-BD59-A6C34878D82A}">
-                    <a16:rowId xmlns:a16="http://schemas.microsoft.com/office/drawing/2014/main" xmlns="" val="4077566409"/>
+                    <a16:rowId xmlns="" xmlns:a16="http://schemas.microsoft.com/office/drawing/2014/main" val="4077566409"/>
                   </a:ext>
                 </a:extLst>
               </a:tr>
@@ -20123,7 +20123,7 @@
                 </a:tc>
                 <a:extLst>
                   <a:ext uri="{0D108BD9-81ED-4DB2-BD59-A6C34878D82A}">
-                    <a16:rowId xmlns:a16="http://schemas.microsoft.com/office/drawing/2014/main" xmlns="" val="4214053569"/>
+                    <a16:rowId xmlns="" xmlns:a16="http://schemas.microsoft.com/office/drawing/2014/main" val="4214053569"/>
                   </a:ext>
                 </a:extLst>
               </a:tr>
@@ -20175,7 +20175,7 @@
                 </a:tc>
                 <a:extLst>
                   <a:ext uri="{0D108BD9-81ED-4DB2-BD59-A6C34878D82A}">
-                    <a16:rowId xmlns:a16="http://schemas.microsoft.com/office/drawing/2014/main" xmlns="" val="3475086053"/>
+                    <a16:rowId xmlns="" xmlns:a16="http://schemas.microsoft.com/office/drawing/2014/main" val="3475086053"/>
                   </a:ext>
                 </a:extLst>
               </a:tr>
@@ -20227,7 +20227,7 @@
                 </a:tc>
                 <a:extLst>
                   <a:ext uri="{0D108BD9-81ED-4DB2-BD59-A6C34878D82A}">
-                    <a16:rowId xmlns:a16="http://schemas.microsoft.com/office/drawing/2014/main" xmlns="" val="3245955256"/>
+                    <a16:rowId xmlns="" xmlns:a16="http://schemas.microsoft.com/office/drawing/2014/main" val="3245955256"/>
                   </a:ext>
                 </a:extLst>
               </a:tr>
@@ -20279,7 +20279,7 @@
                 </a:tc>
                 <a:extLst>
                   <a:ext uri="{0D108BD9-81ED-4DB2-BD59-A6C34878D82A}">
-                    <a16:rowId xmlns:a16="http://schemas.microsoft.com/office/drawing/2014/main" xmlns="" val="1233959304"/>
+                    <a16:rowId xmlns="" xmlns:a16="http://schemas.microsoft.com/office/drawing/2014/main" val="1233959304"/>
                   </a:ext>
                 </a:extLst>
               </a:tr>
@@ -21028,7 +21028,33 @@
                   </a:outerShdw>
                 </a:effectLst>
               </a:rPr>
-              <a:t>Job Sequence: J1 J2 J4 </a:t>
+              <a:t>Job Sequence</a:t>
+            </a:r>
+            <a:r>
+              <a:rPr lang="en-US" altLang="zh-TW" sz="2000">
+                <a:ln w="0"/>
+                <a:effectLst>
+                  <a:outerShdw blurRad="38100" dist="19050" dir="2700000" algn="tl" rotWithShape="0">
+                    <a:schemeClr val="dk1">
+                      <a:alpha val="40000"/>
+                    </a:schemeClr>
+                  </a:outerShdw>
+                </a:effectLst>
+              </a:rPr>
+              <a:t>: </a:t>
+            </a:r>
+            <a:r>
+              <a:rPr lang="en-US" altLang="zh-TW" sz="2000" smtClean="0">
+                <a:ln w="0"/>
+                <a:effectLst>
+                  <a:outerShdw blurRad="38100" dist="19050" dir="2700000" algn="tl" rotWithShape="0">
+                    <a:schemeClr val="dk1">
+                      <a:alpha val="40000"/>
+                    </a:schemeClr>
+                  </a:outerShdw>
+                </a:effectLst>
+              </a:rPr>
+              <a:t>1 2 4 5</a:t>
             </a:r>
             <a:r>
               <a:rPr lang="en-US" altLang="zh-TW" sz="2000" dirty="0" smtClean="0">
@@ -21041,7 +21067,7 @@
                   </a:outerShdw>
                 </a:effectLst>
               </a:rPr>
-              <a:t>J5</a:t>
+              <a:t/>
             </a:r>
             <a:br>
               <a:rPr lang="en-US" altLang="zh-TW" sz="2000" dirty="0" smtClean="0">
@@ -24421,21 +24447,21 @@
                 <a:gridCol w="873044">
                   <a:extLst>
                     <a:ext uri="{9D8B030D-6E8A-4147-A177-3AD203B41FA5}">
-                      <a16:colId xmlns:a16="http://schemas.microsoft.com/office/drawing/2014/main" xmlns="" val="1842320837"/>
+                      <a16:colId xmlns="" xmlns:a16="http://schemas.microsoft.com/office/drawing/2014/main" val="1842320837"/>
                     </a:ext>
                   </a:extLst>
                 </a:gridCol>
                 <a:gridCol w="717388">
                   <a:extLst>
                     <a:ext uri="{9D8B030D-6E8A-4147-A177-3AD203B41FA5}">
-                      <a16:colId xmlns:a16="http://schemas.microsoft.com/office/drawing/2014/main" xmlns="" val="2038016994"/>
+                      <a16:colId xmlns="" xmlns:a16="http://schemas.microsoft.com/office/drawing/2014/main" val="2038016994"/>
                     </a:ext>
                   </a:extLst>
                 </a:gridCol>
                 <a:gridCol w="1028699">
                   <a:extLst>
                     <a:ext uri="{9D8B030D-6E8A-4147-A177-3AD203B41FA5}">
-                      <a16:colId xmlns:a16="http://schemas.microsoft.com/office/drawing/2014/main" xmlns="" val="3728435139"/>
+                      <a16:colId xmlns="" xmlns:a16="http://schemas.microsoft.com/office/drawing/2014/main" val="3728435139"/>
                     </a:ext>
                   </a:extLst>
                 </a:gridCol>
@@ -24488,7 +24514,7 @@
                 </a:tc>
                 <a:extLst>
                   <a:ext uri="{0D108BD9-81ED-4DB2-BD59-A6C34878D82A}">
-                    <a16:rowId xmlns:a16="http://schemas.microsoft.com/office/drawing/2014/main" xmlns="" val="1025974938"/>
+                    <a16:rowId xmlns="" xmlns:a16="http://schemas.microsoft.com/office/drawing/2014/main" val="1025974938"/>
                   </a:ext>
                 </a:extLst>
               </a:tr>
@@ -24540,7 +24566,7 @@
                 </a:tc>
                 <a:extLst>
                   <a:ext uri="{0D108BD9-81ED-4DB2-BD59-A6C34878D82A}">
-                    <a16:rowId xmlns:a16="http://schemas.microsoft.com/office/drawing/2014/main" xmlns="" val="4077566409"/>
+                    <a16:rowId xmlns="" xmlns:a16="http://schemas.microsoft.com/office/drawing/2014/main" val="4077566409"/>
                   </a:ext>
                 </a:extLst>
               </a:tr>
@@ -24592,7 +24618,7 @@
                 </a:tc>
                 <a:extLst>
                   <a:ext uri="{0D108BD9-81ED-4DB2-BD59-A6C34878D82A}">
-                    <a16:rowId xmlns:a16="http://schemas.microsoft.com/office/drawing/2014/main" xmlns="" val="4214053569"/>
+                    <a16:rowId xmlns="" xmlns:a16="http://schemas.microsoft.com/office/drawing/2014/main" val="4214053569"/>
                   </a:ext>
                 </a:extLst>
               </a:tr>
@@ -24644,7 +24670,7 @@
                 </a:tc>
                 <a:extLst>
                   <a:ext uri="{0D108BD9-81ED-4DB2-BD59-A6C34878D82A}">
-                    <a16:rowId xmlns:a16="http://schemas.microsoft.com/office/drawing/2014/main" xmlns="" val="3475086053"/>
+                    <a16:rowId xmlns="" xmlns:a16="http://schemas.microsoft.com/office/drawing/2014/main" val="3475086053"/>
                   </a:ext>
                 </a:extLst>
               </a:tr>
@@ -24696,7 +24722,7 @@
                 </a:tc>
                 <a:extLst>
                   <a:ext uri="{0D108BD9-81ED-4DB2-BD59-A6C34878D82A}">
-                    <a16:rowId xmlns:a16="http://schemas.microsoft.com/office/drawing/2014/main" xmlns="" val="3245955256"/>
+                    <a16:rowId xmlns="" xmlns:a16="http://schemas.microsoft.com/office/drawing/2014/main" val="3245955256"/>
                   </a:ext>
                 </a:extLst>
               </a:tr>
@@ -24748,7 +24774,7 @@
                 </a:tc>
                 <a:extLst>
                   <a:ext uri="{0D108BD9-81ED-4DB2-BD59-A6C34878D82A}">
-                    <a16:rowId xmlns:a16="http://schemas.microsoft.com/office/drawing/2014/main" xmlns="" val="1233959304"/>
+                    <a16:rowId xmlns="" xmlns:a16="http://schemas.microsoft.com/office/drawing/2014/main" val="1233959304"/>
                   </a:ext>
                 </a:extLst>
               </a:tr>
@@ -25908,21 +25934,21 @@
                 <a:gridCol w="873044">
                   <a:extLst>
                     <a:ext uri="{9D8B030D-6E8A-4147-A177-3AD203B41FA5}">
-                      <a16:colId xmlns:a16="http://schemas.microsoft.com/office/drawing/2014/main" xmlns="" val="1842320837"/>
+                      <a16:colId xmlns="" xmlns:a16="http://schemas.microsoft.com/office/drawing/2014/main" val="1842320837"/>
                     </a:ext>
                   </a:extLst>
                 </a:gridCol>
                 <a:gridCol w="717388">
                   <a:extLst>
                     <a:ext uri="{9D8B030D-6E8A-4147-A177-3AD203B41FA5}">
-                      <a16:colId xmlns:a16="http://schemas.microsoft.com/office/drawing/2014/main" xmlns="" val="2038016994"/>
+                      <a16:colId xmlns="" xmlns:a16="http://schemas.microsoft.com/office/drawing/2014/main" val="2038016994"/>
                     </a:ext>
                   </a:extLst>
                 </a:gridCol>
                 <a:gridCol w="1028699">
                   <a:extLst>
                     <a:ext uri="{9D8B030D-6E8A-4147-A177-3AD203B41FA5}">
-                      <a16:colId xmlns:a16="http://schemas.microsoft.com/office/drawing/2014/main" xmlns="" val="3728435139"/>
+                      <a16:colId xmlns="" xmlns:a16="http://schemas.microsoft.com/office/drawing/2014/main" val="3728435139"/>
                     </a:ext>
                   </a:extLst>
                 </a:gridCol>
@@ -25975,7 +26001,7 @@
                 </a:tc>
                 <a:extLst>
                   <a:ext uri="{0D108BD9-81ED-4DB2-BD59-A6C34878D82A}">
-                    <a16:rowId xmlns:a16="http://schemas.microsoft.com/office/drawing/2014/main" xmlns="" val="1025974938"/>
+                    <a16:rowId xmlns="" xmlns:a16="http://schemas.microsoft.com/office/drawing/2014/main" val="1025974938"/>
                   </a:ext>
                 </a:extLst>
               </a:tr>
@@ -26027,7 +26053,7 @@
                 </a:tc>
                 <a:extLst>
                   <a:ext uri="{0D108BD9-81ED-4DB2-BD59-A6C34878D82A}">
-                    <a16:rowId xmlns:a16="http://schemas.microsoft.com/office/drawing/2014/main" xmlns="" val="4077566409"/>
+                    <a16:rowId xmlns="" xmlns:a16="http://schemas.microsoft.com/office/drawing/2014/main" val="4077566409"/>
                   </a:ext>
                 </a:extLst>
               </a:tr>
@@ -26079,7 +26105,7 @@
                 </a:tc>
                 <a:extLst>
                   <a:ext uri="{0D108BD9-81ED-4DB2-BD59-A6C34878D82A}">
-                    <a16:rowId xmlns:a16="http://schemas.microsoft.com/office/drawing/2014/main" xmlns="" val="4214053569"/>
+                    <a16:rowId xmlns="" xmlns:a16="http://schemas.microsoft.com/office/drawing/2014/main" val="4214053569"/>
                   </a:ext>
                 </a:extLst>
               </a:tr>
@@ -26131,7 +26157,7 @@
                 </a:tc>
                 <a:extLst>
                   <a:ext uri="{0D108BD9-81ED-4DB2-BD59-A6C34878D82A}">
-                    <a16:rowId xmlns:a16="http://schemas.microsoft.com/office/drawing/2014/main" xmlns="" val="3475086053"/>
+                    <a16:rowId xmlns="" xmlns:a16="http://schemas.microsoft.com/office/drawing/2014/main" val="3475086053"/>
                   </a:ext>
                 </a:extLst>
               </a:tr>
@@ -26183,7 +26209,7 @@
                 </a:tc>
                 <a:extLst>
                   <a:ext uri="{0D108BD9-81ED-4DB2-BD59-A6C34878D82A}">
-                    <a16:rowId xmlns:a16="http://schemas.microsoft.com/office/drawing/2014/main" xmlns="" val="3245955256"/>
+                    <a16:rowId xmlns="" xmlns:a16="http://schemas.microsoft.com/office/drawing/2014/main" val="3245955256"/>
                   </a:ext>
                 </a:extLst>
               </a:tr>
@@ -26235,7 +26261,7 @@
                 </a:tc>
                 <a:extLst>
                   <a:ext uri="{0D108BD9-81ED-4DB2-BD59-A6C34878D82A}">
-                    <a16:rowId xmlns:a16="http://schemas.microsoft.com/office/drawing/2014/main" xmlns="" val="1233959304"/>
+                    <a16:rowId xmlns="" xmlns:a16="http://schemas.microsoft.com/office/drawing/2014/main" val="1233959304"/>
                   </a:ext>
                 </a:extLst>
               </a:tr>
@@ -27622,21 +27648,21 @@
                 <a:gridCol w="873044">
                   <a:extLst>
                     <a:ext uri="{9D8B030D-6E8A-4147-A177-3AD203B41FA5}">
-                      <a16:colId xmlns:a16="http://schemas.microsoft.com/office/drawing/2014/main" xmlns="" val="1842320837"/>
+                      <a16:colId xmlns="" xmlns:a16="http://schemas.microsoft.com/office/drawing/2014/main" val="1842320837"/>
                     </a:ext>
                   </a:extLst>
                 </a:gridCol>
                 <a:gridCol w="717388">
                   <a:extLst>
                     <a:ext uri="{9D8B030D-6E8A-4147-A177-3AD203B41FA5}">
-                      <a16:colId xmlns:a16="http://schemas.microsoft.com/office/drawing/2014/main" xmlns="" val="2038016994"/>
+                      <a16:colId xmlns="" xmlns:a16="http://schemas.microsoft.com/office/drawing/2014/main" val="2038016994"/>
                     </a:ext>
                   </a:extLst>
                 </a:gridCol>
                 <a:gridCol w="1028699">
                   <a:extLst>
                     <a:ext uri="{9D8B030D-6E8A-4147-A177-3AD203B41FA5}">
-                      <a16:colId xmlns:a16="http://schemas.microsoft.com/office/drawing/2014/main" xmlns="" val="3728435139"/>
+                      <a16:colId xmlns="" xmlns:a16="http://schemas.microsoft.com/office/drawing/2014/main" val="3728435139"/>
                     </a:ext>
                   </a:extLst>
                 </a:gridCol>
@@ -27689,7 +27715,7 @@
                 </a:tc>
                 <a:extLst>
                   <a:ext uri="{0D108BD9-81ED-4DB2-BD59-A6C34878D82A}">
-                    <a16:rowId xmlns:a16="http://schemas.microsoft.com/office/drawing/2014/main" xmlns="" val="1025974938"/>
+                    <a16:rowId xmlns="" xmlns:a16="http://schemas.microsoft.com/office/drawing/2014/main" val="1025974938"/>
                   </a:ext>
                 </a:extLst>
               </a:tr>
@@ -27741,7 +27767,7 @@
                 </a:tc>
                 <a:extLst>
                   <a:ext uri="{0D108BD9-81ED-4DB2-BD59-A6C34878D82A}">
-                    <a16:rowId xmlns:a16="http://schemas.microsoft.com/office/drawing/2014/main" xmlns="" val="4077566409"/>
+                    <a16:rowId xmlns="" xmlns:a16="http://schemas.microsoft.com/office/drawing/2014/main" val="4077566409"/>
                   </a:ext>
                 </a:extLst>
               </a:tr>
@@ -27793,7 +27819,7 @@
                 </a:tc>
                 <a:extLst>
                   <a:ext uri="{0D108BD9-81ED-4DB2-BD59-A6C34878D82A}">
-                    <a16:rowId xmlns:a16="http://schemas.microsoft.com/office/drawing/2014/main" xmlns="" val="4214053569"/>
+                    <a16:rowId xmlns="" xmlns:a16="http://schemas.microsoft.com/office/drawing/2014/main" val="4214053569"/>
                   </a:ext>
                 </a:extLst>
               </a:tr>
@@ -27845,7 +27871,7 @@
                 </a:tc>
                 <a:extLst>
                   <a:ext uri="{0D108BD9-81ED-4DB2-BD59-A6C34878D82A}">
-                    <a16:rowId xmlns:a16="http://schemas.microsoft.com/office/drawing/2014/main" xmlns="" val="3475086053"/>
+                    <a16:rowId xmlns="" xmlns:a16="http://schemas.microsoft.com/office/drawing/2014/main" val="3475086053"/>
                   </a:ext>
                 </a:extLst>
               </a:tr>
@@ -27897,7 +27923,7 @@
                 </a:tc>
                 <a:extLst>
                   <a:ext uri="{0D108BD9-81ED-4DB2-BD59-A6C34878D82A}">
-                    <a16:rowId xmlns:a16="http://schemas.microsoft.com/office/drawing/2014/main" xmlns="" val="3245955256"/>
+                    <a16:rowId xmlns="" xmlns:a16="http://schemas.microsoft.com/office/drawing/2014/main" val="3245955256"/>
                   </a:ext>
                 </a:extLst>
               </a:tr>
@@ -27949,7 +27975,7 @@
                 </a:tc>
                 <a:extLst>
                   <a:ext uri="{0D108BD9-81ED-4DB2-BD59-A6C34878D82A}">
-                    <a16:rowId xmlns:a16="http://schemas.microsoft.com/office/drawing/2014/main" xmlns="" val="1233959304"/>
+                    <a16:rowId xmlns="" xmlns:a16="http://schemas.microsoft.com/office/drawing/2014/main" val="1233959304"/>
                   </a:ext>
                 </a:extLst>
               </a:tr>
@@ -29563,21 +29589,21 @@
                 <a:gridCol w="873044">
                   <a:extLst>
                     <a:ext uri="{9D8B030D-6E8A-4147-A177-3AD203B41FA5}">
-                      <a16:colId xmlns:a16="http://schemas.microsoft.com/office/drawing/2014/main" xmlns="" val="1842320837"/>
+                      <a16:colId xmlns="" xmlns:a16="http://schemas.microsoft.com/office/drawing/2014/main" val="1842320837"/>
                     </a:ext>
                   </a:extLst>
                 </a:gridCol>
                 <a:gridCol w="717388">
                   <a:extLst>
                     <a:ext uri="{9D8B030D-6E8A-4147-A177-3AD203B41FA5}">
-                      <a16:colId xmlns:a16="http://schemas.microsoft.com/office/drawing/2014/main" xmlns="" val="2038016994"/>
+                      <a16:colId xmlns="" xmlns:a16="http://schemas.microsoft.com/office/drawing/2014/main" val="2038016994"/>
                     </a:ext>
                   </a:extLst>
                 </a:gridCol>
                 <a:gridCol w="1028699">
                   <a:extLst>
                     <a:ext uri="{9D8B030D-6E8A-4147-A177-3AD203B41FA5}">
-                      <a16:colId xmlns:a16="http://schemas.microsoft.com/office/drawing/2014/main" xmlns="" val="3728435139"/>
+                      <a16:colId xmlns="" xmlns:a16="http://schemas.microsoft.com/office/drawing/2014/main" val="3728435139"/>
                     </a:ext>
                   </a:extLst>
                 </a:gridCol>
@@ -29630,7 +29656,7 @@
                 </a:tc>
                 <a:extLst>
                   <a:ext uri="{0D108BD9-81ED-4DB2-BD59-A6C34878D82A}">
-                    <a16:rowId xmlns:a16="http://schemas.microsoft.com/office/drawing/2014/main" xmlns="" val="1025974938"/>
+                    <a16:rowId xmlns="" xmlns:a16="http://schemas.microsoft.com/office/drawing/2014/main" val="1025974938"/>
                   </a:ext>
                 </a:extLst>
               </a:tr>
@@ -29682,7 +29708,7 @@
                 </a:tc>
                 <a:extLst>
                   <a:ext uri="{0D108BD9-81ED-4DB2-BD59-A6C34878D82A}">
-                    <a16:rowId xmlns:a16="http://schemas.microsoft.com/office/drawing/2014/main" xmlns="" val="4077566409"/>
+                    <a16:rowId xmlns="" xmlns:a16="http://schemas.microsoft.com/office/drawing/2014/main" val="4077566409"/>
                   </a:ext>
                 </a:extLst>
               </a:tr>
@@ -29734,7 +29760,7 @@
                 </a:tc>
                 <a:extLst>
                   <a:ext uri="{0D108BD9-81ED-4DB2-BD59-A6C34878D82A}">
-                    <a16:rowId xmlns:a16="http://schemas.microsoft.com/office/drawing/2014/main" xmlns="" val="4214053569"/>
+                    <a16:rowId xmlns="" xmlns:a16="http://schemas.microsoft.com/office/drawing/2014/main" val="4214053569"/>
                   </a:ext>
                 </a:extLst>
               </a:tr>
@@ -29786,7 +29812,7 @@
                 </a:tc>
                 <a:extLst>
                   <a:ext uri="{0D108BD9-81ED-4DB2-BD59-A6C34878D82A}">
-                    <a16:rowId xmlns:a16="http://schemas.microsoft.com/office/drawing/2014/main" xmlns="" val="3475086053"/>
+                    <a16:rowId xmlns="" xmlns:a16="http://schemas.microsoft.com/office/drawing/2014/main" val="3475086053"/>
                   </a:ext>
                 </a:extLst>
               </a:tr>
@@ -29838,7 +29864,7 @@
                 </a:tc>
                 <a:extLst>
                   <a:ext uri="{0D108BD9-81ED-4DB2-BD59-A6C34878D82A}">
-                    <a16:rowId xmlns:a16="http://schemas.microsoft.com/office/drawing/2014/main" xmlns="" val="3245955256"/>
+                    <a16:rowId xmlns="" xmlns:a16="http://schemas.microsoft.com/office/drawing/2014/main" val="3245955256"/>
                   </a:ext>
                 </a:extLst>
               </a:tr>
@@ -29890,7 +29916,7 @@
                 </a:tc>
                 <a:extLst>
                   <a:ext uri="{0D108BD9-81ED-4DB2-BD59-A6C34878D82A}">
-                    <a16:rowId xmlns:a16="http://schemas.microsoft.com/office/drawing/2014/main" xmlns="" val="1233959304"/>
+                    <a16:rowId xmlns="" xmlns:a16="http://schemas.microsoft.com/office/drawing/2014/main" val="1233959304"/>
                   </a:ext>
                 </a:extLst>
               </a:tr>
@@ -31740,21 +31766,21 @@
                 <a:gridCol w="873044">
                   <a:extLst>
                     <a:ext uri="{9D8B030D-6E8A-4147-A177-3AD203B41FA5}">
-                      <a16:colId xmlns:a16="http://schemas.microsoft.com/office/drawing/2014/main" xmlns="" val="1842320837"/>
+                      <a16:colId xmlns="" xmlns:a16="http://schemas.microsoft.com/office/drawing/2014/main" val="1842320837"/>
                     </a:ext>
                   </a:extLst>
                 </a:gridCol>
                 <a:gridCol w="717388">
                   <a:extLst>
                     <a:ext uri="{9D8B030D-6E8A-4147-A177-3AD203B41FA5}">
-                      <a16:colId xmlns:a16="http://schemas.microsoft.com/office/drawing/2014/main" xmlns="" val="2038016994"/>
+                      <a16:colId xmlns="" xmlns:a16="http://schemas.microsoft.com/office/drawing/2014/main" val="2038016994"/>
                     </a:ext>
                   </a:extLst>
                 </a:gridCol>
                 <a:gridCol w="1028699">
                   <a:extLst>
                     <a:ext uri="{9D8B030D-6E8A-4147-A177-3AD203B41FA5}">
-                      <a16:colId xmlns:a16="http://schemas.microsoft.com/office/drawing/2014/main" xmlns="" val="3728435139"/>
+                      <a16:colId xmlns="" xmlns:a16="http://schemas.microsoft.com/office/drawing/2014/main" val="3728435139"/>
                     </a:ext>
                   </a:extLst>
                 </a:gridCol>
@@ -31807,7 +31833,7 @@
                 </a:tc>
                 <a:extLst>
                   <a:ext uri="{0D108BD9-81ED-4DB2-BD59-A6C34878D82A}">
-                    <a16:rowId xmlns:a16="http://schemas.microsoft.com/office/drawing/2014/main" xmlns="" val="1025974938"/>
+                    <a16:rowId xmlns="" xmlns:a16="http://schemas.microsoft.com/office/drawing/2014/main" val="1025974938"/>
                   </a:ext>
                 </a:extLst>
               </a:tr>
@@ -31859,7 +31885,7 @@
                 </a:tc>
                 <a:extLst>
                   <a:ext uri="{0D108BD9-81ED-4DB2-BD59-A6C34878D82A}">
-                    <a16:rowId xmlns:a16="http://schemas.microsoft.com/office/drawing/2014/main" xmlns="" val="4077566409"/>
+                    <a16:rowId xmlns="" xmlns:a16="http://schemas.microsoft.com/office/drawing/2014/main" val="4077566409"/>
                   </a:ext>
                 </a:extLst>
               </a:tr>
@@ -31911,7 +31937,7 @@
                 </a:tc>
                 <a:extLst>
                   <a:ext uri="{0D108BD9-81ED-4DB2-BD59-A6C34878D82A}">
-                    <a16:rowId xmlns:a16="http://schemas.microsoft.com/office/drawing/2014/main" xmlns="" val="4214053569"/>
+                    <a16:rowId xmlns="" xmlns:a16="http://schemas.microsoft.com/office/drawing/2014/main" val="4214053569"/>
                   </a:ext>
                 </a:extLst>
               </a:tr>
@@ -31963,7 +31989,7 @@
                 </a:tc>
                 <a:extLst>
                   <a:ext uri="{0D108BD9-81ED-4DB2-BD59-A6C34878D82A}">
-                    <a16:rowId xmlns:a16="http://schemas.microsoft.com/office/drawing/2014/main" xmlns="" val="3475086053"/>
+                    <a16:rowId xmlns="" xmlns:a16="http://schemas.microsoft.com/office/drawing/2014/main" val="3475086053"/>
                   </a:ext>
                 </a:extLst>
               </a:tr>
@@ -32015,7 +32041,7 @@
                 </a:tc>
                 <a:extLst>
                   <a:ext uri="{0D108BD9-81ED-4DB2-BD59-A6C34878D82A}">
-                    <a16:rowId xmlns:a16="http://schemas.microsoft.com/office/drawing/2014/main" xmlns="" val="3245955256"/>
+                    <a16:rowId xmlns="" xmlns:a16="http://schemas.microsoft.com/office/drawing/2014/main" val="3245955256"/>
                   </a:ext>
                 </a:extLst>
               </a:tr>
@@ -32067,7 +32093,7 @@
                 </a:tc>
                 <a:extLst>
                   <a:ext uri="{0D108BD9-81ED-4DB2-BD59-A6C34878D82A}">
-                    <a16:rowId xmlns:a16="http://schemas.microsoft.com/office/drawing/2014/main" xmlns="" val="1233959304"/>
+                    <a16:rowId xmlns="" xmlns:a16="http://schemas.microsoft.com/office/drawing/2014/main" val="1233959304"/>
                   </a:ext>
                 </a:extLst>
               </a:tr>
@@ -34486,21 +34512,21 @@
                 <a:gridCol w="873044">
                   <a:extLst>
                     <a:ext uri="{9D8B030D-6E8A-4147-A177-3AD203B41FA5}">
-                      <a16:colId xmlns:a16="http://schemas.microsoft.com/office/drawing/2014/main" xmlns="" val="1842320837"/>
+                      <a16:colId xmlns="" xmlns:a16="http://schemas.microsoft.com/office/drawing/2014/main" val="1842320837"/>
                     </a:ext>
                   </a:extLst>
                 </a:gridCol>
                 <a:gridCol w="717388">
                   <a:extLst>
                     <a:ext uri="{9D8B030D-6E8A-4147-A177-3AD203B41FA5}">
-                      <a16:colId xmlns:a16="http://schemas.microsoft.com/office/drawing/2014/main" xmlns="" val="2038016994"/>
+                      <a16:colId xmlns="" xmlns:a16="http://schemas.microsoft.com/office/drawing/2014/main" val="2038016994"/>
                     </a:ext>
                   </a:extLst>
                 </a:gridCol>
                 <a:gridCol w="1028699">
                   <a:extLst>
                     <a:ext uri="{9D8B030D-6E8A-4147-A177-3AD203B41FA5}">
-                      <a16:colId xmlns:a16="http://schemas.microsoft.com/office/drawing/2014/main" xmlns="" val="3728435139"/>
+                      <a16:colId xmlns="" xmlns:a16="http://schemas.microsoft.com/office/drawing/2014/main" val="3728435139"/>
                     </a:ext>
                   </a:extLst>
                 </a:gridCol>
@@ -34553,7 +34579,7 @@
                 </a:tc>
                 <a:extLst>
                   <a:ext uri="{0D108BD9-81ED-4DB2-BD59-A6C34878D82A}">
-                    <a16:rowId xmlns:a16="http://schemas.microsoft.com/office/drawing/2014/main" xmlns="" val="1025974938"/>
+                    <a16:rowId xmlns="" xmlns:a16="http://schemas.microsoft.com/office/drawing/2014/main" val="1025974938"/>
                   </a:ext>
                 </a:extLst>
               </a:tr>
@@ -34605,7 +34631,7 @@
                 </a:tc>
                 <a:extLst>
                   <a:ext uri="{0D108BD9-81ED-4DB2-BD59-A6C34878D82A}">
-                    <a16:rowId xmlns:a16="http://schemas.microsoft.com/office/drawing/2014/main" xmlns="" val="4077566409"/>
+                    <a16:rowId xmlns="" xmlns:a16="http://schemas.microsoft.com/office/drawing/2014/main" val="4077566409"/>
                   </a:ext>
                 </a:extLst>
               </a:tr>
@@ -34657,7 +34683,7 @@
                 </a:tc>
                 <a:extLst>
                   <a:ext uri="{0D108BD9-81ED-4DB2-BD59-A6C34878D82A}">
-                    <a16:rowId xmlns:a16="http://schemas.microsoft.com/office/drawing/2014/main" xmlns="" val="4214053569"/>
+                    <a16:rowId xmlns="" xmlns:a16="http://schemas.microsoft.com/office/drawing/2014/main" val="4214053569"/>
                   </a:ext>
                 </a:extLst>
               </a:tr>
@@ -34709,7 +34735,7 @@
                 </a:tc>
                 <a:extLst>
                   <a:ext uri="{0D108BD9-81ED-4DB2-BD59-A6C34878D82A}">
-                    <a16:rowId xmlns:a16="http://schemas.microsoft.com/office/drawing/2014/main" xmlns="" val="3475086053"/>
+                    <a16:rowId xmlns="" xmlns:a16="http://schemas.microsoft.com/office/drawing/2014/main" val="3475086053"/>
                   </a:ext>
                 </a:extLst>
               </a:tr>
@@ -34761,7 +34787,7 @@
                 </a:tc>
                 <a:extLst>
                   <a:ext uri="{0D108BD9-81ED-4DB2-BD59-A6C34878D82A}">
-                    <a16:rowId xmlns:a16="http://schemas.microsoft.com/office/drawing/2014/main" xmlns="" val="3245955256"/>
+                    <a16:rowId xmlns="" xmlns:a16="http://schemas.microsoft.com/office/drawing/2014/main" val="3245955256"/>
                   </a:ext>
                 </a:extLst>
               </a:tr>
@@ -34813,7 +34839,7 @@
                 </a:tc>
                 <a:extLst>
                   <a:ext uri="{0D108BD9-81ED-4DB2-BD59-A6C34878D82A}">
-                    <a16:rowId xmlns:a16="http://schemas.microsoft.com/office/drawing/2014/main" xmlns="" val="1233959304"/>
+                    <a16:rowId xmlns="" xmlns:a16="http://schemas.microsoft.com/office/drawing/2014/main" val="1233959304"/>
                   </a:ext>
                 </a:extLst>
               </a:tr>
@@ -37122,21 +37148,21 @@
                 <a:gridCol w="873044">
                   <a:extLst>
                     <a:ext uri="{9D8B030D-6E8A-4147-A177-3AD203B41FA5}">
-                      <a16:colId xmlns:a16="http://schemas.microsoft.com/office/drawing/2014/main" xmlns="" val="1842320837"/>
+                      <a16:colId xmlns="" xmlns:a16="http://schemas.microsoft.com/office/drawing/2014/main" val="1842320837"/>
                     </a:ext>
                   </a:extLst>
                 </a:gridCol>
                 <a:gridCol w="717388">
                   <a:extLst>
                     <a:ext uri="{9D8B030D-6E8A-4147-A177-3AD203B41FA5}">
-                      <a16:colId xmlns:a16="http://schemas.microsoft.com/office/drawing/2014/main" xmlns="" val="2038016994"/>
+                      <a16:colId xmlns="" xmlns:a16="http://schemas.microsoft.com/office/drawing/2014/main" val="2038016994"/>
                     </a:ext>
                   </a:extLst>
                 </a:gridCol>
                 <a:gridCol w="1028699">
                   <a:extLst>
                     <a:ext uri="{9D8B030D-6E8A-4147-A177-3AD203B41FA5}">
-                      <a16:colId xmlns:a16="http://schemas.microsoft.com/office/drawing/2014/main" xmlns="" val="3728435139"/>
+                      <a16:colId xmlns="" xmlns:a16="http://schemas.microsoft.com/office/drawing/2014/main" val="3728435139"/>
                     </a:ext>
                   </a:extLst>
                 </a:gridCol>
@@ -37189,7 +37215,7 @@
                 </a:tc>
                 <a:extLst>
                   <a:ext uri="{0D108BD9-81ED-4DB2-BD59-A6C34878D82A}">
-                    <a16:rowId xmlns:a16="http://schemas.microsoft.com/office/drawing/2014/main" xmlns="" val="1025974938"/>
+                    <a16:rowId xmlns="" xmlns:a16="http://schemas.microsoft.com/office/drawing/2014/main" val="1025974938"/>
                   </a:ext>
                 </a:extLst>
               </a:tr>
@@ -37241,7 +37267,7 @@
                 </a:tc>
                 <a:extLst>
                   <a:ext uri="{0D108BD9-81ED-4DB2-BD59-A6C34878D82A}">
-                    <a16:rowId xmlns:a16="http://schemas.microsoft.com/office/drawing/2014/main" xmlns="" val="4077566409"/>
+                    <a16:rowId xmlns="" xmlns:a16="http://schemas.microsoft.com/office/drawing/2014/main" val="4077566409"/>
                   </a:ext>
                 </a:extLst>
               </a:tr>
@@ -37293,7 +37319,7 @@
                 </a:tc>
                 <a:extLst>
                   <a:ext uri="{0D108BD9-81ED-4DB2-BD59-A6C34878D82A}">
-                    <a16:rowId xmlns:a16="http://schemas.microsoft.com/office/drawing/2014/main" xmlns="" val="4214053569"/>
+                    <a16:rowId xmlns="" xmlns:a16="http://schemas.microsoft.com/office/drawing/2014/main" val="4214053569"/>
                   </a:ext>
                 </a:extLst>
               </a:tr>
@@ -37345,7 +37371,7 @@
                 </a:tc>
                 <a:extLst>
                   <a:ext uri="{0D108BD9-81ED-4DB2-BD59-A6C34878D82A}">
-                    <a16:rowId xmlns:a16="http://schemas.microsoft.com/office/drawing/2014/main" xmlns="" val="3475086053"/>
+                    <a16:rowId xmlns="" xmlns:a16="http://schemas.microsoft.com/office/drawing/2014/main" val="3475086053"/>
                   </a:ext>
                 </a:extLst>
               </a:tr>
@@ -37397,7 +37423,7 @@
                 </a:tc>
                 <a:extLst>
                   <a:ext uri="{0D108BD9-81ED-4DB2-BD59-A6C34878D82A}">
-                    <a16:rowId xmlns:a16="http://schemas.microsoft.com/office/drawing/2014/main" xmlns="" val="3245955256"/>
+                    <a16:rowId xmlns="" xmlns:a16="http://schemas.microsoft.com/office/drawing/2014/main" val="3245955256"/>
                   </a:ext>
                 </a:extLst>
               </a:tr>
@@ -37449,7 +37475,7 @@
                 </a:tc>
                 <a:extLst>
                   <a:ext uri="{0D108BD9-81ED-4DB2-BD59-A6C34878D82A}">
-                    <a16:rowId xmlns:a16="http://schemas.microsoft.com/office/drawing/2014/main" xmlns="" val="1233959304"/>
+                    <a16:rowId xmlns="" xmlns:a16="http://schemas.microsoft.com/office/drawing/2014/main" val="1233959304"/>
                   </a:ext>
                 </a:extLst>
               </a:tr>
@@ -39965,21 +39991,21 @@
                 <a:gridCol w="873044">
                   <a:extLst>
                     <a:ext uri="{9D8B030D-6E8A-4147-A177-3AD203B41FA5}">
-                      <a16:colId xmlns:a16="http://schemas.microsoft.com/office/drawing/2014/main" xmlns="" val="1842320837"/>
+                      <a16:colId xmlns="" xmlns:a16="http://schemas.microsoft.com/office/drawing/2014/main" val="1842320837"/>
                     </a:ext>
                   </a:extLst>
                 </a:gridCol>
                 <a:gridCol w="717388">
                   <a:extLst>
                     <a:ext uri="{9D8B030D-6E8A-4147-A177-3AD203B41FA5}">
-                      <a16:colId xmlns:a16="http://schemas.microsoft.com/office/drawing/2014/main" xmlns="" val="2038016994"/>
+                      <a16:colId xmlns="" xmlns:a16="http://schemas.microsoft.com/office/drawing/2014/main" val="2038016994"/>
                     </a:ext>
                   </a:extLst>
                 </a:gridCol>
                 <a:gridCol w="1028699">
                   <a:extLst>
                     <a:ext uri="{9D8B030D-6E8A-4147-A177-3AD203B41FA5}">
-                      <a16:colId xmlns:a16="http://schemas.microsoft.com/office/drawing/2014/main" xmlns="" val="3728435139"/>
+                      <a16:colId xmlns="" xmlns:a16="http://schemas.microsoft.com/office/drawing/2014/main" val="3728435139"/>
                     </a:ext>
                   </a:extLst>
                 </a:gridCol>
@@ -40032,7 +40058,7 @@
                 </a:tc>
                 <a:extLst>
                   <a:ext uri="{0D108BD9-81ED-4DB2-BD59-A6C34878D82A}">
-                    <a16:rowId xmlns:a16="http://schemas.microsoft.com/office/drawing/2014/main" xmlns="" val="1025974938"/>
+                    <a16:rowId xmlns="" xmlns:a16="http://schemas.microsoft.com/office/drawing/2014/main" val="1025974938"/>
                   </a:ext>
                 </a:extLst>
               </a:tr>
@@ -40084,7 +40110,7 @@
                 </a:tc>
                 <a:extLst>
                   <a:ext uri="{0D108BD9-81ED-4DB2-BD59-A6C34878D82A}">
-                    <a16:rowId xmlns:a16="http://schemas.microsoft.com/office/drawing/2014/main" xmlns="" val="4077566409"/>
+                    <a16:rowId xmlns="" xmlns:a16="http://schemas.microsoft.com/office/drawing/2014/main" val="4077566409"/>
                   </a:ext>
                 </a:extLst>
               </a:tr>
@@ -40136,7 +40162,7 @@
                 </a:tc>
                 <a:extLst>
                   <a:ext uri="{0D108BD9-81ED-4DB2-BD59-A6C34878D82A}">
-                    <a16:rowId xmlns:a16="http://schemas.microsoft.com/office/drawing/2014/main" xmlns="" val="4214053569"/>
+                    <a16:rowId xmlns="" xmlns:a16="http://schemas.microsoft.com/office/drawing/2014/main" val="4214053569"/>
                   </a:ext>
                 </a:extLst>
               </a:tr>
@@ -40188,7 +40214,7 @@
                 </a:tc>
                 <a:extLst>
                   <a:ext uri="{0D108BD9-81ED-4DB2-BD59-A6C34878D82A}">
-                    <a16:rowId xmlns:a16="http://schemas.microsoft.com/office/drawing/2014/main" xmlns="" val="3475086053"/>
+                    <a16:rowId xmlns="" xmlns:a16="http://schemas.microsoft.com/office/drawing/2014/main" val="3475086053"/>
                   </a:ext>
                 </a:extLst>
               </a:tr>
@@ -40240,7 +40266,7 @@
                 </a:tc>
                 <a:extLst>
                   <a:ext uri="{0D108BD9-81ED-4DB2-BD59-A6C34878D82A}">
-                    <a16:rowId xmlns:a16="http://schemas.microsoft.com/office/drawing/2014/main" xmlns="" val="3245955256"/>
+                    <a16:rowId xmlns="" xmlns:a16="http://schemas.microsoft.com/office/drawing/2014/main" val="3245955256"/>
                   </a:ext>
                 </a:extLst>
               </a:tr>
@@ -40292,7 +40318,7 @@
                 </a:tc>
                 <a:extLst>
                   <a:ext uri="{0D108BD9-81ED-4DB2-BD59-A6C34878D82A}">
-                    <a16:rowId xmlns:a16="http://schemas.microsoft.com/office/drawing/2014/main" xmlns="" val="1233959304"/>
+                    <a16:rowId xmlns="" xmlns:a16="http://schemas.microsoft.com/office/drawing/2014/main" val="1233959304"/>
                   </a:ext>
                 </a:extLst>
               </a:tr>
